--- a/python-samples.pptx
+++ b/python-samples.pptx
@@ -5,10 +5,11 @@
     <p:sldMasterId id="2147483648" r:id="rId1"/>
   </p:sldMasterIdLst>
   <p:notesMasterIdLst>
-    <p:notesMasterId r:id="rId3"/>
+    <p:notesMasterId r:id="rId4"/>
   </p:notesMasterIdLst>
   <p:sldIdLst>
     <p:sldId id="257" r:id="rId2"/>
+    <p:sldId id="258" r:id="rId3"/>
   </p:sldIdLst>
   <p:sldSz cx="12192000" cy="6858000"/>
   <p:notesSz cx="6858000" cy="9144000"/>
@@ -107,6 +108,11 @@
       </a:defRPr>
     </a:lvl9pPr>
   </p:defaultTextStyle>
+  <p:extLst>
+    <p:ext uri="{EFAFB233-063F-42B5-8137-9DF3F51BA10A}">
+      <p15:sldGuideLst xmlns:p15="http://schemas.microsoft.com/office/powerpoint/2012/main"/>
+    </p:ext>
+  </p:extLst>
 </p:presentation>
 </file>
 
@@ -192,7 +198,7 @@
           <a:p>
             <a:fld id="{D908175C-D22D-C34B-8666-11C251367C6C}" type="datetimeFigureOut">
               <a:rPr lang="en-US" smtClean="0"/>
-              <a:t>12/19/21</a:t>
+              <a:t>12/23/21</a:t>
             </a:fld>
             <a:endParaRPr lang="en-US"/>
           </a:p>
@@ -543,6 +549,90 @@
 </p:notes>
 </file>
 
+<file path=ppt/notesSlides/notesSlide2.xml><?xml version="1.0" encoding="utf-8"?>
+<p:notes xmlns:a="http://schemas.openxmlformats.org/drawingml/2006/main" xmlns:r="http://schemas.openxmlformats.org/officeDocument/2006/relationships" xmlns:p="http://schemas.openxmlformats.org/presentationml/2006/main">
+  <p:cSld>
+    <p:spTree>
+      <p:nvGrpSpPr>
+        <p:cNvPr id="1" name=""/>
+        <p:cNvGrpSpPr/>
+        <p:nvPr/>
+      </p:nvGrpSpPr>
+      <p:grpSpPr>
+        <a:xfrm>
+          <a:off x="0" y="0"/>
+          <a:ext cx="0" cy="0"/>
+          <a:chOff x="0" y="0"/>
+          <a:chExt cx="0" cy="0"/>
+        </a:xfrm>
+      </p:grpSpPr>
+      <p:sp>
+        <p:nvSpPr>
+          <p:cNvPr id="2" name="Slide Image Placeholder 1"/>
+          <p:cNvSpPr>
+            <a:spLocks noGrp="1" noRot="1" noChangeAspect="1"/>
+          </p:cNvSpPr>
+          <p:nvPr>
+            <p:ph type="sldImg"/>
+          </p:nvPr>
+        </p:nvSpPr>
+        <p:spPr/>
+      </p:sp>
+      <p:sp>
+        <p:nvSpPr>
+          <p:cNvPr id="3" name="Notes Placeholder 2"/>
+          <p:cNvSpPr>
+            <a:spLocks noGrp="1"/>
+          </p:cNvSpPr>
+          <p:nvPr>
+            <p:ph type="body" idx="1"/>
+          </p:nvPr>
+        </p:nvSpPr>
+        <p:spPr/>
+        <p:txBody>
+          <a:bodyPr/>
+          <a:lstStyle/>
+          <a:p>
+            <a:endParaRPr lang="en-US" dirty="0"/>
+          </a:p>
+        </p:txBody>
+      </p:sp>
+      <p:sp>
+        <p:nvSpPr>
+          <p:cNvPr id="4" name="Slide Number Placeholder 3"/>
+          <p:cNvSpPr>
+            <a:spLocks noGrp="1"/>
+          </p:cNvSpPr>
+          <p:nvPr>
+            <p:ph type="sldNum" sz="quarter" idx="5"/>
+          </p:nvPr>
+        </p:nvSpPr>
+        <p:spPr/>
+        <p:txBody>
+          <a:bodyPr/>
+          <a:lstStyle/>
+          <a:p>
+            <a:fld id="{BBFBE57B-062A-7844-9907-B3986A50F15E}" type="slidenum">
+              <a:rPr lang="en-US" smtClean="0"/>
+              <a:t>2</a:t>
+            </a:fld>
+            <a:endParaRPr lang="en-US"/>
+          </a:p>
+        </p:txBody>
+      </p:sp>
+    </p:spTree>
+    <p:extLst>
+      <p:ext uri="{BB962C8B-B14F-4D97-AF65-F5344CB8AC3E}">
+        <p14:creationId xmlns:p14="http://schemas.microsoft.com/office/powerpoint/2010/main" val="349475145"/>
+      </p:ext>
+    </p:extLst>
+  </p:cSld>
+  <p:clrMapOvr>
+    <a:masterClrMapping/>
+  </p:clrMapOvr>
+</p:notes>
+</file>
+
 <file path=ppt/slideLayouts/slideLayout1.xml><?xml version="1.0" encoding="utf-8"?>
 <p:sldLayout xmlns:a="http://schemas.openxmlformats.org/drawingml/2006/main" xmlns:r="http://schemas.openxmlformats.org/officeDocument/2006/relationships" xmlns:p="http://schemas.openxmlformats.org/presentationml/2006/main" type="title" preserve="1">
   <p:cSld name="Title Slide">
@@ -690,7 +780,7 @@
           <a:p>
             <a:fld id="{1A4A0011-0C42-BD4A-8F81-FDC9FEDBB629}" type="datetimeFigureOut">
               <a:rPr lang="en-US" smtClean="0"/>
-              <a:t>12/19/21</a:t>
+              <a:t>12/23/21</a:t>
             </a:fld>
             <a:endParaRPr lang="en-US"/>
           </a:p>
@@ -888,7 +978,7 @@
           <a:p>
             <a:fld id="{1A4A0011-0C42-BD4A-8F81-FDC9FEDBB629}" type="datetimeFigureOut">
               <a:rPr lang="en-US" smtClean="0"/>
-              <a:t>12/19/21</a:t>
+              <a:t>12/23/21</a:t>
             </a:fld>
             <a:endParaRPr lang="en-US"/>
           </a:p>
@@ -1096,7 +1186,7 @@
           <a:p>
             <a:fld id="{1A4A0011-0C42-BD4A-8F81-FDC9FEDBB629}" type="datetimeFigureOut">
               <a:rPr lang="en-US" smtClean="0"/>
-              <a:t>12/19/21</a:t>
+              <a:t>12/23/21</a:t>
             </a:fld>
             <a:endParaRPr lang="en-US"/>
           </a:p>
@@ -1294,7 +1384,7 @@
           <a:p>
             <a:fld id="{1A4A0011-0C42-BD4A-8F81-FDC9FEDBB629}" type="datetimeFigureOut">
               <a:rPr lang="en-US" smtClean="0"/>
-              <a:t>12/19/21</a:t>
+              <a:t>12/23/21</a:t>
             </a:fld>
             <a:endParaRPr lang="en-US"/>
           </a:p>
@@ -1569,7 +1659,7 @@
           <a:p>
             <a:fld id="{1A4A0011-0C42-BD4A-8F81-FDC9FEDBB629}" type="datetimeFigureOut">
               <a:rPr lang="en-US" smtClean="0"/>
-              <a:t>12/19/21</a:t>
+              <a:t>12/23/21</a:t>
             </a:fld>
             <a:endParaRPr lang="en-US"/>
           </a:p>
@@ -1834,7 +1924,7 @@
           <a:p>
             <a:fld id="{1A4A0011-0C42-BD4A-8F81-FDC9FEDBB629}" type="datetimeFigureOut">
               <a:rPr lang="en-US" smtClean="0"/>
-              <a:t>12/19/21</a:t>
+              <a:t>12/23/21</a:t>
             </a:fld>
             <a:endParaRPr lang="en-US"/>
           </a:p>
@@ -2246,7 +2336,7 @@
           <a:p>
             <a:fld id="{1A4A0011-0C42-BD4A-8F81-FDC9FEDBB629}" type="datetimeFigureOut">
               <a:rPr lang="en-US" smtClean="0"/>
-              <a:t>12/19/21</a:t>
+              <a:t>12/23/21</a:t>
             </a:fld>
             <a:endParaRPr lang="en-US"/>
           </a:p>
@@ -2387,7 +2477,7 @@
           <a:p>
             <a:fld id="{1A4A0011-0C42-BD4A-8F81-FDC9FEDBB629}" type="datetimeFigureOut">
               <a:rPr lang="en-US" smtClean="0"/>
-              <a:t>12/19/21</a:t>
+              <a:t>12/23/21</a:t>
             </a:fld>
             <a:endParaRPr lang="en-US"/>
           </a:p>
@@ -2500,7 +2590,7 @@
           <a:p>
             <a:fld id="{1A4A0011-0C42-BD4A-8F81-FDC9FEDBB629}" type="datetimeFigureOut">
               <a:rPr lang="en-US" smtClean="0"/>
-              <a:t>12/19/21</a:t>
+              <a:t>12/23/21</a:t>
             </a:fld>
             <a:endParaRPr lang="en-US"/>
           </a:p>
@@ -2811,7 +2901,7 @@
           <a:p>
             <a:fld id="{1A4A0011-0C42-BD4A-8F81-FDC9FEDBB629}" type="datetimeFigureOut">
               <a:rPr lang="en-US" smtClean="0"/>
-              <a:t>12/19/21</a:t>
+              <a:t>12/23/21</a:t>
             </a:fld>
             <a:endParaRPr lang="en-US"/>
           </a:p>
@@ -3099,7 +3189,7 @@
           <a:p>
             <a:fld id="{1A4A0011-0C42-BD4A-8F81-FDC9FEDBB629}" type="datetimeFigureOut">
               <a:rPr lang="en-US" smtClean="0"/>
-              <a:t>12/19/21</a:t>
+              <a:t>12/23/21</a:t>
             </a:fld>
             <a:endParaRPr lang="en-US"/>
           </a:p>
@@ -3340,7 +3430,7 @@
           <a:p>
             <a:fld id="{1A4A0011-0C42-BD4A-8F81-FDC9FEDBB629}" type="datetimeFigureOut">
               <a:rPr lang="en-US" smtClean="0"/>
-              <a:t>12/19/21</a:t>
+              <a:t>12/23/21</a:t>
             </a:fld>
             <a:endParaRPr lang="en-US"/>
           </a:p>
@@ -5157,8 +5247,8 @@
         </p:nvSpPr>
         <p:spPr>
           <a:xfrm>
-            <a:off x="921005" y="2660876"/>
-            <a:ext cx="1855259" cy="500552"/>
+            <a:off x="921005" y="2783906"/>
+            <a:ext cx="1855259" cy="377522"/>
           </a:xfrm>
           <a:prstGeom prst="rect">
             <a:avLst/>
@@ -5749,6 +5839,2044 @@
     <p:extLst>
       <p:ext uri="{BB962C8B-B14F-4D97-AF65-F5344CB8AC3E}">
         <p14:creationId xmlns:p14="http://schemas.microsoft.com/office/powerpoint/2010/main" val="37272507"/>
+      </p:ext>
+    </p:extLst>
+  </p:cSld>
+  <p:clrMapOvr>
+    <a:masterClrMapping/>
+  </p:clrMapOvr>
+</p:sld>
+</file>
+
+<file path=ppt/slides/slide2.xml><?xml version="1.0" encoding="utf-8"?>
+<p:sld xmlns:a="http://schemas.openxmlformats.org/drawingml/2006/main" xmlns:r="http://schemas.openxmlformats.org/officeDocument/2006/relationships" xmlns:p="http://schemas.openxmlformats.org/presentationml/2006/main">
+  <p:cSld>
+    <p:spTree>
+      <p:nvGrpSpPr>
+        <p:cNvPr id="1" name=""/>
+        <p:cNvGrpSpPr/>
+        <p:nvPr/>
+      </p:nvGrpSpPr>
+      <p:grpSpPr>
+        <a:xfrm>
+          <a:off x="0" y="0"/>
+          <a:ext cx="0" cy="0"/>
+          <a:chOff x="0" y="0"/>
+          <a:chExt cx="0" cy="0"/>
+        </a:xfrm>
+      </p:grpSpPr>
+      <p:sp>
+        <p:nvSpPr>
+          <p:cNvPr id="2" name="Title 1">
+            <a:extLst>
+              <a:ext uri="{FF2B5EF4-FFF2-40B4-BE49-F238E27FC236}">
+                <a16:creationId xmlns:a16="http://schemas.microsoft.com/office/drawing/2014/main" id="{2F1AD69E-251E-9648-96FE-DC237CA6FD95}"/>
+              </a:ext>
+            </a:extLst>
+          </p:cNvPr>
+          <p:cNvSpPr>
+            <a:spLocks noGrp="1"/>
+          </p:cNvSpPr>
+          <p:nvPr>
+            <p:ph type="title"/>
+          </p:nvPr>
+        </p:nvSpPr>
+        <p:spPr/>
+        <p:txBody>
+          <a:bodyPr/>
+          <a:lstStyle/>
+          <a:p>
+            <a:endParaRPr lang="en-US"/>
+          </a:p>
+        </p:txBody>
+      </p:sp>
+      <p:sp>
+        <p:nvSpPr>
+          <p:cNvPr id="4" name="Rectangle 3">
+            <a:extLst>
+              <a:ext uri="{FF2B5EF4-FFF2-40B4-BE49-F238E27FC236}">
+                <a16:creationId xmlns:a16="http://schemas.microsoft.com/office/drawing/2014/main" id="{6DF6B6F3-6AE0-ED4C-B435-D38E4BC771EE}"/>
+              </a:ext>
+            </a:extLst>
+          </p:cNvPr>
+          <p:cNvSpPr/>
+          <p:nvPr/>
+        </p:nvSpPr>
+        <p:spPr>
+          <a:xfrm>
+            <a:off x="1393293" y="4055045"/>
+            <a:ext cx="1581680" cy="355433"/>
+          </a:xfrm>
+          <a:prstGeom prst="rect">
+            <a:avLst/>
+          </a:prstGeom>
+        </p:spPr>
+        <p:style>
+          <a:lnRef idx="2">
+            <a:schemeClr val="accent1">
+              <a:shade val="50000"/>
+            </a:schemeClr>
+          </a:lnRef>
+          <a:fillRef idx="1">
+            <a:schemeClr val="accent1"/>
+          </a:fillRef>
+          <a:effectRef idx="0">
+            <a:schemeClr val="accent1"/>
+          </a:effectRef>
+          <a:fontRef idx="minor">
+            <a:schemeClr val="lt1"/>
+          </a:fontRef>
+        </p:style>
+        <p:txBody>
+          <a:bodyPr rtlCol="0" anchor="ctr"/>
+          <a:lstStyle/>
+          <a:p>
+            <a:r>
+              <a:rPr lang="en-US" dirty="0" err="1"/>
+              <a:t>lookup_ipaddr</a:t>
+            </a:r>
+            <a:endParaRPr lang="en-US" dirty="0"/>
+          </a:p>
+        </p:txBody>
+      </p:sp>
+      <p:sp>
+        <p:nvSpPr>
+          <p:cNvPr id="7" name="Rectangle 6">
+            <a:extLst>
+              <a:ext uri="{FF2B5EF4-FFF2-40B4-BE49-F238E27FC236}">
+                <a16:creationId xmlns:a16="http://schemas.microsoft.com/office/drawing/2014/main" id="{7B210D3D-E33B-F445-BCAA-59E014AA957E}"/>
+              </a:ext>
+            </a:extLst>
+          </p:cNvPr>
+          <p:cNvSpPr/>
+          <p:nvPr/>
+        </p:nvSpPr>
+        <p:spPr>
+          <a:xfrm>
+            <a:off x="7730952" y="3995097"/>
+            <a:ext cx="1308100" cy="352329"/>
+          </a:xfrm>
+          <a:prstGeom prst="rect">
+            <a:avLst/>
+          </a:prstGeom>
+        </p:spPr>
+        <p:style>
+          <a:lnRef idx="2">
+            <a:schemeClr val="accent1">
+              <a:shade val="50000"/>
+            </a:schemeClr>
+          </a:lnRef>
+          <a:fillRef idx="1">
+            <a:schemeClr val="accent1"/>
+          </a:fillRef>
+          <a:effectRef idx="0">
+            <a:schemeClr val="accent1"/>
+          </a:effectRef>
+          <a:fontRef idx="minor">
+            <a:schemeClr val="lt1"/>
+          </a:fontRef>
+        </p:style>
+        <p:txBody>
+          <a:bodyPr rtlCol="0" anchor="ctr"/>
+          <a:lstStyle/>
+          <a:p>
+            <a:pPr algn="ctr"/>
+            <a:r>
+              <a:rPr lang="en-US" dirty="0"/>
+              <a:t>LOCALE</a:t>
+            </a:r>
+          </a:p>
+        </p:txBody>
+      </p:sp>
+      <p:cxnSp>
+        <p:nvCxnSpPr>
+          <p:cNvPr id="8" name="Straight Arrow Connector 7">
+            <a:extLst>
+              <a:ext uri="{FF2B5EF4-FFF2-40B4-BE49-F238E27FC236}">
+                <a16:creationId xmlns:a16="http://schemas.microsoft.com/office/drawing/2014/main" id="{0E1FAAE9-EE9B-C545-9C1E-4DA9839013FB}"/>
+              </a:ext>
+            </a:extLst>
+          </p:cNvPr>
+          <p:cNvCxnSpPr>
+            <a:cxnSpLocks/>
+            <a:stCxn id="7" idx="3"/>
+          </p:cNvCxnSpPr>
+          <p:nvPr/>
+        </p:nvCxnSpPr>
+        <p:spPr>
+          <a:xfrm>
+            <a:off x="9039052" y="4171262"/>
+            <a:ext cx="2093381" cy="0"/>
+          </a:xfrm>
+          <a:prstGeom prst="straightConnector1">
+            <a:avLst/>
+          </a:prstGeom>
+          <a:ln w="25400">
+            <a:tailEnd type="triangle" w="lg" len="lg"/>
+          </a:ln>
+        </p:spPr>
+        <p:style>
+          <a:lnRef idx="1">
+            <a:schemeClr val="accent1"/>
+          </a:lnRef>
+          <a:fillRef idx="0">
+            <a:schemeClr val="accent1"/>
+          </a:fillRef>
+          <a:effectRef idx="0">
+            <a:schemeClr val="accent1"/>
+          </a:effectRef>
+          <a:fontRef idx="minor">
+            <a:schemeClr val="tx1"/>
+          </a:fontRef>
+        </p:style>
+      </p:cxnSp>
+      <p:cxnSp>
+        <p:nvCxnSpPr>
+          <p:cNvPr id="10" name="Straight Arrow Connector 9">
+            <a:extLst>
+              <a:ext uri="{FF2B5EF4-FFF2-40B4-BE49-F238E27FC236}">
+                <a16:creationId xmlns:a16="http://schemas.microsoft.com/office/drawing/2014/main" id="{B1E30D68-4C5A-B14D-AF15-476352BB22CC}"/>
+              </a:ext>
+            </a:extLst>
+          </p:cNvPr>
+          <p:cNvCxnSpPr>
+            <a:cxnSpLocks/>
+            <a:stCxn id="99" idx="3"/>
+            <a:endCxn id="7" idx="1"/>
+          </p:cNvCxnSpPr>
+          <p:nvPr/>
+        </p:nvCxnSpPr>
+        <p:spPr>
+          <a:xfrm flipV="1">
+            <a:off x="5290083" y="4171262"/>
+            <a:ext cx="2440869" cy="54595"/>
+          </a:xfrm>
+          <a:prstGeom prst="straightConnector1">
+            <a:avLst/>
+          </a:prstGeom>
+          <a:ln w="25400">
+            <a:tailEnd type="triangle" w="lg" len="lg"/>
+          </a:ln>
+        </p:spPr>
+        <p:style>
+          <a:lnRef idx="1">
+            <a:schemeClr val="accent1"/>
+          </a:lnRef>
+          <a:fillRef idx="0">
+            <a:schemeClr val="accent1"/>
+          </a:fillRef>
+          <a:effectRef idx="0">
+            <a:schemeClr val="accent1"/>
+          </a:effectRef>
+          <a:fontRef idx="minor">
+            <a:schemeClr val="tx1"/>
+          </a:fontRef>
+        </p:style>
+      </p:cxnSp>
+      <p:sp>
+        <p:nvSpPr>
+          <p:cNvPr id="12" name="Rectangle 11">
+            <a:extLst>
+              <a:ext uri="{FF2B5EF4-FFF2-40B4-BE49-F238E27FC236}">
+                <a16:creationId xmlns:a16="http://schemas.microsoft.com/office/drawing/2014/main" id="{443B26A2-75AB-A24A-BEE0-7330D1B3D3A0}"/>
+              </a:ext>
+            </a:extLst>
+          </p:cNvPr>
+          <p:cNvSpPr/>
+          <p:nvPr/>
+        </p:nvSpPr>
+        <p:spPr>
+          <a:xfrm>
+            <a:off x="4721207" y="3640305"/>
+            <a:ext cx="1219212" cy="284227"/>
+          </a:xfrm>
+          <a:prstGeom prst="rect">
+            <a:avLst/>
+          </a:prstGeom>
+        </p:spPr>
+        <p:style>
+          <a:lnRef idx="2">
+            <a:schemeClr val="accent1">
+              <a:shade val="50000"/>
+            </a:schemeClr>
+          </a:lnRef>
+          <a:fillRef idx="1">
+            <a:schemeClr val="accent1"/>
+          </a:fillRef>
+          <a:effectRef idx="0">
+            <a:schemeClr val="accent1"/>
+          </a:effectRef>
+          <a:fontRef idx="minor">
+            <a:schemeClr val="lt1"/>
+          </a:fontRef>
+        </p:style>
+        <p:txBody>
+          <a:bodyPr rtlCol="0" anchor="ctr"/>
+          <a:lstStyle/>
+          <a:p>
+            <a:pPr algn="ctr"/>
+            <a:r>
+              <a:rPr lang="en-US" dirty="0"/>
+              <a:t>language</a:t>
+            </a:r>
+          </a:p>
+        </p:txBody>
+      </p:sp>
+      <p:cxnSp>
+        <p:nvCxnSpPr>
+          <p:cNvPr id="16" name="Straight Arrow Connector 15">
+            <a:extLst>
+              <a:ext uri="{FF2B5EF4-FFF2-40B4-BE49-F238E27FC236}">
+                <a16:creationId xmlns:a16="http://schemas.microsoft.com/office/drawing/2014/main" id="{16E3982D-F1B4-8F4D-891D-891DAEA46960}"/>
+              </a:ext>
+            </a:extLst>
+          </p:cNvPr>
+          <p:cNvCxnSpPr>
+            <a:cxnSpLocks/>
+            <a:stCxn id="12" idx="3"/>
+            <a:endCxn id="7" idx="1"/>
+          </p:cNvCxnSpPr>
+          <p:nvPr/>
+        </p:nvCxnSpPr>
+        <p:spPr>
+          <a:xfrm>
+            <a:off x="5940419" y="3782419"/>
+            <a:ext cx="1790533" cy="388843"/>
+          </a:xfrm>
+          <a:prstGeom prst="straightConnector1">
+            <a:avLst/>
+          </a:prstGeom>
+          <a:ln w="25400">
+            <a:tailEnd type="triangle" w="lg" len="lg"/>
+          </a:ln>
+        </p:spPr>
+        <p:style>
+          <a:lnRef idx="1">
+            <a:schemeClr val="accent1"/>
+          </a:lnRef>
+          <a:fillRef idx="0">
+            <a:schemeClr val="accent1"/>
+          </a:fillRef>
+          <a:effectRef idx="0">
+            <a:schemeClr val="accent1"/>
+          </a:effectRef>
+          <a:fontRef idx="minor">
+            <a:schemeClr val="tx1"/>
+          </a:fontRef>
+        </p:style>
+      </p:cxnSp>
+      <p:sp>
+        <p:nvSpPr>
+          <p:cNvPr id="21" name="Magnetic Disk 20">
+            <a:extLst>
+              <a:ext uri="{FF2B5EF4-FFF2-40B4-BE49-F238E27FC236}">
+                <a16:creationId xmlns:a16="http://schemas.microsoft.com/office/drawing/2014/main" id="{B6220734-60D7-7F4B-BF11-F6363530F2DA}"/>
+              </a:ext>
+            </a:extLst>
+          </p:cNvPr>
+          <p:cNvSpPr/>
+          <p:nvPr/>
+        </p:nvSpPr>
+        <p:spPr>
+          <a:xfrm>
+            <a:off x="3881970" y="2710525"/>
+            <a:ext cx="1889117" cy="558800"/>
+          </a:xfrm>
+          <a:prstGeom prst="flowChartMagneticDisk">
+            <a:avLst/>
+          </a:prstGeom>
+        </p:spPr>
+        <p:style>
+          <a:lnRef idx="2">
+            <a:schemeClr val="accent1">
+              <a:shade val="50000"/>
+            </a:schemeClr>
+          </a:lnRef>
+          <a:fillRef idx="1">
+            <a:schemeClr val="accent1"/>
+          </a:fillRef>
+          <a:effectRef idx="0">
+            <a:schemeClr val="accent1"/>
+          </a:effectRef>
+          <a:fontRef idx="minor">
+            <a:schemeClr val="lt1"/>
+          </a:fontRef>
+        </p:style>
+        <p:txBody>
+          <a:bodyPr rtlCol="0" anchor="ctr"/>
+          <a:lstStyle/>
+          <a:p>
+            <a:pPr algn="ctr"/>
+            <a:r>
+              <a:rPr lang="en-US" dirty="0"/>
+              <a:t>countries SQL DB</a:t>
+            </a:r>
+          </a:p>
+        </p:txBody>
+      </p:sp>
+      <p:cxnSp>
+        <p:nvCxnSpPr>
+          <p:cNvPr id="22" name="Straight Arrow Connector 21">
+            <a:extLst>
+              <a:ext uri="{FF2B5EF4-FFF2-40B4-BE49-F238E27FC236}">
+                <a16:creationId xmlns:a16="http://schemas.microsoft.com/office/drawing/2014/main" id="{0F47C8E9-2D6C-FA4D-B610-5DF2CF7C45EF}"/>
+              </a:ext>
+            </a:extLst>
+          </p:cNvPr>
+          <p:cNvCxnSpPr>
+            <a:cxnSpLocks/>
+          </p:cNvCxnSpPr>
+          <p:nvPr/>
+        </p:nvCxnSpPr>
+        <p:spPr>
+          <a:xfrm flipV="1">
+            <a:off x="4467223" y="3231490"/>
+            <a:ext cx="0" cy="843092"/>
+          </a:xfrm>
+          <a:prstGeom prst="straightConnector1">
+            <a:avLst/>
+          </a:prstGeom>
+          <a:ln w="25400">
+            <a:prstDash val="sysDash"/>
+            <a:tailEnd type="triangle" w="lg" len="lg"/>
+          </a:ln>
+        </p:spPr>
+        <p:style>
+          <a:lnRef idx="1">
+            <a:schemeClr val="accent1"/>
+          </a:lnRef>
+          <a:fillRef idx="0">
+            <a:schemeClr val="accent1"/>
+          </a:fillRef>
+          <a:effectRef idx="0">
+            <a:schemeClr val="accent1"/>
+          </a:effectRef>
+          <a:fontRef idx="minor">
+            <a:schemeClr val="tx1"/>
+          </a:fontRef>
+        </p:style>
+      </p:cxnSp>
+      <p:cxnSp>
+        <p:nvCxnSpPr>
+          <p:cNvPr id="26" name="Straight Arrow Connector 25">
+            <a:extLst>
+              <a:ext uri="{FF2B5EF4-FFF2-40B4-BE49-F238E27FC236}">
+                <a16:creationId xmlns:a16="http://schemas.microsoft.com/office/drawing/2014/main" id="{A30D82D1-C022-2241-B701-E4515652B67B}"/>
+              </a:ext>
+            </a:extLst>
+          </p:cNvPr>
+          <p:cNvCxnSpPr>
+            <a:cxnSpLocks/>
+            <a:stCxn id="51" idx="4"/>
+            <a:endCxn id="30" idx="1"/>
+          </p:cNvCxnSpPr>
+          <p:nvPr/>
+        </p:nvCxnSpPr>
+        <p:spPr>
+          <a:xfrm flipV="1">
+            <a:off x="7722334" y="4957974"/>
+            <a:ext cx="1038375" cy="323802"/>
+          </a:xfrm>
+          <a:prstGeom prst="straightConnector1">
+            <a:avLst/>
+          </a:prstGeom>
+          <a:ln w="25400">
+            <a:tailEnd type="triangle" w="lg" len="lg"/>
+          </a:ln>
+        </p:spPr>
+        <p:style>
+          <a:lnRef idx="1">
+            <a:schemeClr val="accent1"/>
+          </a:lnRef>
+          <a:fillRef idx="0">
+            <a:schemeClr val="accent1"/>
+          </a:fillRef>
+          <a:effectRef idx="0">
+            <a:schemeClr val="accent1"/>
+          </a:effectRef>
+          <a:fontRef idx="minor">
+            <a:schemeClr val="tx1"/>
+          </a:fontRef>
+        </p:style>
+      </p:cxnSp>
+      <p:sp>
+        <p:nvSpPr>
+          <p:cNvPr id="30" name="Rectangle 29">
+            <a:extLst>
+              <a:ext uri="{FF2B5EF4-FFF2-40B4-BE49-F238E27FC236}">
+                <a16:creationId xmlns:a16="http://schemas.microsoft.com/office/drawing/2014/main" id="{AE9B598D-C57F-C840-B88A-5C685F4896FB}"/>
+              </a:ext>
+            </a:extLst>
+          </p:cNvPr>
+          <p:cNvSpPr/>
+          <p:nvPr/>
+        </p:nvSpPr>
+        <p:spPr>
+          <a:xfrm>
+            <a:off x="8760709" y="4605842"/>
+            <a:ext cx="1248923" cy="704263"/>
+          </a:xfrm>
+          <a:prstGeom prst="rect">
+            <a:avLst/>
+          </a:prstGeom>
+        </p:spPr>
+        <p:style>
+          <a:lnRef idx="2">
+            <a:schemeClr val="accent1">
+              <a:shade val="50000"/>
+            </a:schemeClr>
+          </a:lnRef>
+          <a:fillRef idx="1">
+            <a:schemeClr val="accent1"/>
+          </a:fillRef>
+          <a:effectRef idx="0">
+            <a:schemeClr val="accent1"/>
+          </a:effectRef>
+          <a:fontRef idx="minor">
+            <a:schemeClr val="lt1"/>
+          </a:fontRef>
+        </p:style>
+        <p:txBody>
+          <a:bodyPr rtlCol="0" anchor="ctr"/>
+          <a:lstStyle/>
+          <a:p>
+            <a:pPr algn="ctr"/>
+            <a:r>
+              <a:rPr lang="en-US" dirty="0"/>
+              <a:t>datetime</a:t>
+            </a:r>
+            <a:br>
+              <a:rPr lang="en-US" dirty="0"/>
+            </a:br>
+            <a:r>
+              <a:rPr lang="en-US" dirty="0"/>
+              <a:t>format</a:t>
+            </a:r>
+          </a:p>
+        </p:txBody>
+      </p:sp>
+      <p:sp>
+        <p:nvSpPr>
+          <p:cNvPr id="34" name="Rectangle 33">
+            <a:extLst>
+              <a:ext uri="{FF2B5EF4-FFF2-40B4-BE49-F238E27FC236}">
+                <a16:creationId xmlns:a16="http://schemas.microsoft.com/office/drawing/2014/main" id="{A3FA0002-D66E-4A4C-8586-F6C0016EAC1B}"/>
+              </a:ext>
+            </a:extLst>
+          </p:cNvPr>
+          <p:cNvSpPr/>
+          <p:nvPr/>
+        </p:nvSpPr>
+        <p:spPr>
+          <a:xfrm>
+            <a:off x="8089725" y="5665064"/>
+            <a:ext cx="2650067" cy="489152"/>
+          </a:xfrm>
+          <a:prstGeom prst="rect">
+            <a:avLst/>
+          </a:prstGeom>
+          <a:solidFill>
+            <a:schemeClr val="accent1">
+              <a:lumMod val="40000"/>
+              <a:lumOff val="60000"/>
+            </a:schemeClr>
+          </a:solidFill>
+          <a:ln>
+            <a:noFill/>
+          </a:ln>
+        </p:spPr>
+        <p:style>
+          <a:lnRef idx="2">
+            <a:schemeClr val="accent1">
+              <a:shade val="50000"/>
+            </a:schemeClr>
+          </a:lnRef>
+          <a:fillRef idx="1">
+            <a:schemeClr val="accent1"/>
+          </a:fillRef>
+          <a:effectRef idx="0">
+            <a:schemeClr val="accent1"/>
+          </a:effectRef>
+          <a:fontRef idx="minor">
+            <a:schemeClr val="lt1"/>
+          </a:fontRef>
+        </p:style>
+        <p:txBody>
+          <a:bodyPr rtlCol="0" anchor="ctr"/>
+          <a:lstStyle/>
+          <a:p>
+            <a:pPr algn="ctr"/>
+            <a:r>
+              <a:rPr lang="en-US" dirty="0"/>
+              <a:t>MY_DATETIME_FORMAT</a:t>
+            </a:r>
+          </a:p>
+        </p:txBody>
+      </p:sp>
+      <p:sp>
+        <p:nvSpPr>
+          <p:cNvPr id="46" name="TextBox 45">
+            <a:extLst>
+              <a:ext uri="{FF2B5EF4-FFF2-40B4-BE49-F238E27FC236}">
+                <a16:creationId xmlns:a16="http://schemas.microsoft.com/office/drawing/2014/main" id="{262B0AD1-79DF-E34C-B0D7-25A93904F394}"/>
+              </a:ext>
+            </a:extLst>
+          </p:cNvPr>
+          <p:cNvSpPr txBox="1"/>
+          <p:nvPr/>
+        </p:nvSpPr>
+        <p:spPr>
+          <a:xfrm>
+            <a:off x="1600198" y="4347426"/>
+            <a:ext cx="583814" cy="369332"/>
+          </a:xfrm>
+          <a:prstGeom prst="rect">
+            <a:avLst/>
+          </a:prstGeom>
+          <a:noFill/>
+        </p:spPr>
+        <p:txBody>
+          <a:bodyPr wrap="none" rtlCol="0">
+            <a:spAutoFit/>
+          </a:bodyPr>
+          <a:lstStyle/>
+          <a:p>
+            <a:r>
+              <a:rPr lang="en-US" dirty="0"/>
+              <a:t>VPN</a:t>
+            </a:r>
+          </a:p>
+        </p:txBody>
+      </p:sp>
+      <p:cxnSp>
+        <p:nvCxnSpPr>
+          <p:cNvPr id="50" name="Straight Arrow Connector 49">
+            <a:extLst>
+              <a:ext uri="{FF2B5EF4-FFF2-40B4-BE49-F238E27FC236}">
+                <a16:creationId xmlns:a16="http://schemas.microsoft.com/office/drawing/2014/main" id="{DD4B6578-2671-424C-94FB-306D39570988}"/>
+              </a:ext>
+            </a:extLst>
+          </p:cNvPr>
+          <p:cNvCxnSpPr>
+            <a:cxnSpLocks/>
+            <a:stCxn id="4" idx="3"/>
+            <a:endCxn id="99" idx="1"/>
+          </p:cNvCxnSpPr>
+          <p:nvPr/>
+        </p:nvCxnSpPr>
+        <p:spPr>
+          <a:xfrm flipV="1">
+            <a:off x="2974973" y="4225857"/>
+            <a:ext cx="669388" cy="6905"/>
+          </a:xfrm>
+          <a:prstGeom prst="straightConnector1">
+            <a:avLst/>
+          </a:prstGeom>
+          <a:ln w="25400">
+            <a:tailEnd type="triangle" w="lg" len="lg"/>
+          </a:ln>
+        </p:spPr>
+        <p:style>
+          <a:lnRef idx="1">
+            <a:schemeClr val="accent1"/>
+          </a:lnRef>
+          <a:fillRef idx="0">
+            <a:schemeClr val="accent1"/>
+          </a:fillRef>
+          <a:effectRef idx="0">
+            <a:schemeClr val="accent1"/>
+          </a:effectRef>
+          <a:fontRef idx="minor">
+            <a:schemeClr val="tx1"/>
+          </a:fontRef>
+        </p:style>
+      </p:cxnSp>
+      <p:sp>
+        <p:nvSpPr>
+          <p:cNvPr id="53" name="Rectangle 52">
+            <a:extLst>
+              <a:ext uri="{FF2B5EF4-FFF2-40B4-BE49-F238E27FC236}">
+                <a16:creationId xmlns:a16="http://schemas.microsoft.com/office/drawing/2014/main" id="{93A62906-3A55-6845-94C3-8937E544A0C1}"/>
+              </a:ext>
+            </a:extLst>
+          </p:cNvPr>
+          <p:cNvSpPr/>
+          <p:nvPr/>
+        </p:nvSpPr>
+        <p:spPr>
+          <a:xfrm>
+            <a:off x="6656914" y="3147082"/>
+            <a:ext cx="1308100" cy="604534"/>
+          </a:xfrm>
+          <a:prstGeom prst="rect">
+            <a:avLst/>
+          </a:prstGeom>
+        </p:spPr>
+        <p:style>
+          <a:lnRef idx="2">
+            <a:schemeClr val="accent1">
+              <a:shade val="50000"/>
+            </a:schemeClr>
+          </a:lnRef>
+          <a:fillRef idx="1">
+            <a:schemeClr val="accent1"/>
+          </a:fillRef>
+          <a:effectRef idx="0">
+            <a:schemeClr val="accent1"/>
+          </a:effectRef>
+          <a:fontRef idx="minor">
+            <a:schemeClr val="lt1"/>
+          </a:fontRef>
+        </p:style>
+        <p:txBody>
+          <a:bodyPr rtlCol="0" anchor="ctr"/>
+          <a:lstStyle/>
+          <a:p>
+            <a:pPr algn="ctr"/>
+            <a:r>
+              <a:rPr lang="en-US" dirty="0"/>
+              <a:t>Windows country</a:t>
+            </a:r>
+          </a:p>
+        </p:txBody>
+      </p:sp>
+      <p:cxnSp>
+        <p:nvCxnSpPr>
+          <p:cNvPr id="54" name="Straight Arrow Connector 53">
+            <a:extLst>
+              <a:ext uri="{FF2B5EF4-FFF2-40B4-BE49-F238E27FC236}">
+                <a16:creationId xmlns:a16="http://schemas.microsoft.com/office/drawing/2014/main" id="{82602C80-2111-7145-ADBA-562932F948DA}"/>
+              </a:ext>
+            </a:extLst>
+          </p:cNvPr>
+          <p:cNvCxnSpPr>
+            <a:cxnSpLocks/>
+            <a:stCxn id="21" idx="4"/>
+            <a:endCxn id="53" idx="1"/>
+          </p:cNvCxnSpPr>
+          <p:nvPr/>
+        </p:nvCxnSpPr>
+        <p:spPr>
+          <a:xfrm>
+            <a:off x="5771087" y="2989925"/>
+            <a:ext cx="885827" cy="459424"/>
+          </a:xfrm>
+          <a:prstGeom prst="straightConnector1">
+            <a:avLst/>
+          </a:prstGeom>
+          <a:ln w="25400">
+            <a:tailEnd type="triangle" w="lg" len="lg"/>
+          </a:ln>
+        </p:spPr>
+        <p:style>
+          <a:lnRef idx="1">
+            <a:schemeClr val="accent1"/>
+          </a:lnRef>
+          <a:fillRef idx="0">
+            <a:schemeClr val="accent1"/>
+          </a:fillRef>
+          <a:effectRef idx="0">
+            <a:schemeClr val="accent1"/>
+          </a:effectRef>
+          <a:fontRef idx="minor">
+            <a:schemeClr val="tx1"/>
+          </a:fontRef>
+        </p:style>
+      </p:cxnSp>
+      <p:cxnSp>
+        <p:nvCxnSpPr>
+          <p:cNvPr id="57" name="Straight Arrow Connector 56">
+            <a:extLst>
+              <a:ext uri="{FF2B5EF4-FFF2-40B4-BE49-F238E27FC236}">
+                <a16:creationId xmlns:a16="http://schemas.microsoft.com/office/drawing/2014/main" id="{26A6765F-1001-F44B-BB35-F8BAB1828A0B}"/>
+              </a:ext>
+            </a:extLst>
+          </p:cNvPr>
+          <p:cNvCxnSpPr>
+            <a:cxnSpLocks/>
+          </p:cNvCxnSpPr>
+          <p:nvPr/>
+        </p:nvCxnSpPr>
+        <p:spPr>
+          <a:xfrm>
+            <a:off x="9396938" y="2276055"/>
+            <a:ext cx="2093382" cy="0"/>
+          </a:xfrm>
+          <a:prstGeom prst="straightConnector1">
+            <a:avLst/>
+          </a:prstGeom>
+          <a:ln w="25400">
+            <a:tailEnd type="triangle" w="lg" len="lg"/>
+          </a:ln>
+        </p:spPr>
+        <p:style>
+          <a:lnRef idx="1">
+            <a:schemeClr val="accent1"/>
+          </a:lnRef>
+          <a:fillRef idx="0">
+            <a:schemeClr val="accent1"/>
+          </a:fillRef>
+          <a:effectRef idx="0">
+            <a:schemeClr val="accent1"/>
+          </a:effectRef>
+          <a:fontRef idx="minor">
+            <a:schemeClr val="tx1"/>
+          </a:fontRef>
+        </p:style>
+      </p:cxnSp>
+      <p:cxnSp>
+        <p:nvCxnSpPr>
+          <p:cNvPr id="65" name="Straight Arrow Connector 64">
+            <a:extLst>
+              <a:ext uri="{FF2B5EF4-FFF2-40B4-BE49-F238E27FC236}">
+                <a16:creationId xmlns:a16="http://schemas.microsoft.com/office/drawing/2014/main" id="{2D02281D-5555-D649-A904-3FAABCC0D1D6}"/>
+              </a:ext>
+            </a:extLst>
+          </p:cNvPr>
+          <p:cNvCxnSpPr>
+            <a:cxnSpLocks/>
+            <a:stCxn id="34" idx="2"/>
+            <a:endCxn id="30" idx="2"/>
+          </p:cNvCxnSpPr>
+          <p:nvPr/>
+        </p:nvCxnSpPr>
+        <p:spPr>
+          <a:xfrm flipH="1" flipV="1">
+            <a:off x="9385171" y="5310105"/>
+            <a:ext cx="29588" cy="844111"/>
+          </a:xfrm>
+          <a:prstGeom prst="straightConnector1">
+            <a:avLst/>
+          </a:prstGeom>
+          <a:ln w="25400">
+            <a:solidFill>
+              <a:schemeClr val="accent1">
+                <a:lumMod val="40000"/>
+                <a:lumOff val="60000"/>
+              </a:schemeClr>
+            </a:solidFill>
+            <a:tailEnd type="triangle" w="lg" len="lg"/>
+          </a:ln>
+        </p:spPr>
+        <p:style>
+          <a:lnRef idx="1">
+            <a:schemeClr val="accent1"/>
+          </a:lnRef>
+          <a:fillRef idx="0">
+            <a:schemeClr val="accent1"/>
+          </a:fillRef>
+          <a:effectRef idx="0">
+            <a:schemeClr val="accent1"/>
+          </a:effectRef>
+          <a:fontRef idx="minor">
+            <a:schemeClr val="tx1"/>
+          </a:fontRef>
+        </p:style>
+      </p:cxnSp>
+      <p:cxnSp>
+        <p:nvCxnSpPr>
+          <p:cNvPr id="80" name="Straight Arrow Connector 79">
+            <a:extLst>
+              <a:ext uri="{FF2B5EF4-FFF2-40B4-BE49-F238E27FC236}">
+                <a16:creationId xmlns:a16="http://schemas.microsoft.com/office/drawing/2014/main" id="{F3736778-70A9-264E-8619-4BB642B88CB0}"/>
+              </a:ext>
+            </a:extLst>
+          </p:cNvPr>
+          <p:cNvCxnSpPr>
+            <a:cxnSpLocks/>
+          </p:cNvCxnSpPr>
+          <p:nvPr/>
+        </p:nvCxnSpPr>
+        <p:spPr>
+          <a:xfrm flipH="1">
+            <a:off x="5699653" y="3072691"/>
+            <a:ext cx="5818" cy="585477"/>
+          </a:xfrm>
+          <a:prstGeom prst="straightConnector1">
+            <a:avLst/>
+          </a:prstGeom>
+          <a:ln w="25400">
+            <a:tailEnd type="triangle" w="lg" len="lg"/>
+          </a:ln>
+        </p:spPr>
+        <p:style>
+          <a:lnRef idx="1">
+            <a:schemeClr val="accent1"/>
+          </a:lnRef>
+          <a:fillRef idx="0">
+            <a:schemeClr val="accent1"/>
+          </a:fillRef>
+          <a:effectRef idx="0">
+            <a:schemeClr val="accent1"/>
+          </a:effectRef>
+          <a:fontRef idx="minor">
+            <a:schemeClr val="tx1"/>
+          </a:fontRef>
+        </p:style>
+      </p:cxnSp>
+      <p:cxnSp>
+        <p:nvCxnSpPr>
+          <p:cNvPr id="96" name="Straight Arrow Connector 95">
+            <a:extLst>
+              <a:ext uri="{FF2B5EF4-FFF2-40B4-BE49-F238E27FC236}">
+                <a16:creationId xmlns:a16="http://schemas.microsoft.com/office/drawing/2014/main" id="{9BFA802C-641D-894F-AAF8-F9DC4C43A638}"/>
+              </a:ext>
+            </a:extLst>
+          </p:cNvPr>
+          <p:cNvCxnSpPr>
+            <a:cxnSpLocks/>
+            <a:stCxn id="4" idx="3"/>
+            <a:endCxn id="105" idx="1"/>
+          </p:cNvCxnSpPr>
+          <p:nvPr/>
+        </p:nvCxnSpPr>
+        <p:spPr>
+          <a:xfrm>
+            <a:off x="2974973" y="4232762"/>
+            <a:ext cx="669388" cy="470274"/>
+          </a:xfrm>
+          <a:prstGeom prst="straightConnector1">
+            <a:avLst/>
+          </a:prstGeom>
+          <a:ln w="25400">
+            <a:tailEnd type="triangle" w="lg" len="lg"/>
+          </a:ln>
+        </p:spPr>
+        <p:style>
+          <a:lnRef idx="1">
+            <a:schemeClr val="accent1"/>
+          </a:lnRef>
+          <a:fillRef idx="0">
+            <a:schemeClr val="accent1"/>
+          </a:fillRef>
+          <a:effectRef idx="0">
+            <a:schemeClr val="accent1"/>
+          </a:effectRef>
+          <a:fontRef idx="minor">
+            <a:schemeClr val="tx1"/>
+          </a:fontRef>
+        </p:style>
+      </p:cxnSp>
+      <p:sp>
+        <p:nvSpPr>
+          <p:cNvPr id="99" name="Rounded Rectangle 98">
+            <a:extLst>
+              <a:ext uri="{FF2B5EF4-FFF2-40B4-BE49-F238E27FC236}">
+                <a16:creationId xmlns:a16="http://schemas.microsoft.com/office/drawing/2014/main" id="{0D255FF8-E27C-D644-8416-A62C76160B83}"/>
+              </a:ext>
+            </a:extLst>
+          </p:cNvPr>
+          <p:cNvSpPr/>
+          <p:nvPr/>
+        </p:nvSpPr>
+        <p:spPr>
+          <a:xfrm>
+            <a:off x="3644361" y="4061818"/>
+            <a:ext cx="1645722" cy="328078"/>
+          </a:xfrm>
+          <a:prstGeom prst="roundRect">
+            <a:avLst/>
+          </a:prstGeom>
+        </p:spPr>
+        <p:style>
+          <a:lnRef idx="2">
+            <a:schemeClr val="accent1">
+              <a:shade val="50000"/>
+            </a:schemeClr>
+          </a:lnRef>
+          <a:fillRef idx="1">
+            <a:schemeClr val="accent1"/>
+          </a:fillRef>
+          <a:effectRef idx="0">
+            <a:schemeClr val="accent1"/>
+          </a:effectRef>
+          <a:fontRef idx="minor">
+            <a:schemeClr val="lt1"/>
+          </a:fontRef>
+        </p:style>
+        <p:txBody>
+          <a:bodyPr rtlCol="0" anchor="ctr"/>
+          <a:lstStyle/>
+          <a:p>
+            <a:pPr algn="ctr"/>
+            <a:r>
+              <a:rPr lang="en-US" dirty="0"/>
+              <a:t>country</a:t>
+            </a:r>
+          </a:p>
+        </p:txBody>
+      </p:sp>
+      <p:sp>
+        <p:nvSpPr>
+          <p:cNvPr id="104" name="Rounded Rectangle 103">
+            <a:extLst>
+              <a:ext uri="{FF2B5EF4-FFF2-40B4-BE49-F238E27FC236}">
+                <a16:creationId xmlns:a16="http://schemas.microsoft.com/office/drawing/2014/main" id="{F82B614E-753A-EE4F-A45B-832DE5E1883E}"/>
+              </a:ext>
+            </a:extLst>
+          </p:cNvPr>
+          <p:cNvSpPr/>
+          <p:nvPr/>
+        </p:nvSpPr>
+        <p:spPr>
+          <a:xfrm>
+            <a:off x="3644361" y="4980719"/>
+            <a:ext cx="1645722" cy="328078"/>
+          </a:xfrm>
+          <a:prstGeom prst="roundRect">
+            <a:avLst/>
+          </a:prstGeom>
+        </p:spPr>
+        <p:style>
+          <a:lnRef idx="2">
+            <a:schemeClr val="accent1">
+              <a:shade val="50000"/>
+            </a:schemeClr>
+          </a:lnRef>
+          <a:fillRef idx="1">
+            <a:schemeClr val="accent1"/>
+          </a:fillRef>
+          <a:effectRef idx="0">
+            <a:schemeClr val="accent1"/>
+          </a:effectRef>
+          <a:fontRef idx="minor">
+            <a:schemeClr val="lt1"/>
+          </a:fontRef>
+        </p:style>
+        <p:txBody>
+          <a:bodyPr rtlCol="0" anchor="ctr"/>
+          <a:lstStyle/>
+          <a:p>
+            <a:pPr algn="ctr"/>
+            <a:r>
+              <a:rPr lang="en-US" dirty="0"/>
+              <a:t>Longitude</a:t>
+            </a:r>
+          </a:p>
+        </p:txBody>
+      </p:sp>
+      <p:sp>
+        <p:nvSpPr>
+          <p:cNvPr id="105" name="Rounded Rectangle 104">
+            <a:extLst>
+              <a:ext uri="{FF2B5EF4-FFF2-40B4-BE49-F238E27FC236}">
+                <a16:creationId xmlns:a16="http://schemas.microsoft.com/office/drawing/2014/main" id="{B8EB8FD8-1A62-9C40-A2C1-F0141F2F74CE}"/>
+              </a:ext>
+            </a:extLst>
+          </p:cNvPr>
+          <p:cNvSpPr/>
+          <p:nvPr/>
+        </p:nvSpPr>
+        <p:spPr>
+          <a:xfrm>
+            <a:off x="3644361" y="4538997"/>
+            <a:ext cx="1645722" cy="328078"/>
+          </a:xfrm>
+          <a:prstGeom prst="roundRect">
+            <a:avLst/>
+          </a:prstGeom>
+        </p:spPr>
+        <p:style>
+          <a:lnRef idx="2">
+            <a:schemeClr val="accent1">
+              <a:shade val="50000"/>
+            </a:schemeClr>
+          </a:lnRef>
+          <a:fillRef idx="1">
+            <a:schemeClr val="accent1"/>
+          </a:fillRef>
+          <a:effectRef idx="0">
+            <a:schemeClr val="accent1"/>
+          </a:effectRef>
+          <a:fontRef idx="minor">
+            <a:schemeClr val="lt1"/>
+          </a:fontRef>
+        </p:style>
+        <p:txBody>
+          <a:bodyPr rtlCol="0" anchor="ctr"/>
+          <a:lstStyle/>
+          <a:p>
+            <a:pPr algn="ctr"/>
+            <a:r>
+              <a:rPr lang="en-US" dirty="0"/>
+              <a:t>US state</a:t>
+            </a:r>
+          </a:p>
+        </p:txBody>
+      </p:sp>
+      <p:sp>
+        <p:nvSpPr>
+          <p:cNvPr id="106" name="Rounded Rectangle 105">
+            <a:extLst>
+              <a:ext uri="{FF2B5EF4-FFF2-40B4-BE49-F238E27FC236}">
+                <a16:creationId xmlns:a16="http://schemas.microsoft.com/office/drawing/2014/main" id="{53C35133-77A1-C049-A13E-3D33B7505833}"/>
+              </a:ext>
+            </a:extLst>
+          </p:cNvPr>
+          <p:cNvSpPr/>
+          <p:nvPr/>
+        </p:nvSpPr>
+        <p:spPr>
+          <a:xfrm>
+            <a:off x="3644361" y="5422441"/>
+            <a:ext cx="1645722" cy="328078"/>
+          </a:xfrm>
+          <a:prstGeom prst="roundRect">
+            <a:avLst/>
+          </a:prstGeom>
+        </p:spPr>
+        <p:style>
+          <a:lnRef idx="2">
+            <a:schemeClr val="accent1">
+              <a:shade val="50000"/>
+            </a:schemeClr>
+          </a:lnRef>
+          <a:fillRef idx="1">
+            <a:schemeClr val="accent1"/>
+          </a:fillRef>
+          <a:effectRef idx="0">
+            <a:schemeClr val="accent1"/>
+          </a:effectRef>
+          <a:fontRef idx="minor">
+            <a:schemeClr val="lt1"/>
+          </a:fontRef>
+        </p:style>
+        <p:txBody>
+          <a:bodyPr rtlCol="0" anchor="ctr"/>
+          <a:lstStyle/>
+          <a:p>
+            <a:pPr algn="ctr"/>
+            <a:r>
+              <a:rPr lang="en-US" dirty="0"/>
+              <a:t>Latitude</a:t>
+            </a:r>
+          </a:p>
+        </p:txBody>
+      </p:sp>
+      <p:cxnSp>
+        <p:nvCxnSpPr>
+          <p:cNvPr id="108" name="Straight Arrow Connector 107">
+            <a:extLst>
+              <a:ext uri="{FF2B5EF4-FFF2-40B4-BE49-F238E27FC236}">
+                <a16:creationId xmlns:a16="http://schemas.microsoft.com/office/drawing/2014/main" id="{991B0B08-FA38-AD4E-9C78-F8A25E590150}"/>
+              </a:ext>
+            </a:extLst>
+          </p:cNvPr>
+          <p:cNvCxnSpPr>
+            <a:cxnSpLocks/>
+            <a:stCxn id="4" idx="3"/>
+            <a:endCxn id="104" idx="1"/>
+          </p:cNvCxnSpPr>
+          <p:nvPr/>
+        </p:nvCxnSpPr>
+        <p:spPr>
+          <a:xfrm>
+            <a:off x="2974973" y="4232762"/>
+            <a:ext cx="669388" cy="911996"/>
+          </a:xfrm>
+          <a:prstGeom prst="straightConnector1">
+            <a:avLst/>
+          </a:prstGeom>
+          <a:ln w="25400">
+            <a:tailEnd type="triangle" w="lg" len="lg"/>
+          </a:ln>
+        </p:spPr>
+        <p:style>
+          <a:lnRef idx="1">
+            <a:schemeClr val="accent1"/>
+          </a:lnRef>
+          <a:fillRef idx="0">
+            <a:schemeClr val="accent1"/>
+          </a:fillRef>
+          <a:effectRef idx="0">
+            <a:schemeClr val="accent1"/>
+          </a:effectRef>
+          <a:fontRef idx="minor">
+            <a:schemeClr val="tx1"/>
+          </a:fontRef>
+        </p:style>
+      </p:cxnSp>
+      <p:cxnSp>
+        <p:nvCxnSpPr>
+          <p:cNvPr id="109" name="Straight Arrow Connector 108">
+            <a:extLst>
+              <a:ext uri="{FF2B5EF4-FFF2-40B4-BE49-F238E27FC236}">
+                <a16:creationId xmlns:a16="http://schemas.microsoft.com/office/drawing/2014/main" id="{E00AD25B-B576-1F4F-A541-437DE133800F}"/>
+              </a:ext>
+            </a:extLst>
+          </p:cNvPr>
+          <p:cNvCxnSpPr>
+            <a:cxnSpLocks/>
+            <a:stCxn id="4" idx="3"/>
+            <a:endCxn id="106" idx="1"/>
+          </p:cNvCxnSpPr>
+          <p:nvPr/>
+        </p:nvCxnSpPr>
+        <p:spPr>
+          <a:xfrm>
+            <a:off x="2974973" y="4232762"/>
+            <a:ext cx="669388" cy="1353718"/>
+          </a:xfrm>
+          <a:prstGeom prst="straightConnector1">
+            <a:avLst/>
+          </a:prstGeom>
+          <a:ln w="25400">
+            <a:tailEnd type="triangle" w="lg" len="lg"/>
+          </a:ln>
+        </p:spPr>
+        <p:style>
+          <a:lnRef idx="1">
+            <a:schemeClr val="accent1"/>
+          </a:lnRef>
+          <a:fillRef idx="0">
+            <a:schemeClr val="accent1"/>
+          </a:fillRef>
+          <a:effectRef idx="0">
+            <a:schemeClr val="accent1"/>
+          </a:effectRef>
+          <a:fontRef idx="minor">
+            <a:schemeClr val="tx1"/>
+          </a:fontRef>
+        </p:style>
+      </p:cxnSp>
+      <p:sp>
+        <p:nvSpPr>
+          <p:cNvPr id="122" name="Rectangle 121">
+            <a:extLst>
+              <a:ext uri="{FF2B5EF4-FFF2-40B4-BE49-F238E27FC236}">
+                <a16:creationId xmlns:a16="http://schemas.microsoft.com/office/drawing/2014/main" id="{A33C08F3-19E4-3046-8836-5454D456FB92}"/>
+              </a:ext>
+            </a:extLst>
+          </p:cNvPr>
+          <p:cNvSpPr/>
+          <p:nvPr/>
+        </p:nvSpPr>
+        <p:spPr>
+          <a:xfrm>
+            <a:off x="4811763" y="1753924"/>
+            <a:ext cx="1219212" cy="284227"/>
+          </a:xfrm>
+          <a:prstGeom prst="rect">
+            <a:avLst/>
+          </a:prstGeom>
+        </p:spPr>
+        <p:style>
+          <a:lnRef idx="2">
+            <a:schemeClr val="accent1">
+              <a:shade val="50000"/>
+            </a:schemeClr>
+          </a:lnRef>
+          <a:fillRef idx="1">
+            <a:schemeClr val="accent1"/>
+          </a:fillRef>
+          <a:effectRef idx="0">
+            <a:schemeClr val="accent1"/>
+          </a:effectRef>
+          <a:fontRef idx="minor">
+            <a:schemeClr val="lt1"/>
+          </a:fontRef>
+        </p:style>
+        <p:txBody>
+          <a:bodyPr rtlCol="0" anchor="ctr"/>
+          <a:lstStyle/>
+          <a:p>
+            <a:pPr algn="ctr"/>
+            <a:r>
+              <a:rPr lang="en-US" dirty="0"/>
+              <a:t>currency</a:t>
+            </a:r>
+          </a:p>
+        </p:txBody>
+      </p:sp>
+      <p:cxnSp>
+        <p:nvCxnSpPr>
+          <p:cNvPr id="123" name="Straight Arrow Connector 122">
+            <a:extLst>
+              <a:ext uri="{FF2B5EF4-FFF2-40B4-BE49-F238E27FC236}">
+                <a16:creationId xmlns:a16="http://schemas.microsoft.com/office/drawing/2014/main" id="{DAD82484-FC46-6643-9DCE-808E52F7FA3E}"/>
+              </a:ext>
+            </a:extLst>
+          </p:cNvPr>
+          <p:cNvCxnSpPr>
+            <a:cxnSpLocks/>
+          </p:cNvCxnSpPr>
+          <p:nvPr/>
+        </p:nvCxnSpPr>
+        <p:spPr>
+          <a:xfrm flipV="1">
+            <a:off x="5699653" y="2038151"/>
+            <a:ext cx="0" cy="882628"/>
+          </a:xfrm>
+          <a:prstGeom prst="straightConnector1">
+            <a:avLst/>
+          </a:prstGeom>
+          <a:ln w="25400">
+            <a:tailEnd type="triangle" w="lg" len="lg"/>
+          </a:ln>
+        </p:spPr>
+        <p:style>
+          <a:lnRef idx="1">
+            <a:schemeClr val="accent1"/>
+          </a:lnRef>
+          <a:fillRef idx="0">
+            <a:schemeClr val="accent1"/>
+          </a:fillRef>
+          <a:effectRef idx="0">
+            <a:schemeClr val="accent1"/>
+          </a:effectRef>
+          <a:fontRef idx="minor">
+            <a:schemeClr val="tx1"/>
+          </a:fontRef>
+        </p:style>
+      </p:cxnSp>
+      <p:sp>
+        <p:nvSpPr>
+          <p:cNvPr id="130" name="Rectangle 129">
+            <a:extLst>
+              <a:ext uri="{FF2B5EF4-FFF2-40B4-BE49-F238E27FC236}">
+                <a16:creationId xmlns:a16="http://schemas.microsoft.com/office/drawing/2014/main" id="{2CFB67AC-3297-1A45-8AF0-907F8D2C46E2}"/>
+              </a:ext>
+            </a:extLst>
+          </p:cNvPr>
+          <p:cNvSpPr/>
+          <p:nvPr/>
+        </p:nvSpPr>
+        <p:spPr>
+          <a:xfrm>
+            <a:off x="6139914" y="2118825"/>
+            <a:ext cx="1079424" cy="518969"/>
+          </a:xfrm>
+          <a:prstGeom prst="rect">
+            <a:avLst/>
+          </a:prstGeom>
+        </p:spPr>
+        <p:style>
+          <a:lnRef idx="2">
+            <a:schemeClr val="accent1">
+              <a:shade val="50000"/>
+            </a:schemeClr>
+          </a:lnRef>
+          <a:fillRef idx="1">
+            <a:schemeClr val="accent1"/>
+          </a:fillRef>
+          <a:effectRef idx="0">
+            <a:schemeClr val="accent1"/>
+          </a:effectRef>
+          <a:fontRef idx="minor">
+            <a:schemeClr val="lt1"/>
+          </a:fontRef>
+        </p:style>
+        <p:txBody>
+          <a:bodyPr rtlCol="0" anchor="ctr"/>
+          <a:lstStyle/>
+          <a:p>
+            <a:pPr algn="ctr"/>
+            <a:r>
+              <a:rPr lang="en-US" dirty="0"/>
+              <a:t>phone country</a:t>
+            </a:r>
+          </a:p>
+        </p:txBody>
+      </p:sp>
+      <p:cxnSp>
+        <p:nvCxnSpPr>
+          <p:cNvPr id="131" name="Straight Arrow Connector 130">
+            <a:extLst>
+              <a:ext uri="{FF2B5EF4-FFF2-40B4-BE49-F238E27FC236}">
+                <a16:creationId xmlns:a16="http://schemas.microsoft.com/office/drawing/2014/main" id="{57E2FE0B-CCD0-594C-9781-EC326472A21D}"/>
+              </a:ext>
+            </a:extLst>
+          </p:cNvPr>
+          <p:cNvCxnSpPr>
+            <a:cxnSpLocks/>
+            <a:endCxn id="130" idx="2"/>
+          </p:cNvCxnSpPr>
+          <p:nvPr/>
+        </p:nvCxnSpPr>
+        <p:spPr>
+          <a:xfrm flipV="1">
+            <a:off x="5771087" y="2637794"/>
+            <a:ext cx="908539" cy="352132"/>
+          </a:xfrm>
+          <a:prstGeom prst="straightConnector1">
+            <a:avLst/>
+          </a:prstGeom>
+          <a:ln w="25400">
+            <a:tailEnd type="triangle" w="lg" len="lg"/>
+          </a:ln>
+        </p:spPr>
+        <p:style>
+          <a:lnRef idx="1">
+            <a:schemeClr val="accent1"/>
+          </a:lnRef>
+          <a:fillRef idx="0">
+            <a:schemeClr val="accent1"/>
+          </a:fillRef>
+          <a:effectRef idx="0">
+            <a:schemeClr val="accent1"/>
+          </a:effectRef>
+          <a:fontRef idx="minor">
+            <a:schemeClr val="tx1"/>
+          </a:fontRef>
+        </p:style>
+      </p:cxnSp>
+      <p:sp>
+        <p:nvSpPr>
+          <p:cNvPr id="137" name="Rectangle 136">
+            <a:extLst>
+              <a:ext uri="{FF2B5EF4-FFF2-40B4-BE49-F238E27FC236}">
+                <a16:creationId xmlns:a16="http://schemas.microsoft.com/office/drawing/2014/main" id="{4E75E164-2719-C049-81EC-550165074AD8}"/>
+              </a:ext>
+            </a:extLst>
+          </p:cNvPr>
+          <p:cNvSpPr/>
+          <p:nvPr/>
+        </p:nvSpPr>
+        <p:spPr>
+          <a:xfrm>
+            <a:off x="6666987" y="2794753"/>
+            <a:ext cx="2075901" cy="281007"/>
+          </a:xfrm>
+          <a:prstGeom prst="rect">
+            <a:avLst/>
+          </a:prstGeom>
+        </p:spPr>
+        <p:style>
+          <a:lnRef idx="2">
+            <a:schemeClr val="accent1">
+              <a:shade val="50000"/>
+            </a:schemeClr>
+          </a:lnRef>
+          <a:fillRef idx="1">
+            <a:schemeClr val="accent1"/>
+          </a:fillRef>
+          <a:effectRef idx="0">
+            <a:schemeClr val="accent1"/>
+          </a:effectRef>
+          <a:fontRef idx="minor">
+            <a:schemeClr val="lt1"/>
+          </a:fontRef>
+        </p:style>
+        <p:txBody>
+          <a:bodyPr rtlCol="0" anchor="ctr"/>
+          <a:lstStyle/>
+          <a:p>
+            <a:pPr algn="ctr"/>
+            <a:r>
+              <a:rPr lang="en-US" dirty="0"/>
+              <a:t>Windows language</a:t>
+            </a:r>
+          </a:p>
+        </p:txBody>
+      </p:sp>
+      <p:cxnSp>
+        <p:nvCxnSpPr>
+          <p:cNvPr id="139" name="Straight Arrow Connector 138">
+            <a:extLst>
+              <a:ext uri="{FF2B5EF4-FFF2-40B4-BE49-F238E27FC236}">
+                <a16:creationId xmlns:a16="http://schemas.microsoft.com/office/drawing/2014/main" id="{2FA5634F-DA3B-B244-B26C-46BB6DCFC8BA}"/>
+              </a:ext>
+            </a:extLst>
+          </p:cNvPr>
+          <p:cNvCxnSpPr>
+            <a:cxnSpLocks/>
+            <a:endCxn id="7" idx="0"/>
+          </p:cNvCxnSpPr>
+          <p:nvPr/>
+        </p:nvCxnSpPr>
+        <p:spPr>
+          <a:xfrm>
+            <a:off x="8305565" y="2989925"/>
+            <a:ext cx="79437" cy="1005172"/>
+          </a:xfrm>
+          <a:prstGeom prst="straightConnector1">
+            <a:avLst/>
+          </a:prstGeom>
+          <a:ln w="25400">
+            <a:tailEnd type="triangle" w="lg" len="lg"/>
+          </a:ln>
+        </p:spPr>
+        <p:style>
+          <a:lnRef idx="1">
+            <a:schemeClr val="accent1"/>
+          </a:lnRef>
+          <a:fillRef idx="0">
+            <a:schemeClr val="accent1"/>
+          </a:fillRef>
+          <a:effectRef idx="0">
+            <a:schemeClr val="accent1"/>
+          </a:effectRef>
+          <a:fontRef idx="minor">
+            <a:schemeClr val="tx1"/>
+          </a:fontRef>
+        </p:style>
+      </p:cxnSp>
+      <p:cxnSp>
+        <p:nvCxnSpPr>
+          <p:cNvPr id="142" name="Straight Arrow Connector 141">
+            <a:extLst>
+              <a:ext uri="{FF2B5EF4-FFF2-40B4-BE49-F238E27FC236}">
+                <a16:creationId xmlns:a16="http://schemas.microsoft.com/office/drawing/2014/main" id="{DD5277F2-E672-5242-B087-342B25F1BDEA}"/>
+              </a:ext>
+            </a:extLst>
+          </p:cNvPr>
+          <p:cNvCxnSpPr>
+            <a:cxnSpLocks/>
+            <a:stCxn id="53" idx="3"/>
+            <a:endCxn id="7" idx="0"/>
+          </p:cNvCxnSpPr>
+          <p:nvPr/>
+        </p:nvCxnSpPr>
+        <p:spPr>
+          <a:xfrm>
+            <a:off x="7965014" y="3449349"/>
+            <a:ext cx="419988" cy="545748"/>
+          </a:xfrm>
+          <a:prstGeom prst="straightConnector1">
+            <a:avLst/>
+          </a:prstGeom>
+          <a:ln w="25400">
+            <a:tailEnd type="triangle" w="lg" len="lg"/>
+          </a:ln>
+        </p:spPr>
+        <p:style>
+          <a:lnRef idx="1">
+            <a:schemeClr val="accent1"/>
+          </a:lnRef>
+          <a:fillRef idx="0">
+            <a:schemeClr val="accent1"/>
+          </a:fillRef>
+          <a:effectRef idx="0">
+            <a:schemeClr val="accent1"/>
+          </a:effectRef>
+          <a:fontRef idx="minor">
+            <a:schemeClr val="tx1"/>
+          </a:fontRef>
+        </p:style>
+      </p:cxnSp>
+      <p:cxnSp>
+        <p:nvCxnSpPr>
+          <p:cNvPr id="145" name="Straight Arrow Connector 144">
+            <a:extLst>
+              <a:ext uri="{FF2B5EF4-FFF2-40B4-BE49-F238E27FC236}">
+                <a16:creationId xmlns:a16="http://schemas.microsoft.com/office/drawing/2014/main" id="{B8D10FDD-C0E9-5841-949C-BD2D2F8C76A5}"/>
+              </a:ext>
+            </a:extLst>
+          </p:cNvPr>
+          <p:cNvCxnSpPr>
+            <a:cxnSpLocks/>
+            <a:stCxn id="146" idx="3"/>
+          </p:cNvCxnSpPr>
+          <p:nvPr/>
+        </p:nvCxnSpPr>
+        <p:spPr>
+          <a:xfrm flipV="1">
+            <a:off x="7256289" y="4347427"/>
+            <a:ext cx="474663" cy="292462"/>
+          </a:xfrm>
+          <a:prstGeom prst="straightConnector1">
+            <a:avLst/>
+          </a:prstGeom>
+          <a:ln w="25400">
+            <a:tailEnd type="triangle" w="lg" len="lg"/>
+          </a:ln>
+        </p:spPr>
+        <p:style>
+          <a:lnRef idx="1">
+            <a:schemeClr val="accent1"/>
+          </a:lnRef>
+          <a:fillRef idx="0">
+            <a:schemeClr val="accent1"/>
+          </a:fillRef>
+          <a:effectRef idx="0">
+            <a:schemeClr val="accent1"/>
+          </a:effectRef>
+          <a:fontRef idx="minor">
+            <a:schemeClr val="tx1"/>
+          </a:fontRef>
+        </p:style>
+      </p:cxnSp>
+      <p:sp>
+        <p:nvSpPr>
+          <p:cNvPr id="146" name="Rectangle 145">
+            <a:extLst>
+              <a:ext uri="{FF2B5EF4-FFF2-40B4-BE49-F238E27FC236}">
+                <a16:creationId xmlns:a16="http://schemas.microsoft.com/office/drawing/2014/main" id="{4EA8F425-8347-8243-8D03-B266B67C9A25}"/>
+              </a:ext>
+            </a:extLst>
+          </p:cNvPr>
+          <p:cNvSpPr/>
+          <p:nvPr/>
+        </p:nvSpPr>
+        <p:spPr>
+          <a:xfrm>
+            <a:off x="6612753" y="4463169"/>
+            <a:ext cx="643536" cy="353440"/>
+          </a:xfrm>
+          <a:prstGeom prst="rect">
+            <a:avLst/>
+          </a:prstGeom>
+        </p:spPr>
+        <p:style>
+          <a:lnRef idx="2">
+            <a:schemeClr val="accent1">
+              <a:shade val="50000"/>
+            </a:schemeClr>
+          </a:lnRef>
+          <a:fillRef idx="1">
+            <a:schemeClr val="accent1"/>
+          </a:fillRef>
+          <a:effectRef idx="0">
+            <a:schemeClr val="accent1"/>
+          </a:effectRef>
+          <a:fontRef idx="minor">
+            <a:schemeClr val="lt1"/>
+          </a:fontRef>
+        </p:style>
+        <p:txBody>
+          <a:bodyPr rtlCol="0" anchor="ctr"/>
+          <a:lstStyle/>
+          <a:p>
+            <a:pPr algn="ctr"/>
+            <a:r>
+              <a:rPr lang="en-US" dirty="0"/>
+              <a:t>OS</a:t>
+            </a:r>
+          </a:p>
+        </p:txBody>
+      </p:sp>
+      <p:sp>
+        <p:nvSpPr>
+          <p:cNvPr id="152" name="Rounded Rectangle 151">
+            <a:extLst>
+              <a:ext uri="{FF2B5EF4-FFF2-40B4-BE49-F238E27FC236}">
+                <a16:creationId xmlns:a16="http://schemas.microsoft.com/office/drawing/2014/main" id="{605E6FCD-2DFB-264B-B9C9-12F86AA25BCF}"/>
+              </a:ext>
+            </a:extLst>
+          </p:cNvPr>
+          <p:cNvSpPr/>
+          <p:nvPr/>
+        </p:nvSpPr>
+        <p:spPr>
+          <a:xfrm>
+            <a:off x="3322355" y="2153532"/>
+            <a:ext cx="1645722" cy="328078"/>
+          </a:xfrm>
+          <a:prstGeom prst="roundRect">
+            <a:avLst/>
+          </a:prstGeom>
+        </p:spPr>
+        <p:style>
+          <a:lnRef idx="2">
+            <a:schemeClr val="accent1">
+              <a:shade val="50000"/>
+            </a:schemeClr>
+          </a:lnRef>
+          <a:fillRef idx="1">
+            <a:schemeClr val="accent1"/>
+          </a:fillRef>
+          <a:effectRef idx="0">
+            <a:schemeClr val="accent1"/>
+          </a:effectRef>
+          <a:fontRef idx="minor">
+            <a:schemeClr val="lt1"/>
+          </a:fontRef>
+        </p:style>
+        <p:txBody>
+          <a:bodyPr rtlCol="0" anchor="ctr"/>
+          <a:lstStyle/>
+          <a:p>
+            <a:pPr algn="ctr"/>
+            <a:r>
+              <a:rPr lang="en-US" dirty="0"/>
+              <a:t>country csv file</a:t>
+            </a:r>
+          </a:p>
+        </p:txBody>
+      </p:sp>
+      <p:cxnSp>
+        <p:nvCxnSpPr>
+          <p:cNvPr id="153" name="Straight Arrow Connector 152">
+            <a:extLst>
+              <a:ext uri="{FF2B5EF4-FFF2-40B4-BE49-F238E27FC236}">
+                <a16:creationId xmlns:a16="http://schemas.microsoft.com/office/drawing/2014/main" id="{D2278E2B-B3CE-844F-92D0-FDD4648083A6}"/>
+              </a:ext>
+            </a:extLst>
+          </p:cNvPr>
+          <p:cNvCxnSpPr>
+            <a:cxnSpLocks/>
+          </p:cNvCxnSpPr>
+          <p:nvPr/>
+        </p:nvCxnSpPr>
+        <p:spPr>
+          <a:xfrm>
+            <a:off x="4179968" y="2461729"/>
+            <a:ext cx="0" cy="292907"/>
+          </a:xfrm>
+          <a:prstGeom prst="straightConnector1">
+            <a:avLst/>
+          </a:prstGeom>
+          <a:ln w="25400">
+            <a:tailEnd type="triangle" w="lg" len="lg"/>
+          </a:ln>
+        </p:spPr>
+        <p:style>
+          <a:lnRef idx="1">
+            <a:schemeClr val="accent1"/>
+          </a:lnRef>
+          <a:fillRef idx="0">
+            <a:schemeClr val="accent1"/>
+          </a:fillRef>
+          <a:effectRef idx="0">
+            <a:schemeClr val="accent1"/>
+          </a:effectRef>
+          <a:fontRef idx="minor">
+            <a:schemeClr val="tx1"/>
+          </a:fontRef>
+        </p:style>
+      </p:cxnSp>
+      <p:sp>
+        <p:nvSpPr>
+          <p:cNvPr id="9" name="Oval 8">
+            <a:extLst>
+              <a:ext uri="{FF2B5EF4-FFF2-40B4-BE49-F238E27FC236}">
+                <a16:creationId xmlns:a16="http://schemas.microsoft.com/office/drawing/2014/main" id="{7E799F1C-A085-6943-B4B2-D0B10377E025}"/>
+              </a:ext>
+            </a:extLst>
+          </p:cNvPr>
+          <p:cNvSpPr/>
+          <p:nvPr/>
+        </p:nvSpPr>
+        <p:spPr>
+          <a:xfrm>
+            <a:off x="6444819" y="4313376"/>
+            <a:ext cx="289562" cy="333070"/>
+          </a:xfrm>
+          <a:prstGeom prst="ellipse">
+            <a:avLst/>
+          </a:prstGeom>
+          <a:ln>
+            <a:noFill/>
+          </a:ln>
+        </p:spPr>
+        <p:style>
+          <a:lnRef idx="2">
+            <a:schemeClr val="accent1">
+              <a:shade val="50000"/>
+            </a:schemeClr>
+          </a:lnRef>
+          <a:fillRef idx="1">
+            <a:schemeClr val="accent1"/>
+          </a:fillRef>
+          <a:effectRef idx="0">
+            <a:schemeClr val="accent1"/>
+          </a:effectRef>
+          <a:fontRef idx="minor">
+            <a:schemeClr val="lt1"/>
+          </a:fontRef>
+        </p:style>
+        <p:txBody>
+          <a:bodyPr rtlCol="0" anchor="ctr"/>
+          <a:lstStyle/>
+          <a:p>
+            <a:pPr algn="ctr"/>
+            <a:r>
+              <a:rPr lang="en-US" dirty="0"/>
+              <a:t>1</a:t>
+            </a:r>
+          </a:p>
+        </p:txBody>
+      </p:sp>
+      <p:sp>
+        <p:nvSpPr>
+          <p:cNvPr id="49" name="Oval 48">
+            <a:extLst>
+              <a:ext uri="{FF2B5EF4-FFF2-40B4-BE49-F238E27FC236}">
+                <a16:creationId xmlns:a16="http://schemas.microsoft.com/office/drawing/2014/main" id="{89BF1DAD-4337-734D-872D-C37929DDA8B6}"/>
+              </a:ext>
+            </a:extLst>
+          </p:cNvPr>
+          <p:cNvSpPr/>
+          <p:nvPr/>
+        </p:nvSpPr>
+        <p:spPr>
+          <a:xfrm>
+            <a:off x="7343221" y="4791438"/>
+            <a:ext cx="289562" cy="333070"/>
+          </a:xfrm>
+          <a:prstGeom prst="ellipse">
+            <a:avLst/>
+          </a:prstGeom>
+          <a:ln>
+            <a:noFill/>
+          </a:ln>
+        </p:spPr>
+        <p:style>
+          <a:lnRef idx="2">
+            <a:schemeClr val="accent1">
+              <a:shade val="50000"/>
+            </a:schemeClr>
+          </a:lnRef>
+          <a:fillRef idx="1">
+            <a:schemeClr val="accent1"/>
+          </a:fillRef>
+          <a:effectRef idx="0">
+            <a:schemeClr val="accent1"/>
+          </a:effectRef>
+          <a:fontRef idx="minor">
+            <a:schemeClr val="lt1"/>
+          </a:fontRef>
+        </p:style>
+        <p:txBody>
+          <a:bodyPr rtlCol="0" anchor="ctr"/>
+          <a:lstStyle/>
+          <a:p>
+            <a:pPr algn="ctr"/>
+            <a:r>
+              <a:rPr lang="en-US" dirty="0"/>
+              <a:t>2</a:t>
+            </a:r>
+          </a:p>
+        </p:txBody>
+      </p:sp>
+      <p:sp>
+        <p:nvSpPr>
+          <p:cNvPr id="51" name="Magnetic Disk 50">
+            <a:extLst>
+              <a:ext uri="{FF2B5EF4-FFF2-40B4-BE49-F238E27FC236}">
+                <a16:creationId xmlns:a16="http://schemas.microsoft.com/office/drawing/2014/main" id="{BECF487F-7798-3840-95AB-305808D0807C}"/>
+              </a:ext>
+            </a:extLst>
+          </p:cNvPr>
+          <p:cNvSpPr/>
+          <p:nvPr/>
+        </p:nvSpPr>
+        <p:spPr>
+          <a:xfrm>
+            <a:off x="5833217" y="5002376"/>
+            <a:ext cx="1889117" cy="558800"/>
+          </a:xfrm>
+          <a:prstGeom prst="flowChartMagneticDisk">
+            <a:avLst/>
+          </a:prstGeom>
+        </p:spPr>
+        <p:style>
+          <a:lnRef idx="2">
+            <a:schemeClr val="accent1">
+              <a:shade val="50000"/>
+            </a:schemeClr>
+          </a:lnRef>
+          <a:fillRef idx="1">
+            <a:schemeClr val="accent1"/>
+          </a:fillRef>
+          <a:effectRef idx="0">
+            <a:schemeClr val="accent1"/>
+          </a:effectRef>
+          <a:fontRef idx="minor">
+            <a:schemeClr val="lt1"/>
+          </a:fontRef>
+        </p:style>
+        <p:txBody>
+          <a:bodyPr rtlCol="0" anchor="ctr"/>
+          <a:lstStyle/>
+          <a:p>
+            <a:pPr algn="ctr"/>
+            <a:r>
+              <a:rPr lang="en-US" dirty="0"/>
+              <a:t>locale SQL DB</a:t>
+            </a:r>
+          </a:p>
+        </p:txBody>
+      </p:sp>
+      <p:sp>
+        <p:nvSpPr>
+          <p:cNvPr id="52" name="Rounded Rectangle 51">
+            <a:extLst>
+              <a:ext uri="{FF2B5EF4-FFF2-40B4-BE49-F238E27FC236}">
+                <a16:creationId xmlns:a16="http://schemas.microsoft.com/office/drawing/2014/main" id="{857D8E87-9649-BC40-9C4E-5DDECF09992D}"/>
+              </a:ext>
+            </a:extLst>
+          </p:cNvPr>
+          <p:cNvSpPr/>
+          <p:nvPr/>
+        </p:nvSpPr>
+        <p:spPr>
+          <a:xfrm>
+            <a:off x="5934713" y="5800774"/>
+            <a:ext cx="1645722" cy="328078"/>
+          </a:xfrm>
+          <a:prstGeom prst="roundRect">
+            <a:avLst/>
+          </a:prstGeom>
+        </p:spPr>
+        <p:style>
+          <a:lnRef idx="2">
+            <a:schemeClr val="accent1">
+              <a:shade val="50000"/>
+            </a:schemeClr>
+          </a:lnRef>
+          <a:fillRef idx="1">
+            <a:schemeClr val="accent1"/>
+          </a:fillRef>
+          <a:effectRef idx="0">
+            <a:schemeClr val="accent1"/>
+          </a:effectRef>
+          <a:fontRef idx="minor">
+            <a:schemeClr val="lt1"/>
+          </a:fontRef>
+        </p:style>
+        <p:txBody>
+          <a:bodyPr rtlCol="0" anchor="ctr"/>
+          <a:lstStyle/>
+          <a:p>
+            <a:pPr algn="ctr"/>
+            <a:r>
+              <a:rPr lang="en-US" dirty="0"/>
+              <a:t>locale csv file</a:t>
+            </a:r>
+          </a:p>
+        </p:txBody>
+      </p:sp>
+      <p:cxnSp>
+        <p:nvCxnSpPr>
+          <p:cNvPr id="55" name="Straight Arrow Connector 54">
+            <a:extLst>
+              <a:ext uri="{FF2B5EF4-FFF2-40B4-BE49-F238E27FC236}">
+                <a16:creationId xmlns:a16="http://schemas.microsoft.com/office/drawing/2014/main" id="{1C4FDB29-64DE-314E-B872-17705A02F0B1}"/>
+              </a:ext>
+            </a:extLst>
+          </p:cNvPr>
+          <p:cNvCxnSpPr>
+            <a:cxnSpLocks/>
+          </p:cNvCxnSpPr>
+          <p:nvPr/>
+        </p:nvCxnSpPr>
+        <p:spPr>
+          <a:xfrm flipV="1">
+            <a:off x="7345982" y="4347426"/>
+            <a:ext cx="622697" cy="797333"/>
+          </a:xfrm>
+          <a:prstGeom prst="straightConnector1">
+            <a:avLst/>
+          </a:prstGeom>
+          <a:ln w="25400">
+            <a:tailEnd type="triangle" w="lg" len="lg"/>
+          </a:ln>
+        </p:spPr>
+        <p:style>
+          <a:lnRef idx="1">
+            <a:schemeClr val="accent1"/>
+          </a:lnRef>
+          <a:fillRef idx="0">
+            <a:schemeClr val="accent1"/>
+          </a:fillRef>
+          <a:effectRef idx="0">
+            <a:schemeClr val="accent1"/>
+          </a:effectRef>
+          <a:fontRef idx="minor">
+            <a:schemeClr val="tx1"/>
+          </a:fontRef>
+        </p:style>
+      </p:cxnSp>
+      <p:cxnSp>
+        <p:nvCxnSpPr>
+          <p:cNvPr id="56" name="Straight Arrow Connector 55">
+            <a:extLst>
+              <a:ext uri="{FF2B5EF4-FFF2-40B4-BE49-F238E27FC236}">
+                <a16:creationId xmlns:a16="http://schemas.microsoft.com/office/drawing/2014/main" id="{A862F193-942C-AD40-AF51-591CB3A904AE}"/>
+              </a:ext>
+            </a:extLst>
+          </p:cNvPr>
+          <p:cNvCxnSpPr>
+            <a:cxnSpLocks/>
+            <a:stCxn id="52" idx="0"/>
+            <a:endCxn id="51" idx="3"/>
+          </p:cNvCxnSpPr>
+          <p:nvPr/>
+        </p:nvCxnSpPr>
+        <p:spPr>
+          <a:xfrm flipV="1">
+            <a:off x="6757574" y="5561176"/>
+            <a:ext cx="20202" cy="239598"/>
+          </a:xfrm>
+          <a:prstGeom prst="straightConnector1">
+            <a:avLst/>
+          </a:prstGeom>
+          <a:ln w="25400">
+            <a:tailEnd type="triangle" w="lg" len="lg"/>
+          </a:ln>
+        </p:spPr>
+        <p:style>
+          <a:lnRef idx="1">
+            <a:schemeClr val="accent1"/>
+          </a:lnRef>
+          <a:fillRef idx="0">
+            <a:schemeClr val="accent1"/>
+          </a:fillRef>
+          <a:effectRef idx="0">
+            <a:schemeClr val="accent1"/>
+          </a:effectRef>
+          <a:fontRef idx="minor">
+            <a:schemeClr val="tx1"/>
+          </a:fontRef>
+        </p:style>
+      </p:cxnSp>
+      <p:sp>
+        <p:nvSpPr>
+          <p:cNvPr id="59" name="Oval 58">
+            <a:extLst>
+              <a:ext uri="{FF2B5EF4-FFF2-40B4-BE49-F238E27FC236}">
+                <a16:creationId xmlns:a16="http://schemas.microsoft.com/office/drawing/2014/main" id="{70A2D158-4207-CD46-8DD4-3BB6668E6B51}"/>
+              </a:ext>
+            </a:extLst>
+          </p:cNvPr>
+          <p:cNvSpPr/>
+          <p:nvPr/>
+        </p:nvSpPr>
+        <p:spPr>
+          <a:xfrm>
+            <a:off x="8579028" y="4522225"/>
+            <a:ext cx="289562" cy="333070"/>
+          </a:xfrm>
+          <a:prstGeom prst="ellipse">
+            <a:avLst/>
+          </a:prstGeom>
+          <a:ln>
+            <a:noFill/>
+          </a:ln>
+        </p:spPr>
+        <p:style>
+          <a:lnRef idx="2">
+            <a:schemeClr val="accent1">
+              <a:shade val="50000"/>
+            </a:schemeClr>
+          </a:lnRef>
+          <a:fillRef idx="1">
+            <a:schemeClr val="accent1"/>
+          </a:fillRef>
+          <a:effectRef idx="0">
+            <a:schemeClr val="accent1"/>
+          </a:effectRef>
+          <a:fontRef idx="minor">
+            <a:schemeClr val="lt1"/>
+          </a:fontRef>
+        </p:style>
+        <p:txBody>
+          <a:bodyPr rtlCol="0" anchor="ctr"/>
+          <a:lstStyle/>
+          <a:p>
+            <a:pPr algn="ctr"/>
+            <a:r>
+              <a:rPr lang="en-US" dirty="0"/>
+              <a:t>3</a:t>
+            </a:r>
+          </a:p>
+        </p:txBody>
+      </p:sp>
+    </p:spTree>
+    <p:extLst>
+      <p:ext uri="{BB962C8B-B14F-4D97-AF65-F5344CB8AC3E}">
+        <p14:creationId xmlns:p14="http://schemas.microsoft.com/office/powerpoint/2010/main" val="2618077067"/>
       </p:ext>
     </p:extLst>
   </p:cSld>

--- a/python-samples.pptx
+++ b/python-samples.pptx
@@ -5953,8 +5953,8 @@
         </p:nvSpPr>
         <p:spPr>
           <a:xfrm>
-            <a:off x="7730952" y="3995097"/>
-            <a:ext cx="1308100" cy="352329"/>
+            <a:off x="7730952" y="3992469"/>
+            <a:ext cx="1137638" cy="354958"/>
           </a:xfrm>
           <a:prstGeom prst="rect">
             <a:avLst/>
@@ -6005,8 +6005,8 @@
         </p:nvCxnSpPr>
         <p:spPr>
           <a:xfrm>
-            <a:off x="9039052" y="4171262"/>
-            <a:ext cx="2093381" cy="0"/>
+            <a:off x="8868590" y="4169948"/>
+            <a:ext cx="2263843" cy="1314"/>
           </a:xfrm>
           <a:prstGeom prst="straightConnector1">
             <a:avLst/>
@@ -6048,8 +6048,8 @@
         </p:nvCxnSpPr>
         <p:spPr>
           <a:xfrm flipV="1">
-            <a:off x="5290083" y="4171262"/>
-            <a:ext cx="2440869" cy="54595"/>
+            <a:off x="5290083" y="4169948"/>
+            <a:ext cx="2440869" cy="55909"/>
           </a:xfrm>
           <a:prstGeom prst="straightConnector1">
             <a:avLst/>
@@ -6141,7 +6141,7 @@
         <p:spPr>
           <a:xfrm>
             <a:off x="5940419" y="3782419"/>
-            <a:ext cx="1790533" cy="388843"/>
+            <a:ext cx="1790533" cy="387529"/>
           </a:xfrm>
           <a:prstGeom prst="straightConnector1">
             <a:avLst/>
@@ -6599,7 +6599,7 @@
         </p:nvCxnSpPr>
         <p:spPr>
           <a:xfrm>
-            <a:off x="9396938" y="2276055"/>
+            <a:off x="9137155" y="4953189"/>
             <a:ext cx="2093382" cy="0"/>
           </a:xfrm>
           <a:prstGeom prst="straightConnector1">
@@ -7285,9 +7285,9 @@
           <p:nvPr/>
         </p:nvCxnSpPr>
         <p:spPr>
-          <a:xfrm>
-            <a:off x="8305565" y="2989925"/>
-            <a:ext cx="79437" cy="1005172"/>
+          <a:xfrm flipH="1">
+            <a:off x="8299771" y="2989925"/>
+            <a:ext cx="5794" cy="1002544"/>
           </a:xfrm>
           <a:prstGeom prst="straightConnector1">
             <a:avLst/>
@@ -7330,7 +7330,7 @@
         <p:spPr>
           <a:xfrm>
             <a:off x="7965014" y="3449349"/>
-            <a:ext cx="419988" cy="545748"/>
+            <a:ext cx="334757" cy="543120"/>
           </a:xfrm>
           <a:prstGeom prst="straightConnector1">
             <a:avLst/>

--- a/python-samples.pptx
+++ b/python-samples.pptx
@@ -5,11 +5,10 @@
     <p:sldMasterId id="2147483648" r:id="rId1"/>
   </p:sldMasterIdLst>
   <p:notesMasterIdLst>
-    <p:notesMasterId r:id="rId4"/>
+    <p:notesMasterId r:id="rId3"/>
   </p:notesMasterIdLst>
   <p:sldIdLst>
-    <p:sldId id="257" r:id="rId2"/>
-    <p:sldId id="258" r:id="rId3"/>
+    <p:sldId id="258" r:id="rId2"/>
   </p:sldIdLst>
   <p:sldSz cx="12192000" cy="6858000"/>
   <p:notesSz cx="6858000" cy="9144000"/>
@@ -198,7 +197,7 @@
           <a:p>
             <a:fld id="{D908175C-D22D-C34B-8666-11C251367C6C}" type="datetimeFigureOut">
               <a:rPr lang="en-US" smtClean="0"/>
-              <a:t>12/23/21</a:t>
+              <a:t>6/5/23</a:t>
             </a:fld>
             <a:endParaRPr lang="en-US"/>
           </a:p>
@@ -509,6 +508,59 @@
           <a:bodyPr/>
           <a:lstStyle/>
           <a:p>
+            <a:r>
+              <a:rPr lang="en-US" dirty="0"/>
+              <a:t>We want to display dates and times using a custom </a:t>
+            </a:r>
+            <a:r>
+              <a:rPr lang="en-US" b="1" dirty="0"/>
+              <a:t>datetime</a:t>
+            </a:r>
+            <a:r>
+              <a:rPr lang="en-US" dirty="0"/>
+              <a:t> format, which the app can define by an entry in its .env file. </a:t>
+            </a:r>
+          </a:p>
+          <a:p>
+            <a:r>
+              <a:rPr lang="en-US" dirty="0"/>
+              <a:t>is a specific to a LOCALE, which consists of a particular </a:t>
+            </a:r>
+            <a:r>
+              <a:rPr lang="en-US" b="1" dirty="0"/>
+              <a:t>country</a:t>
+            </a:r>
+            <a:r>
+              <a:rPr lang="en-US" dirty="0"/>
+              <a:t> and </a:t>
+            </a:r>
+            <a:r>
+              <a:rPr lang="en-US" b="1" dirty="0"/>
+              <a:t>language</a:t>
+            </a:r>
+            <a:r>
+              <a:rPr lang="en-US" dirty="0"/>
+              <a:t>, such as "</a:t>
+            </a:r>
+            <a:r>
+              <a:rPr lang="en-US" dirty="0" err="1"/>
+              <a:t>en_US</a:t>
+            </a:r>
+            <a:r>
+              <a:rPr lang="en-US" dirty="0"/>
+              <a:t>". By default, a LOCALE can be obtained the Operating System. The app can override that by an entry defined in its .env file. </a:t>
+            </a:r>
+          </a:p>
+          <a:p>
+            <a:endParaRPr lang="en-US" dirty="0"/>
+          </a:p>
+          <a:p>
+            <a:endParaRPr lang="en-US" dirty="0"/>
+          </a:p>
+          <a:p>
+            <a:endParaRPr lang="en-US" dirty="0"/>
+          </a:p>
+          <a:p>
             <a:endParaRPr lang="en-US" dirty="0"/>
           </a:p>
         </p:txBody>
@@ -531,90 +583,6 @@
             <a:fld id="{BBFBE57B-062A-7844-9907-B3986A50F15E}" type="slidenum">
               <a:rPr lang="en-US" smtClean="0"/>
               <a:t>1</a:t>
-            </a:fld>
-            <a:endParaRPr lang="en-US"/>
-          </a:p>
-        </p:txBody>
-      </p:sp>
-    </p:spTree>
-    <p:extLst>
-      <p:ext uri="{BB962C8B-B14F-4D97-AF65-F5344CB8AC3E}">
-        <p14:creationId xmlns:p14="http://schemas.microsoft.com/office/powerpoint/2010/main" val="1333292096"/>
-      </p:ext>
-    </p:extLst>
-  </p:cSld>
-  <p:clrMapOvr>
-    <a:masterClrMapping/>
-  </p:clrMapOvr>
-</p:notes>
-</file>
-
-<file path=ppt/notesSlides/notesSlide2.xml><?xml version="1.0" encoding="utf-8"?>
-<p:notes xmlns:a="http://schemas.openxmlformats.org/drawingml/2006/main" xmlns:r="http://schemas.openxmlformats.org/officeDocument/2006/relationships" xmlns:p="http://schemas.openxmlformats.org/presentationml/2006/main">
-  <p:cSld>
-    <p:spTree>
-      <p:nvGrpSpPr>
-        <p:cNvPr id="1" name=""/>
-        <p:cNvGrpSpPr/>
-        <p:nvPr/>
-      </p:nvGrpSpPr>
-      <p:grpSpPr>
-        <a:xfrm>
-          <a:off x="0" y="0"/>
-          <a:ext cx="0" cy="0"/>
-          <a:chOff x="0" y="0"/>
-          <a:chExt cx="0" cy="0"/>
-        </a:xfrm>
-      </p:grpSpPr>
-      <p:sp>
-        <p:nvSpPr>
-          <p:cNvPr id="2" name="Slide Image Placeholder 1"/>
-          <p:cNvSpPr>
-            <a:spLocks noGrp="1" noRot="1" noChangeAspect="1"/>
-          </p:cNvSpPr>
-          <p:nvPr>
-            <p:ph type="sldImg"/>
-          </p:nvPr>
-        </p:nvSpPr>
-        <p:spPr/>
-      </p:sp>
-      <p:sp>
-        <p:nvSpPr>
-          <p:cNvPr id="3" name="Notes Placeholder 2"/>
-          <p:cNvSpPr>
-            <a:spLocks noGrp="1"/>
-          </p:cNvSpPr>
-          <p:nvPr>
-            <p:ph type="body" idx="1"/>
-          </p:nvPr>
-        </p:nvSpPr>
-        <p:spPr/>
-        <p:txBody>
-          <a:bodyPr/>
-          <a:lstStyle/>
-          <a:p>
-            <a:endParaRPr lang="en-US" dirty="0"/>
-          </a:p>
-        </p:txBody>
-      </p:sp>
-      <p:sp>
-        <p:nvSpPr>
-          <p:cNvPr id="4" name="Slide Number Placeholder 3"/>
-          <p:cNvSpPr>
-            <a:spLocks noGrp="1"/>
-          </p:cNvSpPr>
-          <p:nvPr>
-            <p:ph type="sldNum" sz="quarter" idx="5"/>
-          </p:nvPr>
-        </p:nvSpPr>
-        <p:spPr/>
-        <p:txBody>
-          <a:bodyPr/>
-          <a:lstStyle/>
-          <a:p>
-            <a:fld id="{BBFBE57B-062A-7844-9907-B3986A50F15E}" type="slidenum">
-              <a:rPr lang="en-US" smtClean="0"/>
-              <a:t>2</a:t>
             </a:fld>
             <a:endParaRPr lang="en-US"/>
           </a:p>
@@ -780,7 +748,7 @@
           <a:p>
             <a:fld id="{1A4A0011-0C42-BD4A-8F81-FDC9FEDBB629}" type="datetimeFigureOut">
               <a:rPr lang="en-US" smtClean="0"/>
-              <a:t>12/23/21</a:t>
+              <a:t>6/5/23</a:t>
             </a:fld>
             <a:endParaRPr lang="en-US"/>
           </a:p>
@@ -978,7 +946,7 @@
           <a:p>
             <a:fld id="{1A4A0011-0C42-BD4A-8F81-FDC9FEDBB629}" type="datetimeFigureOut">
               <a:rPr lang="en-US" smtClean="0"/>
-              <a:t>12/23/21</a:t>
+              <a:t>6/5/23</a:t>
             </a:fld>
             <a:endParaRPr lang="en-US"/>
           </a:p>
@@ -1186,7 +1154,7 @@
           <a:p>
             <a:fld id="{1A4A0011-0C42-BD4A-8F81-FDC9FEDBB629}" type="datetimeFigureOut">
               <a:rPr lang="en-US" smtClean="0"/>
-              <a:t>12/23/21</a:t>
+              <a:t>6/5/23</a:t>
             </a:fld>
             <a:endParaRPr lang="en-US"/>
           </a:p>
@@ -1384,7 +1352,7 @@
           <a:p>
             <a:fld id="{1A4A0011-0C42-BD4A-8F81-FDC9FEDBB629}" type="datetimeFigureOut">
               <a:rPr lang="en-US" smtClean="0"/>
-              <a:t>12/23/21</a:t>
+              <a:t>6/5/23</a:t>
             </a:fld>
             <a:endParaRPr lang="en-US"/>
           </a:p>
@@ -1659,7 +1627,7 @@
           <a:p>
             <a:fld id="{1A4A0011-0C42-BD4A-8F81-FDC9FEDBB629}" type="datetimeFigureOut">
               <a:rPr lang="en-US" smtClean="0"/>
-              <a:t>12/23/21</a:t>
+              <a:t>6/5/23</a:t>
             </a:fld>
             <a:endParaRPr lang="en-US"/>
           </a:p>
@@ -1924,7 +1892,7 @@
           <a:p>
             <a:fld id="{1A4A0011-0C42-BD4A-8F81-FDC9FEDBB629}" type="datetimeFigureOut">
               <a:rPr lang="en-US" smtClean="0"/>
-              <a:t>12/23/21</a:t>
+              <a:t>6/5/23</a:t>
             </a:fld>
             <a:endParaRPr lang="en-US"/>
           </a:p>
@@ -2336,7 +2304,7 @@
           <a:p>
             <a:fld id="{1A4A0011-0C42-BD4A-8F81-FDC9FEDBB629}" type="datetimeFigureOut">
               <a:rPr lang="en-US" smtClean="0"/>
-              <a:t>12/23/21</a:t>
+              <a:t>6/5/23</a:t>
             </a:fld>
             <a:endParaRPr lang="en-US"/>
           </a:p>
@@ -2477,7 +2445,7 @@
           <a:p>
             <a:fld id="{1A4A0011-0C42-BD4A-8F81-FDC9FEDBB629}" type="datetimeFigureOut">
               <a:rPr lang="en-US" smtClean="0"/>
-              <a:t>12/23/21</a:t>
+              <a:t>6/5/23</a:t>
             </a:fld>
             <a:endParaRPr lang="en-US"/>
           </a:p>
@@ -2590,7 +2558,7 @@
           <a:p>
             <a:fld id="{1A4A0011-0C42-BD4A-8F81-FDC9FEDBB629}" type="datetimeFigureOut">
               <a:rPr lang="en-US" smtClean="0"/>
-              <a:t>12/23/21</a:t>
+              <a:t>6/5/23</a:t>
             </a:fld>
             <a:endParaRPr lang="en-US"/>
           </a:p>
@@ -2901,7 +2869,7 @@
           <a:p>
             <a:fld id="{1A4A0011-0C42-BD4A-8F81-FDC9FEDBB629}" type="datetimeFigureOut">
               <a:rPr lang="en-US" smtClean="0"/>
-              <a:t>12/23/21</a:t>
+              <a:t>6/5/23</a:t>
             </a:fld>
             <a:endParaRPr lang="en-US"/>
           </a:p>
@@ -3189,7 +3157,7 @@
           <a:p>
             <a:fld id="{1A4A0011-0C42-BD4A-8F81-FDC9FEDBB629}" type="datetimeFigureOut">
               <a:rPr lang="en-US" smtClean="0"/>
-              <a:t>12/23/21</a:t>
+              <a:t>6/5/23</a:t>
             </a:fld>
             <a:endParaRPr lang="en-US"/>
           </a:p>
@@ -3430,7 +3398,7 @@
           <a:p>
             <a:fld id="{1A4A0011-0C42-BD4A-8F81-FDC9FEDBB629}" type="datetimeFigureOut">
               <a:rPr lang="en-US" smtClean="0"/>
-              <a:t>12/23/21</a:t>
+              <a:t>6/5/23</a:t>
             </a:fld>
             <a:endParaRPr lang="en-US"/>
           </a:p>
@@ -3886,12 +3854,18 @@
         </p:nvSpPr>
         <p:spPr>
           <a:xfrm>
-            <a:off x="1393293" y="4055045"/>
+            <a:off x="848168" y="4002290"/>
             <a:ext cx="1581680" cy="355433"/>
           </a:xfrm>
           <a:prstGeom prst="rect">
             <a:avLst/>
           </a:prstGeom>
+          <a:solidFill>
+            <a:schemeClr val="tx1"/>
+          </a:solidFill>
+          <a:ln>
+            <a:noFill/>
+          </a:ln>
         </p:spPr>
         <p:style>
           <a:lnRef idx="2">
@@ -3935,12 +3909,15 @@
         </p:nvSpPr>
         <p:spPr>
           <a:xfrm>
-            <a:off x="8742888" y="3995097"/>
-            <a:ext cx="1308100" cy="352329"/>
+            <a:off x="7730952" y="3992469"/>
+            <a:ext cx="1137638" cy="354958"/>
           </a:xfrm>
           <a:prstGeom prst="rect">
             <a:avLst/>
           </a:prstGeom>
+          <a:ln>
+            <a:noFill/>
+          </a:ln>
         </p:spPr>
         <p:style>
           <a:lnRef idx="2">
@@ -3966,140 +3943,6 @@
             <a:r>
               <a:rPr lang="en-US" dirty="0"/>
               <a:t>LOCALE</a:t>
-            </a:r>
-          </a:p>
-        </p:txBody>
-      </p:sp>
-      <p:cxnSp>
-        <p:nvCxnSpPr>
-          <p:cNvPr id="8" name="Straight Arrow Connector 7">
-            <a:extLst>
-              <a:ext uri="{FF2B5EF4-FFF2-40B4-BE49-F238E27FC236}">
-                <a16:creationId xmlns:a16="http://schemas.microsoft.com/office/drawing/2014/main" id="{0E1FAAE9-EE9B-C545-9C1E-4DA9839013FB}"/>
-              </a:ext>
-            </a:extLst>
-          </p:cNvPr>
-          <p:cNvCxnSpPr>
-            <a:cxnSpLocks/>
-            <a:stCxn id="7" idx="3"/>
-          </p:cNvCxnSpPr>
-          <p:nvPr/>
-        </p:nvCxnSpPr>
-        <p:spPr>
-          <a:xfrm>
-            <a:off x="10050988" y="4171262"/>
-            <a:ext cx="2093381" cy="0"/>
-          </a:xfrm>
-          <a:prstGeom prst="straightConnector1">
-            <a:avLst/>
-          </a:prstGeom>
-          <a:ln w="25400">
-            <a:tailEnd type="triangle" w="lg" len="lg"/>
-          </a:ln>
-        </p:spPr>
-        <p:style>
-          <a:lnRef idx="1">
-            <a:schemeClr val="accent1"/>
-          </a:lnRef>
-          <a:fillRef idx="0">
-            <a:schemeClr val="accent1"/>
-          </a:fillRef>
-          <a:effectRef idx="0">
-            <a:schemeClr val="accent1"/>
-          </a:effectRef>
-          <a:fontRef idx="minor">
-            <a:schemeClr val="tx1"/>
-          </a:fontRef>
-        </p:style>
-      </p:cxnSp>
-      <p:cxnSp>
-        <p:nvCxnSpPr>
-          <p:cNvPr id="10" name="Straight Arrow Connector 9">
-            <a:extLst>
-              <a:ext uri="{FF2B5EF4-FFF2-40B4-BE49-F238E27FC236}">
-                <a16:creationId xmlns:a16="http://schemas.microsoft.com/office/drawing/2014/main" id="{B1E30D68-4C5A-B14D-AF15-476352BB22CC}"/>
-              </a:ext>
-            </a:extLst>
-          </p:cNvPr>
-          <p:cNvCxnSpPr>
-            <a:cxnSpLocks/>
-            <a:stCxn id="99" idx="3"/>
-            <a:endCxn id="7" idx="1"/>
-          </p:cNvCxnSpPr>
-          <p:nvPr/>
-        </p:nvCxnSpPr>
-        <p:spPr>
-          <a:xfrm flipV="1">
-            <a:off x="5290083" y="4171262"/>
-            <a:ext cx="3452805" cy="54595"/>
-          </a:xfrm>
-          <a:prstGeom prst="straightConnector1">
-            <a:avLst/>
-          </a:prstGeom>
-          <a:ln w="25400">
-            <a:tailEnd type="triangle" w="lg" len="lg"/>
-          </a:ln>
-        </p:spPr>
-        <p:style>
-          <a:lnRef idx="1">
-            <a:schemeClr val="accent1"/>
-          </a:lnRef>
-          <a:fillRef idx="0">
-            <a:schemeClr val="accent1"/>
-          </a:fillRef>
-          <a:effectRef idx="0">
-            <a:schemeClr val="accent1"/>
-          </a:effectRef>
-          <a:fontRef idx="minor">
-            <a:schemeClr val="tx1"/>
-          </a:fontRef>
-        </p:style>
-      </p:cxnSp>
-      <p:sp>
-        <p:nvSpPr>
-          <p:cNvPr id="12" name="Rectangle 11">
-            <a:extLst>
-              <a:ext uri="{FF2B5EF4-FFF2-40B4-BE49-F238E27FC236}">
-                <a16:creationId xmlns:a16="http://schemas.microsoft.com/office/drawing/2014/main" id="{443B26A2-75AB-A24A-BEE0-7330D1B3D3A0}"/>
-              </a:ext>
-            </a:extLst>
-          </p:cNvPr>
-          <p:cNvSpPr/>
-          <p:nvPr/>
-        </p:nvSpPr>
-        <p:spPr>
-          <a:xfrm>
-            <a:off x="4721207" y="3640305"/>
-            <a:ext cx="1219212" cy="284227"/>
-          </a:xfrm>
-          <a:prstGeom prst="rect">
-            <a:avLst/>
-          </a:prstGeom>
-        </p:spPr>
-        <p:style>
-          <a:lnRef idx="2">
-            <a:schemeClr val="accent1">
-              <a:shade val="50000"/>
-            </a:schemeClr>
-          </a:lnRef>
-          <a:fillRef idx="1">
-            <a:schemeClr val="accent1"/>
-          </a:fillRef>
-          <a:effectRef idx="0">
-            <a:schemeClr val="accent1"/>
-          </a:effectRef>
-          <a:fontRef idx="minor">
-            <a:schemeClr val="lt1"/>
-          </a:fontRef>
-        </p:style>
-        <p:txBody>
-          <a:bodyPr rtlCol="0" anchor="ctr"/>
-          <a:lstStyle/>
-          <a:p>
-            <a:pPr algn="ctr"/>
-            <a:r>
-              <a:rPr lang="en-US" dirty="0"/>
-              <a:t>language</a:t>
             </a:r>
           </a:p>
         </p:txBody>
@@ -4122,13 +3965,14 @@
         </p:nvCxnSpPr>
         <p:spPr>
           <a:xfrm>
-            <a:off x="5940419" y="3782419"/>
-            <a:ext cx="2802469" cy="388843"/>
+            <a:off x="6322157" y="3774894"/>
+            <a:ext cx="1408795" cy="395054"/>
           </a:xfrm>
           <a:prstGeom prst="straightConnector1">
             <a:avLst/>
           </a:prstGeom>
           <a:ln w="25400">
+            <a:prstDash val="dash"/>
             <a:tailEnd type="triangle" w="lg" len="lg"/>
           </a:ln>
         </p:spPr>
@@ -4212,7 +4056,7 @@
         </p:nvCxnSpPr>
         <p:spPr>
           <a:xfrm flipV="1">
-            <a:off x="4467223" y="3231490"/>
+            <a:off x="4133112" y="3231490"/>
             <a:ext cx="0" cy="843092"/>
           </a:xfrm>
           <a:prstGeom prst="straightConnector1">
@@ -4238,121 +4082,22 @@
           </a:fontRef>
         </p:style>
       </p:cxnSp>
-      <p:cxnSp>
-        <p:nvCxnSpPr>
-          <p:cNvPr id="26" name="Straight Arrow Connector 25">
-            <a:extLst>
-              <a:ext uri="{FF2B5EF4-FFF2-40B4-BE49-F238E27FC236}">
-                <a16:creationId xmlns:a16="http://schemas.microsoft.com/office/drawing/2014/main" id="{A30D82D1-C022-2241-B701-E4515652B67B}"/>
-              </a:ext>
-            </a:extLst>
-          </p:cNvPr>
-          <p:cNvCxnSpPr>
-            <a:cxnSpLocks/>
-            <a:stCxn id="7" idx="2"/>
-            <a:endCxn id="30" idx="1"/>
-          </p:cNvCxnSpPr>
+      <p:sp>
+        <p:nvSpPr>
+          <p:cNvPr id="34" name="Rectangle 33">
+            <a:extLst>
+              <a:ext uri="{FF2B5EF4-FFF2-40B4-BE49-F238E27FC236}">
+                <a16:creationId xmlns:a16="http://schemas.microsoft.com/office/drawing/2014/main" id="{A3FA0002-D66E-4A4C-8586-F6C0016EAC1B}"/>
+              </a:ext>
+            </a:extLst>
+          </p:cNvPr>
+          <p:cNvSpPr/>
           <p:nvPr/>
-        </p:nvCxnSpPr>
+        </p:nvSpPr>
         <p:spPr>
           <a:xfrm>
-            <a:off x="9396938" y="4347426"/>
-            <a:ext cx="375707" cy="610548"/>
-          </a:xfrm>
-          <a:prstGeom prst="straightConnector1">
-            <a:avLst/>
-          </a:prstGeom>
-          <a:ln w="25400">
-            <a:tailEnd type="triangle" w="lg" len="lg"/>
-          </a:ln>
-        </p:spPr>
-        <p:style>
-          <a:lnRef idx="1">
-            <a:schemeClr val="accent1"/>
-          </a:lnRef>
-          <a:fillRef idx="0">
-            <a:schemeClr val="accent1"/>
-          </a:fillRef>
-          <a:effectRef idx="0">
-            <a:schemeClr val="accent1"/>
-          </a:effectRef>
-          <a:fontRef idx="minor">
-            <a:schemeClr val="tx1"/>
-          </a:fontRef>
-        </p:style>
-      </p:cxnSp>
-      <p:sp>
-        <p:nvSpPr>
-          <p:cNvPr id="30" name="Rectangle 29">
-            <a:extLst>
-              <a:ext uri="{FF2B5EF4-FFF2-40B4-BE49-F238E27FC236}">
-                <a16:creationId xmlns:a16="http://schemas.microsoft.com/office/drawing/2014/main" id="{AE9B598D-C57F-C840-B88A-5C685F4896FB}"/>
-              </a:ext>
-            </a:extLst>
-          </p:cNvPr>
-          <p:cNvSpPr/>
-          <p:nvPr/>
-        </p:nvSpPr>
-        <p:spPr>
-          <a:xfrm>
-            <a:off x="9772645" y="4605842"/>
-            <a:ext cx="1308100" cy="704263"/>
-          </a:xfrm>
-          <a:prstGeom prst="rect">
-            <a:avLst/>
-          </a:prstGeom>
-        </p:spPr>
-        <p:style>
-          <a:lnRef idx="2">
-            <a:schemeClr val="accent1">
-              <a:shade val="50000"/>
-            </a:schemeClr>
-          </a:lnRef>
-          <a:fillRef idx="1">
-            <a:schemeClr val="accent1"/>
-          </a:fillRef>
-          <a:effectRef idx="0">
-            <a:schemeClr val="accent1"/>
-          </a:effectRef>
-          <a:fontRef idx="minor">
-            <a:schemeClr val="lt1"/>
-          </a:fontRef>
-        </p:style>
-        <p:txBody>
-          <a:bodyPr rtlCol="0" anchor="ctr"/>
-          <a:lstStyle/>
-          <a:p>
-            <a:pPr algn="ctr"/>
-            <a:r>
-              <a:rPr lang="en-US" dirty="0"/>
-              <a:t>datetime</a:t>
-            </a:r>
-            <a:br>
-              <a:rPr lang="en-US" dirty="0"/>
-            </a:br>
-            <a:r>
-              <a:rPr lang="en-US" dirty="0"/>
-              <a:t>format</a:t>
-            </a:r>
-          </a:p>
-        </p:txBody>
-      </p:sp>
-      <p:sp>
-        <p:nvSpPr>
-          <p:cNvPr id="34" name="Rectangle 33">
-            <a:extLst>
-              <a:ext uri="{FF2B5EF4-FFF2-40B4-BE49-F238E27FC236}">
-                <a16:creationId xmlns:a16="http://schemas.microsoft.com/office/drawing/2014/main" id="{A3FA0002-D66E-4A4C-8586-F6C0016EAC1B}"/>
-              </a:ext>
-            </a:extLst>
-          </p:cNvPr>
-          <p:cNvSpPr/>
-          <p:nvPr/>
-        </p:nvSpPr>
-        <p:spPr>
-          <a:xfrm>
-            <a:off x="9101661" y="5665064"/>
-            <a:ext cx="2650067" cy="489152"/>
+            <a:off x="8019385" y="5605318"/>
+            <a:ext cx="2650067" cy="408217"/>
           </a:xfrm>
           <a:prstGeom prst="rect">
             <a:avLst/>
@@ -4397,10 +4142,350 @@
       </p:sp>
       <p:sp>
         <p:nvSpPr>
-          <p:cNvPr id="45" name="Rectangle 44">
-            <a:extLst>
-              <a:ext uri="{FF2B5EF4-FFF2-40B4-BE49-F238E27FC236}">
-                <a16:creationId xmlns:a16="http://schemas.microsoft.com/office/drawing/2014/main" id="{14E1F1D1-9DBF-1046-85CB-B4FB21FE05CC}"/>
+          <p:cNvPr id="46" name="TextBox 45">
+            <a:extLst>
+              <a:ext uri="{FF2B5EF4-FFF2-40B4-BE49-F238E27FC236}">
+                <a16:creationId xmlns:a16="http://schemas.microsoft.com/office/drawing/2014/main" id="{262B0AD1-79DF-E34C-B0D7-25A93904F394}"/>
+              </a:ext>
+            </a:extLst>
+          </p:cNvPr>
+          <p:cNvSpPr txBox="1"/>
+          <p:nvPr/>
+        </p:nvSpPr>
+        <p:spPr>
+          <a:xfrm>
+            <a:off x="1055073" y="4294671"/>
+            <a:ext cx="583814" cy="369332"/>
+          </a:xfrm>
+          <a:prstGeom prst="rect">
+            <a:avLst/>
+          </a:prstGeom>
+          <a:noFill/>
+        </p:spPr>
+        <p:txBody>
+          <a:bodyPr wrap="none" rtlCol="0">
+            <a:spAutoFit/>
+          </a:bodyPr>
+          <a:lstStyle/>
+          <a:p>
+            <a:r>
+              <a:rPr lang="en-US" dirty="0"/>
+              <a:t>VPN</a:t>
+            </a:r>
+          </a:p>
+        </p:txBody>
+      </p:sp>
+      <p:cxnSp>
+        <p:nvCxnSpPr>
+          <p:cNvPr id="57" name="Straight Arrow Connector 56">
+            <a:extLst>
+              <a:ext uri="{FF2B5EF4-FFF2-40B4-BE49-F238E27FC236}">
+                <a16:creationId xmlns:a16="http://schemas.microsoft.com/office/drawing/2014/main" id="{26A6765F-1001-F44B-BB35-F8BAB1828A0B}"/>
+              </a:ext>
+            </a:extLst>
+          </p:cNvPr>
+          <p:cNvCxnSpPr>
+            <a:cxnSpLocks/>
+          </p:cNvCxnSpPr>
+          <p:nvPr/>
+        </p:nvCxnSpPr>
+        <p:spPr>
+          <a:xfrm>
+            <a:off x="9137155" y="4953189"/>
+            <a:ext cx="2093382" cy="0"/>
+          </a:xfrm>
+          <a:prstGeom prst="straightConnector1">
+            <a:avLst/>
+          </a:prstGeom>
+          <a:ln w="25400">
+            <a:tailEnd type="triangle" w="lg" len="lg"/>
+          </a:ln>
+        </p:spPr>
+        <p:style>
+          <a:lnRef idx="1">
+            <a:schemeClr val="accent1"/>
+          </a:lnRef>
+          <a:fillRef idx="0">
+            <a:schemeClr val="accent1"/>
+          </a:fillRef>
+          <a:effectRef idx="0">
+            <a:schemeClr val="accent1"/>
+          </a:effectRef>
+          <a:fontRef idx="minor">
+            <a:schemeClr val="tx1"/>
+          </a:fontRef>
+        </p:style>
+      </p:cxnSp>
+      <p:cxnSp>
+        <p:nvCxnSpPr>
+          <p:cNvPr id="65" name="Straight Arrow Connector 64">
+            <a:extLst>
+              <a:ext uri="{FF2B5EF4-FFF2-40B4-BE49-F238E27FC236}">
+                <a16:creationId xmlns:a16="http://schemas.microsoft.com/office/drawing/2014/main" id="{2D02281D-5555-D649-A904-3FAABCC0D1D6}"/>
+              </a:ext>
+            </a:extLst>
+          </p:cNvPr>
+          <p:cNvCxnSpPr>
+            <a:cxnSpLocks/>
+            <a:stCxn id="34" idx="2"/>
+            <a:endCxn id="30" idx="2"/>
+          </p:cNvCxnSpPr>
+          <p:nvPr/>
+        </p:nvCxnSpPr>
+        <p:spPr>
+          <a:xfrm flipH="1" flipV="1">
+            <a:off x="9321632" y="5310105"/>
+            <a:ext cx="22787" cy="703430"/>
+          </a:xfrm>
+          <a:prstGeom prst="straightConnector1">
+            <a:avLst/>
+          </a:prstGeom>
+          <a:ln w="25400">
+            <a:solidFill>
+              <a:schemeClr val="accent1">
+                <a:lumMod val="40000"/>
+                <a:lumOff val="60000"/>
+              </a:schemeClr>
+            </a:solidFill>
+            <a:tailEnd type="triangle" w="lg" len="lg"/>
+          </a:ln>
+        </p:spPr>
+        <p:style>
+          <a:lnRef idx="1">
+            <a:schemeClr val="accent1"/>
+          </a:lnRef>
+          <a:fillRef idx="0">
+            <a:schemeClr val="accent1"/>
+          </a:fillRef>
+          <a:effectRef idx="0">
+            <a:schemeClr val="accent1"/>
+          </a:effectRef>
+          <a:fontRef idx="minor">
+            <a:schemeClr val="tx1"/>
+          </a:fontRef>
+        </p:style>
+      </p:cxnSp>
+      <p:cxnSp>
+        <p:nvCxnSpPr>
+          <p:cNvPr id="96" name="Straight Arrow Connector 95">
+            <a:extLst>
+              <a:ext uri="{FF2B5EF4-FFF2-40B4-BE49-F238E27FC236}">
+                <a16:creationId xmlns:a16="http://schemas.microsoft.com/office/drawing/2014/main" id="{9BFA802C-641D-894F-AAF8-F9DC4C43A638}"/>
+              </a:ext>
+            </a:extLst>
+          </p:cNvPr>
+          <p:cNvCxnSpPr>
+            <a:cxnSpLocks/>
+            <a:stCxn id="4" idx="3"/>
+            <a:endCxn id="105" idx="1"/>
+          </p:cNvCxnSpPr>
+          <p:nvPr/>
+        </p:nvCxnSpPr>
+        <p:spPr>
+          <a:xfrm>
+            <a:off x="2429848" y="4180007"/>
+            <a:ext cx="669388" cy="470274"/>
+          </a:xfrm>
+          <a:prstGeom prst="straightConnector1">
+            <a:avLst/>
+          </a:prstGeom>
+          <a:ln w="25400">
+            <a:tailEnd type="triangle" w="lg" len="lg"/>
+          </a:ln>
+        </p:spPr>
+        <p:style>
+          <a:lnRef idx="1">
+            <a:schemeClr val="accent1"/>
+          </a:lnRef>
+          <a:fillRef idx="0">
+            <a:schemeClr val="accent1"/>
+          </a:fillRef>
+          <a:effectRef idx="0">
+            <a:schemeClr val="accent1"/>
+          </a:effectRef>
+          <a:fontRef idx="minor">
+            <a:schemeClr val="tx1"/>
+          </a:fontRef>
+        </p:style>
+      </p:cxnSp>
+      <p:cxnSp>
+        <p:nvCxnSpPr>
+          <p:cNvPr id="108" name="Straight Arrow Connector 107">
+            <a:extLst>
+              <a:ext uri="{FF2B5EF4-FFF2-40B4-BE49-F238E27FC236}">
+                <a16:creationId xmlns:a16="http://schemas.microsoft.com/office/drawing/2014/main" id="{991B0B08-FA38-AD4E-9C78-F8A25E590150}"/>
+              </a:ext>
+            </a:extLst>
+          </p:cNvPr>
+          <p:cNvCxnSpPr>
+            <a:cxnSpLocks/>
+            <a:stCxn id="4" idx="3"/>
+            <a:endCxn id="104" idx="1"/>
+          </p:cNvCxnSpPr>
+          <p:nvPr/>
+        </p:nvCxnSpPr>
+        <p:spPr>
+          <a:xfrm>
+            <a:off x="2429848" y="4180007"/>
+            <a:ext cx="669388" cy="911996"/>
+          </a:xfrm>
+          <a:prstGeom prst="straightConnector1">
+            <a:avLst/>
+          </a:prstGeom>
+          <a:ln w="25400">
+            <a:tailEnd type="triangle" w="lg" len="lg"/>
+          </a:ln>
+        </p:spPr>
+        <p:style>
+          <a:lnRef idx="1">
+            <a:schemeClr val="accent1"/>
+          </a:lnRef>
+          <a:fillRef idx="0">
+            <a:schemeClr val="accent1"/>
+          </a:fillRef>
+          <a:effectRef idx="0">
+            <a:schemeClr val="accent1"/>
+          </a:effectRef>
+          <a:fontRef idx="minor">
+            <a:schemeClr val="tx1"/>
+          </a:fontRef>
+        </p:style>
+      </p:cxnSp>
+      <p:cxnSp>
+        <p:nvCxnSpPr>
+          <p:cNvPr id="109" name="Straight Arrow Connector 108">
+            <a:extLst>
+              <a:ext uri="{FF2B5EF4-FFF2-40B4-BE49-F238E27FC236}">
+                <a16:creationId xmlns:a16="http://schemas.microsoft.com/office/drawing/2014/main" id="{E00AD25B-B576-1F4F-A541-437DE133800F}"/>
+              </a:ext>
+            </a:extLst>
+          </p:cNvPr>
+          <p:cNvCxnSpPr>
+            <a:cxnSpLocks/>
+            <a:stCxn id="4" idx="3"/>
+            <a:endCxn id="106" idx="1"/>
+          </p:cNvCxnSpPr>
+          <p:nvPr/>
+        </p:nvCxnSpPr>
+        <p:spPr>
+          <a:xfrm>
+            <a:off x="2429848" y="4180007"/>
+            <a:ext cx="669388" cy="1353718"/>
+          </a:xfrm>
+          <a:prstGeom prst="straightConnector1">
+            <a:avLst/>
+          </a:prstGeom>
+          <a:ln w="25400">
+            <a:tailEnd type="triangle" w="lg" len="lg"/>
+          </a:ln>
+        </p:spPr>
+        <p:style>
+          <a:lnRef idx="1">
+            <a:schemeClr val="accent1"/>
+          </a:lnRef>
+          <a:fillRef idx="0">
+            <a:schemeClr val="accent1"/>
+          </a:fillRef>
+          <a:effectRef idx="0">
+            <a:schemeClr val="accent1"/>
+          </a:effectRef>
+          <a:fontRef idx="minor">
+            <a:schemeClr val="tx1"/>
+          </a:fontRef>
+        </p:style>
+      </p:cxnSp>
+      <p:cxnSp>
+        <p:nvCxnSpPr>
+          <p:cNvPr id="123" name="Straight Arrow Connector 122">
+            <a:extLst>
+              <a:ext uri="{FF2B5EF4-FFF2-40B4-BE49-F238E27FC236}">
+                <a16:creationId xmlns:a16="http://schemas.microsoft.com/office/drawing/2014/main" id="{DAD82484-FC46-6643-9DCE-808E52F7FA3E}"/>
+              </a:ext>
+            </a:extLst>
+          </p:cNvPr>
+          <p:cNvCxnSpPr>
+            <a:cxnSpLocks/>
+            <a:stCxn id="21" idx="4"/>
+            <a:endCxn id="122" idx="1"/>
+          </p:cNvCxnSpPr>
+          <p:nvPr/>
+        </p:nvCxnSpPr>
+        <p:spPr>
+          <a:xfrm>
+            <a:off x="5771087" y="2989925"/>
+            <a:ext cx="418142" cy="250884"/>
+          </a:xfrm>
+          <a:prstGeom prst="straightConnector1">
+            <a:avLst/>
+          </a:prstGeom>
+          <a:ln w="25400">
+            <a:tailEnd type="triangle" w="lg" len="lg"/>
+          </a:ln>
+        </p:spPr>
+        <p:style>
+          <a:lnRef idx="1">
+            <a:schemeClr val="accent1"/>
+          </a:lnRef>
+          <a:fillRef idx="0">
+            <a:schemeClr val="accent1"/>
+          </a:fillRef>
+          <a:effectRef idx="0">
+            <a:schemeClr val="accent1"/>
+          </a:effectRef>
+          <a:fontRef idx="minor">
+            <a:schemeClr val="tx1"/>
+          </a:fontRef>
+        </p:style>
+      </p:cxnSp>
+      <p:cxnSp>
+        <p:nvCxnSpPr>
+          <p:cNvPr id="131" name="Straight Arrow Connector 130">
+            <a:extLst>
+              <a:ext uri="{FF2B5EF4-FFF2-40B4-BE49-F238E27FC236}">
+                <a16:creationId xmlns:a16="http://schemas.microsoft.com/office/drawing/2014/main" id="{57E2FE0B-CCD0-594C-9781-EC326472A21D}"/>
+              </a:ext>
+            </a:extLst>
+          </p:cNvPr>
+          <p:cNvCxnSpPr>
+            <a:cxnSpLocks/>
+            <a:stCxn id="21" idx="4"/>
+            <a:endCxn id="130" idx="1"/>
+          </p:cNvCxnSpPr>
+          <p:nvPr/>
+        </p:nvCxnSpPr>
+        <p:spPr>
+          <a:xfrm flipV="1">
+            <a:off x="5771087" y="2869168"/>
+            <a:ext cx="433687" cy="120757"/>
+          </a:xfrm>
+          <a:prstGeom prst="straightConnector1">
+            <a:avLst/>
+          </a:prstGeom>
+          <a:ln w="25400">
+            <a:tailEnd type="triangle" w="lg" len="lg"/>
+          </a:ln>
+        </p:spPr>
+        <p:style>
+          <a:lnRef idx="1">
+            <a:schemeClr val="accent1"/>
+          </a:lnRef>
+          <a:fillRef idx="0">
+            <a:schemeClr val="accent1"/>
+          </a:fillRef>
+          <a:effectRef idx="0">
+            <a:schemeClr val="accent1"/>
+          </a:effectRef>
+          <a:fontRef idx="minor">
+            <a:schemeClr val="tx1"/>
+          </a:fontRef>
+        </p:style>
+      </p:cxnSp>
+      <p:sp>
+        <p:nvSpPr>
+          <p:cNvPr id="146" name="Rectangle 145">
+            <a:extLst>
+              <a:ext uri="{FF2B5EF4-FFF2-40B4-BE49-F238E27FC236}">
+                <a16:creationId xmlns:a16="http://schemas.microsoft.com/office/drawing/2014/main" id="{4EA8F425-8347-8243-8D03-B266B67C9A25}"/>
               </a:ext>
             </a:extLst>
           </p:cNvPr>
@@ -4409,8 +4494,631 @@
         </p:nvSpPr>
         <p:spPr>
           <a:xfrm>
-            <a:off x="1393293" y="4962819"/>
-            <a:ext cx="1855259" cy="500552"/>
+            <a:off x="6612753" y="4463169"/>
+            <a:ext cx="643536" cy="353440"/>
+          </a:xfrm>
+          <a:prstGeom prst="rect">
+            <a:avLst/>
+          </a:prstGeom>
+          <a:solidFill>
+            <a:schemeClr val="tx1"/>
+          </a:solidFill>
+          <a:ln>
+            <a:noFill/>
+          </a:ln>
+        </p:spPr>
+        <p:style>
+          <a:lnRef idx="2">
+            <a:schemeClr val="accent1">
+              <a:shade val="50000"/>
+            </a:schemeClr>
+          </a:lnRef>
+          <a:fillRef idx="1">
+            <a:schemeClr val="accent1"/>
+          </a:fillRef>
+          <a:effectRef idx="0">
+            <a:schemeClr val="accent1"/>
+          </a:effectRef>
+          <a:fontRef idx="minor">
+            <a:schemeClr val="lt1"/>
+          </a:fontRef>
+        </p:style>
+        <p:txBody>
+          <a:bodyPr rtlCol="0" anchor="ctr"/>
+          <a:lstStyle/>
+          <a:p>
+            <a:pPr algn="ctr"/>
+            <a:r>
+              <a:rPr lang="en-US" dirty="0"/>
+              <a:t>OS</a:t>
+            </a:r>
+          </a:p>
+        </p:txBody>
+      </p:sp>
+      <p:sp>
+        <p:nvSpPr>
+          <p:cNvPr id="152" name="Rounded Rectangle 151">
+            <a:extLst>
+              <a:ext uri="{FF2B5EF4-FFF2-40B4-BE49-F238E27FC236}">
+                <a16:creationId xmlns:a16="http://schemas.microsoft.com/office/drawing/2014/main" id="{605E6FCD-2DFB-264B-B9C9-12F86AA25BCF}"/>
+              </a:ext>
+            </a:extLst>
+          </p:cNvPr>
+          <p:cNvSpPr/>
+          <p:nvPr/>
+        </p:nvSpPr>
+        <p:spPr>
+          <a:xfrm>
+            <a:off x="3322355" y="2153532"/>
+            <a:ext cx="1645722" cy="328078"/>
+          </a:xfrm>
+          <a:prstGeom prst="roundRect">
+            <a:avLst/>
+          </a:prstGeom>
+        </p:spPr>
+        <p:style>
+          <a:lnRef idx="2">
+            <a:schemeClr val="accent1">
+              <a:shade val="50000"/>
+            </a:schemeClr>
+          </a:lnRef>
+          <a:fillRef idx="1">
+            <a:schemeClr val="accent1"/>
+          </a:fillRef>
+          <a:effectRef idx="0">
+            <a:schemeClr val="accent1"/>
+          </a:effectRef>
+          <a:fontRef idx="minor">
+            <a:schemeClr val="lt1"/>
+          </a:fontRef>
+        </p:style>
+        <p:txBody>
+          <a:bodyPr rtlCol="0" anchor="ctr"/>
+          <a:lstStyle/>
+          <a:p>
+            <a:pPr algn="ctr"/>
+            <a:r>
+              <a:rPr lang="en-US" dirty="0"/>
+              <a:t>country csv file</a:t>
+            </a:r>
+          </a:p>
+        </p:txBody>
+      </p:sp>
+      <p:cxnSp>
+        <p:nvCxnSpPr>
+          <p:cNvPr id="153" name="Straight Arrow Connector 152">
+            <a:extLst>
+              <a:ext uri="{FF2B5EF4-FFF2-40B4-BE49-F238E27FC236}">
+                <a16:creationId xmlns:a16="http://schemas.microsoft.com/office/drawing/2014/main" id="{D2278E2B-B3CE-844F-92D0-FDD4648083A6}"/>
+              </a:ext>
+            </a:extLst>
+          </p:cNvPr>
+          <p:cNvCxnSpPr>
+            <a:cxnSpLocks/>
+          </p:cNvCxnSpPr>
+          <p:nvPr/>
+        </p:nvCxnSpPr>
+        <p:spPr>
+          <a:xfrm>
+            <a:off x="4179968" y="2461729"/>
+            <a:ext cx="0" cy="292907"/>
+          </a:xfrm>
+          <a:prstGeom prst="straightConnector1">
+            <a:avLst/>
+          </a:prstGeom>
+          <a:ln w="25400">
+            <a:tailEnd type="triangle" w="lg" len="lg"/>
+          </a:ln>
+        </p:spPr>
+        <p:style>
+          <a:lnRef idx="1">
+            <a:schemeClr val="accent1"/>
+          </a:lnRef>
+          <a:fillRef idx="0">
+            <a:schemeClr val="accent1"/>
+          </a:fillRef>
+          <a:effectRef idx="0">
+            <a:schemeClr val="accent1"/>
+          </a:effectRef>
+          <a:fontRef idx="minor">
+            <a:schemeClr val="tx1"/>
+          </a:fontRef>
+        </p:style>
+      </p:cxnSp>
+      <p:sp>
+        <p:nvSpPr>
+          <p:cNvPr id="9" name="Oval 8">
+            <a:extLst>
+              <a:ext uri="{FF2B5EF4-FFF2-40B4-BE49-F238E27FC236}">
+                <a16:creationId xmlns:a16="http://schemas.microsoft.com/office/drawing/2014/main" id="{7E799F1C-A085-6943-B4B2-D0B10377E025}"/>
+              </a:ext>
+            </a:extLst>
+          </p:cNvPr>
+          <p:cNvSpPr/>
+          <p:nvPr/>
+        </p:nvSpPr>
+        <p:spPr>
+          <a:xfrm>
+            <a:off x="6444819" y="4313376"/>
+            <a:ext cx="289562" cy="333070"/>
+          </a:xfrm>
+          <a:prstGeom prst="ellipse">
+            <a:avLst/>
+          </a:prstGeom>
+          <a:ln>
+            <a:noFill/>
+          </a:ln>
+        </p:spPr>
+        <p:style>
+          <a:lnRef idx="2">
+            <a:schemeClr val="accent1">
+              <a:shade val="50000"/>
+            </a:schemeClr>
+          </a:lnRef>
+          <a:fillRef idx="1">
+            <a:schemeClr val="accent1"/>
+          </a:fillRef>
+          <a:effectRef idx="0">
+            <a:schemeClr val="accent1"/>
+          </a:effectRef>
+          <a:fontRef idx="minor">
+            <a:schemeClr val="lt1"/>
+          </a:fontRef>
+        </p:style>
+        <p:txBody>
+          <a:bodyPr rtlCol="0" anchor="ctr"/>
+          <a:lstStyle/>
+          <a:p>
+            <a:pPr algn="ctr"/>
+            <a:r>
+              <a:rPr lang="en-US" dirty="0"/>
+              <a:t>1</a:t>
+            </a:r>
+          </a:p>
+        </p:txBody>
+      </p:sp>
+      <p:sp>
+        <p:nvSpPr>
+          <p:cNvPr id="51" name="Magnetic Disk 50">
+            <a:extLst>
+              <a:ext uri="{FF2B5EF4-FFF2-40B4-BE49-F238E27FC236}">
+                <a16:creationId xmlns:a16="http://schemas.microsoft.com/office/drawing/2014/main" id="{BECF487F-7798-3840-95AB-305808D0807C}"/>
+              </a:ext>
+            </a:extLst>
+          </p:cNvPr>
+          <p:cNvSpPr/>
+          <p:nvPr/>
+        </p:nvSpPr>
+        <p:spPr>
+          <a:xfrm>
+            <a:off x="5833217" y="5002376"/>
+            <a:ext cx="1889117" cy="558800"/>
+          </a:xfrm>
+          <a:prstGeom prst="flowChartMagneticDisk">
+            <a:avLst/>
+          </a:prstGeom>
+        </p:spPr>
+        <p:style>
+          <a:lnRef idx="2">
+            <a:schemeClr val="accent1">
+              <a:shade val="50000"/>
+            </a:schemeClr>
+          </a:lnRef>
+          <a:fillRef idx="1">
+            <a:schemeClr val="accent1"/>
+          </a:fillRef>
+          <a:effectRef idx="0">
+            <a:schemeClr val="accent1"/>
+          </a:effectRef>
+          <a:fontRef idx="minor">
+            <a:schemeClr val="lt1"/>
+          </a:fontRef>
+        </p:style>
+        <p:txBody>
+          <a:bodyPr rtlCol="0" anchor="ctr"/>
+          <a:lstStyle/>
+          <a:p>
+            <a:pPr algn="ctr"/>
+            <a:r>
+              <a:rPr lang="en-US" dirty="0"/>
+              <a:t>locale SQL DB</a:t>
+            </a:r>
+          </a:p>
+        </p:txBody>
+      </p:sp>
+      <p:sp>
+        <p:nvSpPr>
+          <p:cNvPr id="52" name="Rounded Rectangle 51">
+            <a:extLst>
+              <a:ext uri="{FF2B5EF4-FFF2-40B4-BE49-F238E27FC236}">
+                <a16:creationId xmlns:a16="http://schemas.microsoft.com/office/drawing/2014/main" id="{857D8E87-9649-BC40-9C4E-5DDECF09992D}"/>
+              </a:ext>
+            </a:extLst>
+          </p:cNvPr>
+          <p:cNvSpPr/>
+          <p:nvPr/>
+        </p:nvSpPr>
+        <p:spPr>
+          <a:xfrm>
+            <a:off x="5110843" y="5773559"/>
+            <a:ext cx="2443857" cy="328078"/>
+          </a:xfrm>
+          <a:prstGeom prst="roundRect">
+            <a:avLst/>
+          </a:prstGeom>
+          <a:ln>
+            <a:noFill/>
+          </a:ln>
+        </p:spPr>
+        <p:style>
+          <a:lnRef idx="2">
+            <a:schemeClr val="accent1">
+              <a:shade val="50000"/>
+            </a:schemeClr>
+          </a:lnRef>
+          <a:fillRef idx="1">
+            <a:schemeClr val="accent1"/>
+          </a:fillRef>
+          <a:effectRef idx="0">
+            <a:schemeClr val="accent1"/>
+          </a:effectRef>
+          <a:fontRef idx="minor">
+            <a:schemeClr val="lt1"/>
+          </a:fontRef>
+        </p:style>
+        <p:txBody>
+          <a:bodyPr rtlCol="0" anchor="ctr"/>
+          <a:lstStyle/>
+          <a:p>
+            <a:pPr algn="ctr"/>
+            <a:r>
+              <a:rPr lang="en-US" dirty="0"/>
+              <a:t>locale-datetime csv file</a:t>
+            </a:r>
+          </a:p>
+        </p:txBody>
+      </p:sp>
+      <p:cxnSp>
+        <p:nvCxnSpPr>
+          <p:cNvPr id="56" name="Straight Arrow Connector 55">
+            <a:extLst>
+              <a:ext uri="{FF2B5EF4-FFF2-40B4-BE49-F238E27FC236}">
+                <a16:creationId xmlns:a16="http://schemas.microsoft.com/office/drawing/2014/main" id="{A862F193-942C-AD40-AF51-591CB3A904AE}"/>
+              </a:ext>
+            </a:extLst>
+          </p:cNvPr>
+          <p:cNvCxnSpPr>
+            <a:cxnSpLocks/>
+            <a:endCxn id="51" idx="3"/>
+          </p:cNvCxnSpPr>
+          <p:nvPr/>
+        </p:nvCxnSpPr>
+        <p:spPr>
+          <a:xfrm flipV="1">
+            <a:off x="6777776" y="5561176"/>
+            <a:ext cx="0" cy="279010"/>
+          </a:xfrm>
+          <a:prstGeom prst="straightConnector1">
+            <a:avLst/>
+          </a:prstGeom>
+          <a:ln w="25400">
+            <a:tailEnd type="triangle" w="lg" len="lg"/>
+          </a:ln>
+        </p:spPr>
+        <p:style>
+          <a:lnRef idx="1">
+            <a:schemeClr val="accent1"/>
+          </a:lnRef>
+          <a:fillRef idx="0">
+            <a:schemeClr val="accent1"/>
+          </a:fillRef>
+          <a:effectRef idx="0">
+            <a:schemeClr val="accent1"/>
+          </a:effectRef>
+          <a:fontRef idx="minor">
+            <a:schemeClr val="tx1"/>
+          </a:fontRef>
+        </p:style>
+      </p:cxnSp>
+      <p:sp>
+        <p:nvSpPr>
+          <p:cNvPr id="59" name="Oval 58">
+            <a:extLst>
+              <a:ext uri="{FF2B5EF4-FFF2-40B4-BE49-F238E27FC236}">
+                <a16:creationId xmlns:a16="http://schemas.microsoft.com/office/drawing/2014/main" id="{70A2D158-4207-CD46-8DD4-3BB6668E6B51}"/>
+              </a:ext>
+            </a:extLst>
+          </p:cNvPr>
+          <p:cNvSpPr/>
+          <p:nvPr/>
+        </p:nvSpPr>
+        <p:spPr>
+          <a:xfrm>
+            <a:off x="6906170" y="5479348"/>
+            <a:ext cx="289562" cy="333070"/>
+          </a:xfrm>
+          <a:prstGeom prst="ellipse">
+            <a:avLst/>
+          </a:prstGeom>
+          <a:ln>
+            <a:noFill/>
+          </a:ln>
+        </p:spPr>
+        <p:style>
+          <a:lnRef idx="2">
+            <a:schemeClr val="accent1">
+              <a:shade val="50000"/>
+            </a:schemeClr>
+          </a:lnRef>
+          <a:fillRef idx="1">
+            <a:schemeClr val="accent1"/>
+          </a:fillRef>
+          <a:effectRef idx="0">
+            <a:schemeClr val="accent1"/>
+          </a:effectRef>
+          <a:fontRef idx="minor">
+            <a:schemeClr val="lt1"/>
+          </a:fontRef>
+        </p:style>
+        <p:txBody>
+          <a:bodyPr rtlCol="0" anchor="ctr"/>
+          <a:lstStyle/>
+          <a:p>
+            <a:pPr algn="ctr"/>
+            <a:r>
+              <a:rPr lang="en-US" dirty="0"/>
+              <a:t>3</a:t>
+            </a:r>
+          </a:p>
+        </p:txBody>
+      </p:sp>
+      <p:cxnSp>
+        <p:nvCxnSpPr>
+          <p:cNvPr id="66" name="Straight Arrow Connector 65">
+            <a:extLst>
+              <a:ext uri="{FF2B5EF4-FFF2-40B4-BE49-F238E27FC236}">
+                <a16:creationId xmlns:a16="http://schemas.microsoft.com/office/drawing/2014/main" id="{22E774DE-9DB2-5A4A-9521-1BA31840DD97}"/>
+              </a:ext>
+            </a:extLst>
+          </p:cNvPr>
+          <p:cNvCxnSpPr>
+            <a:cxnSpLocks/>
+            <a:stCxn id="7" idx="3"/>
+            <a:endCxn id="30" idx="0"/>
+          </p:cNvCxnSpPr>
+          <p:nvPr/>
+        </p:nvCxnSpPr>
+        <p:spPr>
+          <a:xfrm>
+            <a:off x="8868590" y="4169948"/>
+            <a:ext cx="453042" cy="435894"/>
+          </a:xfrm>
+          <a:prstGeom prst="straightConnector1">
+            <a:avLst/>
+          </a:prstGeom>
+          <a:ln w="25400">
+            <a:prstDash val="dash"/>
+            <a:tailEnd type="triangle" w="lg" len="lg"/>
+          </a:ln>
+        </p:spPr>
+        <p:style>
+          <a:lnRef idx="1">
+            <a:schemeClr val="accent1"/>
+          </a:lnRef>
+          <a:fillRef idx="0">
+            <a:schemeClr val="accent1"/>
+          </a:fillRef>
+          <a:effectRef idx="0">
+            <a:schemeClr val="accent1"/>
+          </a:effectRef>
+          <a:fontRef idx="minor">
+            <a:schemeClr val="tx1"/>
+          </a:fontRef>
+        </p:style>
+      </p:cxnSp>
+      <p:sp>
+        <p:nvSpPr>
+          <p:cNvPr id="28" name="TextBox 27">
+            <a:extLst>
+              <a:ext uri="{FF2B5EF4-FFF2-40B4-BE49-F238E27FC236}">
+                <a16:creationId xmlns:a16="http://schemas.microsoft.com/office/drawing/2014/main" id="{72722867-15DD-2842-B47D-B95ABC5962DC}"/>
+              </a:ext>
+            </a:extLst>
+          </p:cNvPr>
+          <p:cNvSpPr txBox="1"/>
+          <p:nvPr/>
+        </p:nvSpPr>
+        <p:spPr>
+          <a:xfrm>
+            <a:off x="9243717" y="4203229"/>
+            <a:ext cx="976549" cy="369332"/>
+          </a:xfrm>
+          <a:prstGeom prst="rect">
+            <a:avLst/>
+          </a:prstGeom>
+          <a:noFill/>
+        </p:spPr>
+        <p:txBody>
+          <a:bodyPr wrap="none" rtlCol="0">
+            <a:spAutoFit/>
+          </a:bodyPr>
+          <a:lstStyle/>
+          <a:p>
+            <a:r>
+              <a:rPr lang="en-US" dirty="0"/>
+              <a:t>"</a:t>
+            </a:r>
+            <a:r>
+              <a:rPr lang="en-US" dirty="0" err="1"/>
+              <a:t>en_US</a:t>
+            </a:r>
+            <a:r>
+              <a:rPr lang="en-US" dirty="0"/>
+              <a:t>"</a:t>
+            </a:r>
+          </a:p>
+        </p:txBody>
+      </p:sp>
+      <p:sp>
+        <p:nvSpPr>
+          <p:cNvPr id="29" name="Triangle 28">
+            <a:extLst>
+              <a:ext uri="{FF2B5EF4-FFF2-40B4-BE49-F238E27FC236}">
+                <a16:creationId xmlns:a16="http://schemas.microsoft.com/office/drawing/2014/main" id="{06584B49-4377-6D49-BBF1-07B9C60BABD6}"/>
+              </a:ext>
+            </a:extLst>
+          </p:cNvPr>
+          <p:cNvSpPr/>
+          <p:nvPr/>
+        </p:nvSpPr>
+        <p:spPr>
+          <a:xfrm rot="5400000">
+            <a:off x="11843266" y="6494660"/>
+            <a:ext cx="222696" cy="211016"/>
+          </a:xfrm>
+          <a:prstGeom prst="triangle">
+            <a:avLst/>
+          </a:prstGeom>
+          <a:ln>
+            <a:noFill/>
+          </a:ln>
+        </p:spPr>
+        <p:style>
+          <a:lnRef idx="2">
+            <a:schemeClr val="accent1">
+              <a:shade val="50000"/>
+            </a:schemeClr>
+          </a:lnRef>
+          <a:fillRef idx="1">
+            <a:schemeClr val="accent1"/>
+          </a:fillRef>
+          <a:effectRef idx="0">
+            <a:schemeClr val="accent1"/>
+          </a:effectRef>
+          <a:fontRef idx="minor">
+            <a:schemeClr val="lt1"/>
+          </a:fontRef>
+        </p:style>
+        <p:txBody>
+          <a:bodyPr rtlCol="0" anchor="ctr"/>
+          <a:lstStyle/>
+          <a:p>
+            <a:pPr algn="ctr"/>
+            <a:endParaRPr lang="en-US"/>
+          </a:p>
+        </p:txBody>
+      </p:sp>
+      <p:sp>
+        <p:nvSpPr>
+          <p:cNvPr id="73" name="Rounded Rectangle 72">
+            <a:extLst>
+              <a:ext uri="{FF2B5EF4-FFF2-40B4-BE49-F238E27FC236}">
+                <a16:creationId xmlns:a16="http://schemas.microsoft.com/office/drawing/2014/main" id="{1245D49F-DEB1-F54F-8419-9226F867DE28}"/>
+              </a:ext>
+            </a:extLst>
+          </p:cNvPr>
+          <p:cNvSpPr/>
+          <p:nvPr/>
+        </p:nvSpPr>
+        <p:spPr>
+          <a:xfrm>
+            <a:off x="2106393" y="3084674"/>
+            <a:ext cx="1373201" cy="363565"/>
+          </a:xfrm>
+          <a:prstGeom prst="roundRect">
+            <a:avLst/>
+          </a:prstGeom>
+          <a:ln>
+            <a:noFill/>
+          </a:ln>
+        </p:spPr>
+        <p:style>
+          <a:lnRef idx="2">
+            <a:schemeClr val="accent1">
+              <a:shade val="50000"/>
+            </a:schemeClr>
+          </a:lnRef>
+          <a:fillRef idx="1">
+            <a:schemeClr val="accent1"/>
+          </a:fillRef>
+          <a:effectRef idx="0">
+            <a:schemeClr val="accent1"/>
+          </a:effectRef>
+          <a:fontRef idx="minor">
+            <a:schemeClr val="lt1"/>
+          </a:fontRef>
+        </p:style>
+        <p:txBody>
+          <a:bodyPr rtlCol="0" anchor="ctr"/>
+          <a:lstStyle/>
+          <a:p>
+            <a:pPr algn="ctr"/>
+            <a:r>
+              <a:rPr lang="en-US" dirty="0"/>
+              <a:t>ISO 2-char.</a:t>
+            </a:r>
+          </a:p>
+        </p:txBody>
+      </p:sp>
+      <p:cxnSp>
+        <p:nvCxnSpPr>
+          <p:cNvPr id="77" name="Straight Arrow Connector 76">
+            <a:extLst>
+              <a:ext uri="{FF2B5EF4-FFF2-40B4-BE49-F238E27FC236}">
+                <a16:creationId xmlns:a16="http://schemas.microsoft.com/office/drawing/2014/main" id="{78B238B6-9429-1B41-8A31-A6AE8892D318}"/>
+              </a:ext>
+            </a:extLst>
+          </p:cNvPr>
+          <p:cNvCxnSpPr>
+            <a:cxnSpLocks/>
+            <a:stCxn id="99" idx="3"/>
+            <a:endCxn id="51" idx="2"/>
+          </p:cNvCxnSpPr>
+          <p:nvPr/>
+        </p:nvCxnSpPr>
+        <p:spPr>
+          <a:xfrm>
+            <a:off x="4744958" y="4173102"/>
+            <a:ext cx="1088259" cy="1108674"/>
+          </a:xfrm>
+          <a:prstGeom prst="straightConnector1">
+            <a:avLst/>
+          </a:prstGeom>
+          <a:ln w="25400">
+            <a:tailEnd type="triangle" w="lg" len="lg"/>
+          </a:ln>
+        </p:spPr>
+        <p:style>
+          <a:lnRef idx="1">
+            <a:schemeClr val="accent1"/>
+          </a:lnRef>
+          <a:fillRef idx="0">
+            <a:schemeClr val="accent1"/>
+          </a:fillRef>
+          <a:effectRef idx="0">
+            <a:schemeClr val="accent1"/>
+          </a:effectRef>
+          <a:fontRef idx="minor">
+            <a:schemeClr val="tx1"/>
+          </a:fontRef>
+        </p:style>
+      </p:cxnSp>
+      <p:sp>
+        <p:nvSpPr>
+          <p:cNvPr id="82" name="Rectangle 81">
+            <a:extLst>
+              <a:ext uri="{FF2B5EF4-FFF2-40B4-BE49-F238E27FC236}">
+                <a16:creationId xmlns:a16="http://schemas.microsoft.com/office/drawing/2014/main" id="{61787AAD-6470-EC4B-94B7-EB9905929222}"/>
+              </a:ext>
+            </a:extLst>
+          </p:cNvPr>
+          <p:cNvSpPr/>
+          <p:nvPr/>
+        </p:nvSpPr>
+        <p:spPr>
+          <a:xfrm>
+            <a:off x="8589289" y="3400617"/>
+            <a:ext cx="1437723" cy="343631"/>
           </a:xfrm>
           <a:prstGeom prst="rect">
             <a:avLst/>
@@ -4448,17 +5156,59 @@
             <a:pPr algn="ctr"/>
             <a:r>
               <a:rPr lang="en-US" dirty="0"/>
-              <a:t>MY_IP_ADDRESS</a:t>
-            </a:r>
-          </a:p>
-        </p:txBody>
-      </p:sp>
-      <p:sp>
-        <p:nvSpPr>
-          <p:cNvPr id="46" name="TextBox 45">
-            <a:extLst>
-              <a:ext uri="{FF2B5EF4-FFF2-40B4-BE49-F238E27FC236}">
-                <a16:creationId xmlns:a16="http://schemas.microsoft.com/office/drawing/2014/main" id="{262B0AD1-79DF-E34C-B0D7-25A93904F394}"/>
+              <a:t>MY_LOCALE</a:t>
+            </a:r>
+          </a:p>
+        </p:txBody>
+      </p:sp>
+      <p:cxnSp>
+        <p:nvCxnSpPr>
+          <p:cNvPr id="92" name="Straight Arrow Connector 91">
+            <a:extLst>
+              <a:ext uri="{FF2B5EF4-FFF2-40B4-BE49-F238E27FC236}">
+                <a16:creationId xmlns:a16="http://schemas.microsoft.com/office/drawing/2014/main" id="{1E53C4DA-07D3-4D44-A75E-F9EB11E721EB}"/>
+              </a:ext>
+            </a:extLst>
+          </p:cNvPr>
+          <p:cNvCxnSpPr>
+            <a:cxnSpLocks/>
+          </p:cNvCxnSpPr>
+          <p:nvPr/>
+        </p:nvCxnSpPr>
+        <p:spPr>
+          <a:xfrm flipV="1">
+            <a:off x="4744958" y="4169948"/>
+            <a:ext cx="2985994" cy="3154"/>
+          </a:xfrm>
+          <a:prstGeom prst="straightConnector1">
+            <a:avLst/>
+          </a:prstGeom>
+          <a:ln w="25400">
+            <a:prstDash val="dash"/>
+            <a:tailEnd type="triangle" w="lg" len="lg"/>
+          </a:ln>
+        </p:spPr>
+        <p:style>
+          <a:lnRef idx="1">
+            <a:schemeClr val="accent1"/>
+          </a:lnRef>
+          <a:fillRef idx="0">
+            <a:schemeClr val="accent1"/>
+          </a:fillRef>
+          <a:effectRef idx="0">
+            <a:schemeClr val="accent1"/>
+          </a:effectRef>
+          <a:fontRef idx="minor">
+            <a:schemeClr val="tx1"/>
+          </a:fontRef>
+        </p:style>
+      </p:cxnSp>
+      <p:sp>
+        <p:nvSpPr>
+          <p:cNvPr id="93" name="TextBox 92">
+            <a:extLst>
+              <a:ext uri="{FF2B5EF4-FFF2-40B4-BE49-F238E27FC236}">
+                <a16:creationId xmlns:a16="http://schemas.microsoft.com/office/drawing/2014/main" id="{E2542FA3-4C45-9E4D-8CB5-68D90FE600D1}"/>
               </a:ext>
             </a:extLst>
           </p:cNvPr>
@@ -4467,8 +5217,8 @@
         </p:nvSpPr>
         <p:spPr>
           <a:xfrm>
-            <a:off x="1600198" y="4347426"/>
-            <a:ext cx="583814" cy="369332"/>
+            <a:off x="9863534" y="5134765"/>
+            <a:ext cx="1423788" cy="369332"/>
           </a:xfrm>
           <a:prstGeom prst="rect">
             <a:avLst/>
@@ -4483,30 +5233,30 @@
           <a:p>
             <a:r>
               <a:rPr lang="en-US" dirty="0"/>
-              <a:t>VPN</a:t>
+              <a:t>"%Y %M %D"</a:t>
             </a:r>
           </a:p>
         </p:txBody>
       </p:sp>
       <p:cxnSp>
         <p:nvCxnSpPr>
-          <p:cNvPr id="47" name="Straight Arrow Connector 46">
-            <a:extLst>
-              <a:ext uri="{FF2B5EF4-FFF2-40B4-BE49-F238E27FC236}">
-                <a16:creationId xmlns:a16="http://schemas.microsoft.com/office/drawing/2014/main" id="{83D4BBD0-52E2-2849-91CE-AB237B0EC72B}"/>
+          <p:cNvPr id="94" name="Straight Arrow Connector 93">
+            <a:extLst>
+              <a:ext uri="{FF2B5EF4-FFF2-40B4-BE49-F238E27FC236}">
+                <a16:creationId xmlns:a16="http://schemas.microsoft.com/office/drawing/2014/main" id="{7C2B215D-F06B-314C-AFB4-80337E460911}"/>
               </a:ext>
             </a:extLst>
           </p:cNvPr>
           <p:cNvCxnSpPr>
             <a:cxnSpLocks/>
-            <a:stCxn id="45" idx="0"/>
+            <a:stCxn id="82" idx="2"/>
           </p:cNvCxnSpPr>
           <p:nvPr/>
         </p:nvCxnSpPr>
         <p:spPr>
-          <a:xfrm flipV="1">
-            <a:off x="2320923" y="4410478"/>
-            <a:ext cx="0" cy="552341"/>
+          <a:xfrm flipH="1">
+            <a:off x="8868590" y="3744248"/>
+            <a:ext cx="439561" cy="228173"/>
           </a:xfrm>
           <a:prstGeom prst="straightConnector1">
             <a:avLst/>
@@ -4536,257 +5286,26 @@
           </a:fontRef>
         </p:style>
       </p:cxnSp>
-      <p:cxnSp>
-        <p:nvCxnSpPr>
-          <p:cNvPr id="50" name="Straight Arrow Connector 49">
-            <a:extLst>
-              <a:ext uri="{FF2B5EF4-FFF2-40B4-BE49-F238E27FC236}">
-                <a16:creationId xmlns:a16="http://schemas.microsoft.com/office/drawing/2014/main" id="{DD4B6578-2671-424C-94FB-306D39570988}"/>
-              </a:ext>
-            </a:extLst>
-          </p:cNvPr>
-          <p:cNvCxnSpPr>
-            <a:cxnSpLocks/>
-            <a:stCxn id="4" idx="3"/>
-            <a:endCxn id="99" idx="1"/>
-          </p:cNvCxnSpPr>
+      <p:sp>
+        <p:nvSpPr>
+          <p:cNvPr id="49" name="Oval 48">
+            <a:extLst>
+              <a:ext uri="{FF2B5EF4-FFF2-40B4-BE49-F238E27FC236}">
+                <a16:creationId xmlns:a16="http://schemas.microsoft.com/office/drawing/2014/main" id="{89BF1DAD-4337-734D-872D-C37929DDA8B6}"/>
+              </a:ext>
+            </a:extLst>
+          </p:cNvPr>
+          <p:cNvSpPr/>
           <p:nvPr/>
-        </p:nvCxnSpPr>
+        </p:nvSpPr>
         <p:spPr>
-          <a:xfrm flipV="1">
-            <a:off x="2974973" y="4225857"/>
-            <a:ext cx="669388" cy="6905"/>
+          <a:xfrm>
+            <a:off x="9871862" y="3169359"/>
+            <a:ext cx="289562" cy="333070"/>
           </a:xfrm>
-          <a:prstGeom prst="straightConnector1">
+          <a:prstGeom prst="ellipse">
             <a:avLst/>
           </a:prstGeom>
-          <a:ln w="25400">
-            <a:tailEnd type="triangle" w="lg" len="lg"/>
-          </a:ln>
-        </p:spPr>
-        <p:style>
-          <a:lnRef idx="1">
-            <a:schemeClr val="accent1"/>
-          </a:lnRef>
-          <a:fillRef idx="0">
-            <a:schemeClr val="accent1"/>
-          </a:fillRef>
-          <a:effectRef idx="0">
-            <a:schemeClr val="accent1"/>
-          </a:effectRef>
-          <a:fontRef idx="minor">
-            <a:schemeClr val="tx1"/>
-          </a:fontRef>
-        </p:style>
-      </p:cxnSp>
-      <p:sp>
-        <p:nvSpPr>
-          <p:cNvPr id="53" name="Rectangle 52">
-            <a:extLst>
-              <a:ext uri="{FF2B5EF4-FFF2-40B4-BE49-F238E27FC236}">
-                <a16:creationId xmlns:a16="http://schemas.microsoft.com/office/drawing/2014/main" id="{93A62906-3A55-6845-94C3-8937E544A0C1}"/>
-              </a:ext>
-            </a:extLst>
-          </p:cNvPr>
-          <p:cNvSpPr/>
-          <p:nvPr/>
-        </p:nvSpPr>
-        <p:spPr>
-          <a:xfrm>
-            <a:off x="6656914" y="3147082"/>
-            <a:ext cx="1308100" cy="604534"/>
-          </a:xfrm>
-          <a:prstGeom prst="rect">
-            <a:avLst/>
-          </a:prstGeom>
-        </p:spPr>
-        <p:style>
-          <a:lnRef idx="2">
-            <a:schemeClr val="accent1">
-              <a:shade val="50000"/>
-            </a:schemeClr>
-          </a:lnRef>
-          <a:fillRef idx="1">
-            <a:schemeClr val="accent1"/>
-          </a:fillRef>
-          <a:effectRef idx="0">
-            <a:schemeClr val="accent1"/>
-          </a:effectRef>
-          <a:fontRef idx="minor">
-            <a:schemeClr val="lt1"/>
-          </a:fontRef>
-        </p:style>
-        <p:txBody>
-          <a:bodyPr rtlCol="0" anchor="ctr"/>
-          <a:lstStyle/>
-          <a:p>
-            <a:pPr algn="ctr"/>
-            <a:r>
-              <a:rPr lang="en-US" dirty="0"/>
-              <a:t>Windows country</a:t>
-            </a:r>
-          </a:p>
-        </p:txBody>
-      </p:sp>
-      <p:cxnSp>
-        <p:nvCxnSpPr>
-          <p:cNvPr id="54" name="Straight Arrow Connector 53">
-            <a:extLst>
-              <a:ext uri="{FF2B5EF4-FFF2-40B4-BE49-F238E27FC236}">
-                <a16:creationId xmlns:a16="http://schemas.microsoft.com/office/drawing/2014/main" id="{82602C80-2111-7145-ADBA-562932F948DA}"/>
-              </a:ext>
-            </a:extLst>
-          </p:cNvPr>
-          <p:cNvCxnSpPr>
-            <a:cxnSpLocks/>
-            <a:stCxn id="21" idx="4"/>
-            <a:endCxn id="53" idx="1"/>
-          </p:cNvCxnSpPr>
-          <p:nvPr/>
-        </p:nvCxnSpPr>
-        <p:spPr>
-          <a:xfrm>
-            <a:off x="5771087" y="2989925"/>
-            <a:ext cx="885827" cy="459424"/>
-          </a:xfrm>
-          <a:prstGeom prst="straightConnector1">
-            <a:avLst/>
-          </a:prstGeom>
-          <a:ln w="25400">
-            <a:tailEnd type="triangle" w="lg" len="lg"/>
-          </a:ln>
-        </p:spPr>
-        <p:style>
-          <a:lnRef idx="1">
-            <a:schemeClr val="accent1"/>
-          </a:lnRef>
-          <a:fillRef idx="0">
-            <a:schemeClr val="accent1"/>
-          </a:fillRef>
-          <a:effectRef idx="0">
-            <a:schemeClr val="accent1"/>
-          </a:effectRef>
-          <a:fontRef idx="minor">
-            <a:schemeClr val="tx1"/>
-          </a:fontRef>
-        </p:style>
-      </p:cxnSp>
-      <p:cxnSp>
-        <p:nvCxnSpPr>
-          <p:cNvPr id="57" name="Straight Arrow Connector 56">
-            <a:extLst>
-              <a:ext uri="{FF2B5EF4-FFF2-40B4-BE49-F238E27FC236}">
-                <a16:creationId xmlns:a16="http://schemas.microsoft.com/office/drawing/2014/main" id="{26A6765F-1001-F44B-BB35-F8BAB1828A0B}"/>
-              </a:ext>
-            </a:extLst>
-          </p:cNvPr>
-          <p:cNvCxnSpPr>
-            <a:cxnSpLocks/>
-          </p:cNvCxnSpPr>
-          <p:nvPr/>
-        </p:nvCxnSpPr>
-        <p:spPr>
-          <a:xfrm>
-            <a:off x="9396938" y="2276055"/>
-            <a:ext cx="2093382" cy="0"/>
-          </a:xfrm>
-          <a:prstGeom prst="straightConnector1">
-            <a:avLst/>
-          </a:prstGeom>
-          <a:ln w="25400">
-            <a:tailEnd type="triangle" w="lg" len="lg"/>
-          </a:ln>
-        </p:spPr>
-        <p:style>
-          <a:lnRef idx="1">
-            <a:schemeClr val="accent1"/>
-          </a:lnRef>
-          <a:fillRef idx="0">
-            <a:schemeClr val="accent1"/>
-          </a:fillRef>
-          <a:effectRef idx="0">
-            <a:schemeClr val="accent1"/>
-          </a:effectRef>
-          <a:fontRef idx="minor">
-            <a:schemeClr val="tx1"/>
-          </a:fontRef>
-        </p:style>
-      </p:cxnSp>
-      <p:cxnSp>
-        <p:nvCxnSpPr>
-          <p:cNvPr id="65" name="Straight Arrow Connector 64">
-            <a:extLst>
-              <a:ext uri="{FF2B5EF4-FFF2-40B4-BE49-F238E27FC236}">
-                <a16:creationId xmlns:a16="http://schemas.microsoft.com/office/drawing/2014/main" id="{2D02281D-5555-D649-A904-3FAABCC0D1D6}"/>
-              </a:ext>
-            </a:extLst>
-          </p:cNvPr>
-          <p:cNvCxnSpPr>
-            <a:cxnSpLocks/>
-            <a:stCxn id="34" idx="2"/>
-            <a:endCxn id="30" idx="2"/>
-          </p:cNvCxnSpPr>
-          <p:nvPr/>
-        </p:nvCxnSpPr>
-        <p:spPr>
-          <a:xfrm flipV="1">
-            <a:off x="10426695" y="5310105"/>
-            <a:ext cx="0" cy="844111"/>
-          </a:xfrm>
-          <a:prstGeom prst="straightConnector1">
-            <a:avLst/>
-          </a:prstGeom>
-          <a:ln w="25400">
-            <a:solidFill>
-              <a:schemeClr val="accent1">
-                <a:lumMod val="40000"/>
-                <a:lumOff val="60000"/>
-              </a:schemeClr>
-            </a:solidFill>
-            <a:tailEnd type="triangle" w="lg" len="lg"/>
-          </a:ln>
-        </p:spPr>
-        <p:style>
-          <a:lnRef idx="1">
-            <a:schemeClr val="accent1"/>
-          </a:lnRef>
-          <a:fillRef idx="0">
-            <a:schemeClr val="accent1"/>
-          </a:fillRef>
-          <a:effectRef idx="0">
-            <a:schemeClr val="accent1"/>
-          </a:effectRef>
-          <a:fontRef idx="minor">
-            <a:schemeClr val="tx1"/>
-          </a:fontRef>
-        </p:style>
-      </p:cxnSp>
-      <p:sp>
-        <p:nvSpPr>
-          <p:cNvPr id="69" name="Rectangle 68">
-            <a:extLst>
-              <a:ext uri="{FF2B5EF4-FFF2-40B4-BE49-F238E27FC236}">
-                <a16:creationId xmlns:a16="http://schemas.microsoft.com/office/drawing/2014/main" id="{7B9642A1-9862-8A4E-A87D-AD365CA01EF7}"/>
-              </a:ext>
-            </a:extLst>
-          </p:cNvPr>
-          <p:cNvSpPr/>
-          <p:nvPr/>
-        </p:nvSpPr>
-        <p:spPr>
-          <a:xfrm>
-            <a:off x="1344944" y="2145456"/>
-            <a:ext cx="1855259" cy="392389"/>
-          </a:xfrm>
-          <a:prstGeom prst="rect">
-            <a:avLst/>
-          </a:prstGeom>
-          <a:solidFill>
-            <a:schemeClr val="accent1">
-              <a:lumMod val="40000"/>
-              <a:lumOff val="60000"/>
-            </a:schemeClr>
-          </a:solidFill>
           <a:ln>
             <a:noFill/>
           </a:ln>
@@ -4814,41 +5333,37 @@
             <a:pPr algn="ctr"/>
             <a:r>
               <a:rPr lang="en-US" dirty="0"/>
-              <a:t>MY_COUNTRY</a:t>
+              <a:t>2</a:t>
             </a:r>
           </a:p>
         </p:txBody>
       </p:sp>
       <p:cxnSp>
         <p:nvCxnSpPr>
-          <p:cNvPr id="70" name="Straight Arrow Connector 69">
-            <a:extLst>
-              <a:ext uri="{FF2B5EF4-FFF2-40B4-BE49-F238E27FC236}">
-                <a16:creationId xmlns:a16="http://schemas.microsoft.com/office/drawing/2014/main" id="{AE5C76A1-DF43-084D-AC34-7AAD0BB2DB9D}"/>
+          <p:cNvPr id="100" name="Straight Arrow Connector 99">
+            <a:extLst>
+              <a:ext uri="{FF2B5EF4-FFF2-40B4-BE49-F238E27FC236}">
+                <a16:creationId xmlns:a16="http://schemas.microsoft.com/office/drawing/2014/main" id="{DFD8516F-398D-684C-BA4E-52FC61D34361}"/>
               </a:ext>
             </a:extLst>
           </p:cNvPr>
           <p:cNvCxnSpPr>
             <a:cxnSpLocks/>
-            <a:endCxn id="99" idx="1"/>
+            <a:stCxn id="73" idx="3"/>
+            <a:endCxn id="12" idx="1"/>
           </p:cNvCxnSpPr>
           <p:nvPr/>
         </p:nvCxnSpPr>
         <p:spPr>
           <a:xfrm>
-            <a:off x="3013873" y="2224922"/>
-            <a:ext cx="630488" cy="2000935"/>
+            <a:off x="3479594" y="3266457"/>
+            <a:ext cx="988276" cy="508437"/>
           </a:xfrm>
           <a:prstGeom prst="straightConnector1">
             <a:avLst/>
           </a:prstGeom>
           <a:ln w="25400">
-            <a:solidFill>
-              <a:schemeClr val="accent1">
-                <a:lumMod val="40000"/>
-                <a:lumOff val="60000"/>
-              </a:schemeClr>
-            </a:solidFill>
+            <a:prstDash val="dash"/>
             <a:tailEnd type="triangle" w="lg" len="lg"/>
           </a:ln>
         </p:spPr>
@@ -4869,10 +5384,10 @@
       </p:cxnSp>
       <p:cxnSp>
         <p:nvCxnSpPr>
-          <p:cNvPr id="80" name="Straight Arrow Connector 79">
-            <a:extLst>
-              <a:ext uri="{FF2B5EF4-FFF2-40B4-BE49-F238E27FC236}">
-                <a16:creationId xmlns:a16="http://schemas.microsoft.com/office/drawing/2014/main" id="{F3736778-70A9-264E-8619-4BB642B88CB0}"/>
+          <p:cNvPr id="102" name="Straight Arrow Connector 101">
+            <a:extLst>
+              <a:ext uri="{FF2B5EF4-FFF2-40B4-BE49-F238E27FC236}">
+                <a16:creationId xmlns:a16="http://schemas.microsoft.com/office/drawing/2014/main" id="{F8F1431A-CE89-184E-BFC7-2C9EA4C2E99A}"/>
               </a:ext>
             </a:extLst>
           </p:cNvPr>
@@ -4882,9 +5397,9 @@
           <p:nvPr/>
         </p:nvCxnSpPr>
         <p:spPr>
-          <a:xfrm flipH="1">
-            <a:off x="5699653" y="3072691"/>
-            <a:ext cx="5818" cy="585477"/>
+          <a:xfrm flipV="1">
+            <a:off x="7256289" y="4347427"/>
+            <a:ext cx="474663" cy="292462"/>
           </a:xfrm>
           <a:prstGeom prst="straightConnector1">
             <a:avLst/>
@@ -4910,29 +5425,29 @@
       </p:cxnSp>
       <p:cxnSp>
         <p:nvCxnSpPr>
-          <p:cNvPr id="96" name="Straight Arrow Connector 95">
-            <a:extLst>
-              <a:ext uri="{FF2B5EF4-FFF2-40B4-BE49-F238E27FC236}">
-                <a16:creationId xmlns:a16="http://schemas.microsoft.com/office/drawing/2014/main" id="{9BFA802C-641D-894F-AAF8-F9DC4C43A638}"/>
+          <p:cNvPr id="103" name="Straight Arrow Connector 102">
+            <a:extLst>
+              <a:ext uri="{FF2B5EF4-FFF2-40B4-BE49-F238E27FC236}">
+                <a16:creationId xmlns:a16="http://schemas.microsoft.com/office/drawing/2014/main" id="{7CBC08F5-0C6D-9D49-94CF-8987EE1DA7E3}"/>
               </a:ext>
             </a:extLst>
           </p:cNvPr>
           <p:cNvCxnSpPr>
             <a:cxnSpLocks/>
-            <a:stCxn id="4" idx="3"/>
-            <a:endCxn id="105" idx="1"/>
+            <a:stCxn id="73" idx="3"/>
           </p:cNvCxnSpPr>
           <p:nvPr/>
         </p:nvCxnSpPr>
         <p:spPr>
           <a:xfrm>
-            <a:off x="2974973" y="4232762"/>
-            <a:ext cx="669388" cy="470274"/>
+            <a:off x="3479594" y="3266457"/>
+            <a:ext cx="442503" cy="742606"/>
           </a:xfrm>
           <a:prstGeom prst="straightConnector1">
             <a:avLst/>
           </a:prstGeom>
           <a:ln w="25400">
+            <a:prstDash val="dash"/>
             <a:tailEnd type="triangle" w="lg" len="lg"/>
           </a:ln>
         </p:spPr>
@@ -4953,10 +5468,10 @@
       </p:cxnSp>
       <p:sp>
         <p:nvSpPr>
-          <p:cNvPr id="99" name="Rounded Rectangle 98">
-            <a:extLst>
-              <a:ext uri="{FF2B5EF4-FFF2-40B4-BE49-F238E27FC236}">
-                <a16:creationId xmlns:a16="http://schemas.microsoft.com/office/drawing/2014/main" id="{0D255FF8-E27C-D644-8416-A62C76160B83}"/>
+          <p:cNvPr id="114" name="Rounded Rectangle 113">
+            <a:extLst>
+              <a:ext uri="{FF2B5EF4-FFF2-40B4-BE49-F238E27FC236}">
+                <a16:creationId xmlns:a16="http://schemas.microsoft.com/office/drawing/2014/main" id="{7870E1F6-1287-0348-9AA9-48B97A77653D}"/>
               </a:ext>
             </a:extLst>
           </p:cNvPr>
@@ -4965,300 +5480,12 @@
         </p:nvSpPr>
         <p:spPr>
           <a:xfrm>
-            <a:off x="3644361" y="4061818"/>
-            <a:ext cx="1645722" cy="328078"/>
+            <a:off x="2104326" y="3519830"/>
+            <a:ext cx="1373201" cy="363565"/>
           </a:xfrm>
           <a:prstGeom prst="roundRect">
             <a:avLst/>
           </a:prstGeom>
-        </p:spPr>
-        <p:style>
-          <a:lnRef idx="2">
-            <a:schemeClr val="accent1">
-              <a:shade val="50000"/>
-            </a:schemeClr>
-          </a:lnRef>
-          <a:fillRef idx="1">
-            <a:schemeClr val="accent1"/>
-          </a:fillRef>
-          <a:effectRef idx="0">
-            <a:schemeClr val="accent1"/>
-          </a:effectRef>
-          <a:fontRef idx="minor">
-            <a:schemeClr val="lt1"/>
-          </a:fontRef>
-        </p:style>
-        <p:txBody>
-          <a:bodyPr rtlCol="0" anchor="ctr"/>
-          <a:lstStyle/>
-          <a:p>
-            <a:pPr algn="ctr"/>
-            <a:r>
-              <a:rPr lang="en-US" dirty="0"/>
-              <a:t>country</a:t>
-            </a:r>
-          </a:p>
-        </p:txBody>
-      </p:sp>
-      <p:sp>
-        <p:nvSpPr>
-          <p:cNvPr id="104" name="Rounded Rectangle 103">
-            <a:extLst>
-              <a:ext uri="{FF2B5EF4-FFF2-40B4-BE49-F238E27FC236}">
-                <a16:creationId xmlns:a16="http://schemas.microsoft.com/office/drawing/2014/main" id="{F82B614E-753A-EE4F-A45B-832DE5E1883E}"/>
-              </a:ext>
-            </a:extLst>
-          </p:cNvPr>
-          <p:cNvSpPr/>
-          <p:nvPr/>
-        </p:nvSpPr>
-        <p:spPr>
-          <a:xfrm>
-            <a:off x="3644361" y="4980719"/>
-            <a:ext cx="1645722" cy="328078"/>
-          </a:xfrm>
-          <a:prstGeom prst="roundRect">
-            <a:avLst/>
-          </a:prstGeom>
-        </p:spPr>
-        <p:style>
-          <a:lnRef idx="2">
-            <a:schemeClr val="accent1">
-              <a:shade val="50000"/>
-            </a:schemeClr>
-          </a:lnRef>
-          <a:fillRef idx="1">
-            <a:schemeClr val="accent1"/>
-          </a:fillRef>
-          <a:effectRef idx="0">
-            <a:schemeClr val="accent1"/>
-          </a:effectRef>
-          <a:fontRef idx="minor">
-            <a:schemeClr val="lt1"/>
-          </a:fontRef>
-        </p:style>
-        <p:txBody>
-          <a:bodyPr rtlCol="0" anchor="ctr"/>
-          <a:lstStyle/>
-          <a:p>
-            <a:pPr algn="ctr"/>
-            <a:r>
-              <a:rPr lang="en-US" dirty="0"/>
-              <a:t>Longitude</a:t>
-            </a:r>
-          </a:p>
-        </p:txBody>
-      </p:sp>
-      <p:sp>
-        <p:nvSpPr>
-          <p:cNvPr id="105" name="Rounded Rectangle 104">
-            <a:extLst>
-              <a:ext uri="{FF2B5EF4-FFF2-40B4-BE49-F238E27FC236}">
-                <a16:creationId xmlns:a16="http://schemas.microsoft.com/office/drawing/2014/main" id="{B8EB8FD8-1A62-9C40-A2C1-F0141F2F74CE}"/>
-              </a:ext>
-            </a:extLst>
-          </p:cNvPr>
-          <p:cNvSpPr/>
-          <p:nvPr/>
-        </p:nvSpPr>
-        <p:spPr>
-          <a:xfrm>
-            <a:off x="3644361" y="4538997"/>
-            <a:ext cx="1645722" cy="328078"/>
-          </a:xfrm>
-          <a:prstGeom prst="roundRect">
-            <a:avLst/>
-          </a:prstGeom>
-        </p:spPr>
-        <p:style>
-          <a:lnRef idx="2">
-            <a:schemeClr val="accent1">
-              <a:shade val="50000"/>
-            </a:schemeClr>
-          </a:lnRef>
-          <a:fillRef idx="1">
-            <a:schemeClr val="accent1"/>
-          </a:fillRef>
-          <a:effectRef idx="0">
-            <a:schemeClr val="accent1"/>
-          </a:effectRef>
-          <a:fontRef idx="minor">
-            <a:schemeClr val="lt1"/>
-          </a:fontRef>
-        </p:style>
-        <p:txBody>
-          <a:bodyPr rtlCol="0" anchor="ctr"/>
-          <a:lstStyle/>
-          <a:p>
-            <a:pPr algn="ctr"/>
-            <a:r>
-              <a:rPr lang="en-US" dirty="0"/>
-              <a:t>US state</a:t>
-            </a:r>
-          </a:p>
-        </p:txBody>
-      </p:sp>
-      <p:sp>
-        <p:nvSpPr>
-          <p:cNvPr id="106" name="Rounded Rectangle 105">
-            <a:extLst>
-              <a:ext uri="{FF2B5EF4-FFF2-40B4-BE49-F238E27FC236}">
-                <a16:creationId xmlns:a16="http://schemas.microsoft.com/office/drawing/2014/main" id="{53C35133-77A1-C049-A13E-3D33B7505833}"/>
-              </a:ext>
-            </a:extLst>
-          </p:cNvPr>
-          <p:cNvSpPr/>
-          <p:nvPr/>
-        </p:nvSpPr>
-        <p:spPr>
-          <a:xfrm>
-            <a:off x="3644361" y="5422441"/>
-            <a:ext cx="1645722" cy="328078"/>
-          </a:xfrm>
-          <a:prstGeom prst="roundRect">
-            <a:avLst/>
-          </a:prstGeom>
-        </p:spPr>
-        <p:style>
-          <a:lnRef idx="2">
-            <a:schemeClr val="accent1">
-              <a:shade val="50000"/>
-            </a:schemeClr>
-          </a:lnRef>
-          <a:fillRef idx="1">
-            <a:schemeClr val="accent1"/>
-          </a:fillRef>
-          <a:effectRef idx="0">
-            <a:schemeClr val="accent1"/>
-          </a:effectRef>
-          <a:fontRef idx="minor">
-            <a:schemeClr val="lt1"/>
-          </a:fontRef>
-        </p:style>
-        <p:txBody>
-          <a:bodyPr rtlCol="0" anchor="ctr"/>
-          <a:lstStyle/>
-          <a:p>
-            <a:pPr algn="ctr"/>
-            <a:r>
-              <a:rPr lang="en-US" dirty="0"/>
-              <a:t>Latitude</a:t>
-            </a:r>
-          </a:p>
-        </p:txBody>
-      </p:sp>
-      <p:cxnSp>
-        <p:nvCxnSpPr>
-          <p:cNvPr id="108" name="Straight Arrow Connector 107">
-            <a:extLst>
-              <a:ext uri="{FF2B5EF4-FFF2-40B4-BE49-F238E27FC236}">
-                <a16:creationId xmlns:a16="http://schemas.microsoft.com/office/drawing/2014/main" id="{991B0B08-FA38-AD4E-9C78-F8A25E590150}"/>
-              </a:ext>
-            </a:extLst>
-          </p:cNvPr>
-          <p:cNvCxnSpPr>
-            <a:cxnSpLocks/>
-            <a:stCxn id="4" idx="3"/>
-            <a:endCxn id="104" idx="1"/>
-          </p:cNvCxnSpPr>
-          <p:nvPr/>
-        </p:nvCxnSpPr>
-        <p:spPr>
-          <a:xfrm>
-            <a:off x="2974973" y="4232762"/>
-            <a:ext cx="669388" cy="911996"/>
-          </a:xfrm>
-          <a:prstGeom prst="straightConnector1">
-            <a:avLst/>
-          </a:prstGeom>
-          <a:ln w="25400">
-            <a:tailEnd type="triangle" w="lg" len="lg"/>
-          </a:ln>
-        </p:spPr>
-        <p:style>
-          <a:lnRef idx="1">
-            <a:schemeClr val="accent1"/>
-          </a:lnRef>
-          <a:fillRef idx="0">
-            <a:schemeClr val="accent1"/>
-          </a:fillRef>
-          <a:effectRef idx="0">
-            <a:schemeClr val="accent1"/>
-          </a:effectRef>
-          <a:fontRef idx="minor">
-            <a:schemeClr val="tx1"/>
-          </a:fontRef>
-        </p:style>
-      </p:cxnSp>
-      <p:cxnSp>
-        <p:nvCxnSpPr>
-          <p:cNvPr id="109" name="Straight Arrow Connector 108">
-            <a:extLst>
-              <a:ext uri="{FF2B5EF4-FFF2-40B4-BE49-F238E27FC236}">
-                <a16:creationId xmlns:a16="http://schemas.microsoft.com/office/drawing/2014/main" id="{E00AD25B-B576-1F4F-A541-437DE133800F}"/>
-              </a:ext>
-            </a:extLst>
-          </p:cNvPr>
-          <p:cNvCxnSpPr>
-            <a:cxnSpLocks/>
-            <a:stCxn id="4" idx="3"/>
-            <a:endCxn id="106" idx="1"/>
-          </p:cNvCxnSpPr>
-          <p:nvPr/>
-        </p:nvCxnSpPr>
-        <p:spPr>
-          <a:xfrm>
-            <a:off x="2974973" y="4232762"/>
-            <a:ext cx="669388" cy="1353718"/>
-          </a:xfrm>
-          <a:prstGeom prst="straightConnector1">
-            <a:avLst/>
-          </a:prstGeom>
-          <a:ln w="25400">
-            <a:tailEnd type="triangle" w="lg" len="lg"/>
-          </a:ln>
-        </p:spPr>
-        <p:style>
-          <a:lnRef idx="1">
-            <a:schemeClr val="accent1"/>
-          </a:lnRef>
-          <a:fillRef idx="0">
-            <a:schemeClr val="accent1"/>
-          </a:fillRef>
-          <a:effectRef idx="0">
-            <a:schemeClr val="accent1"/>
-          </a:effectRef>
-          <a:fontRef idx="minor">
-            <a:schemeClr val="tx1"/>
-          </a:fontRef>
-        </p:style>
-      </p:cxnSp>
-      <p:sp>
-        <p:nvSpPr>
-          <p:cNvPr id="119" name="Rectangle 118">
-            <a:extLst>
-              <a:ext uri="{FF2B5EF4-FFF2-40B4-BE49-F238E27FC236}">
-                <a16:creationId xmlns:a16="http://schemas.microsoft.com/office/drawing/2014/main" id="{8ADA9ADD-15F7-B547-B4F7-B28CB7414845}"/>
-              </a:ext>
-            </a:extLst>
-          </p:cNvPr>
-          <p:cNvSpPr/>
-          <p:nvPr/>
-        </p:nvSpPr>
-        <p:spPr>
-          <a:xfrm>
-            <a:off x="921005" y="2783906"/>
-            <a:ext cx="1855259" cy="377522"/>
-          </a:xfrm>
-          <a:prstGeom prst="rect">
-            <a:avLst/>
-          </a:prstGeom>
-          <a:solidFill>
-            <a:schemeClr val="accent1">
-              <a:lumMod val="40000"/>
-              <a:lumOff val="60000"/>
-            </a:schemeClr>
-          </a:solidFill>
           <a:ln>
             <a:noFill/>
           </a:ln>
@@ -5286,313 +5513,37 @@
             <a:pPr algn="ctr"/>
             <a:r>
               <a:rPr lang="en-US" dirty="0"/>
-              <a:t>MY_ZIP_CODE</a:t>
+              <a:t>ISO 3-char.</a:t>
             </a:r>
           </a:p>
         </p:txBody>
       </p:sp>
       <p:cxnSp>
         <p:nvCxnSpPr>
-          <p:cNvPr id="120" name="Straight Arrow Connector 119">
-            <a:extLst>
-              <a:ext uri="{FF2B5EF4-FFF2-40B4-BE49-F238E27FC236}">
-                <a16:creationId xmlns:a16="http://schemas.microsoft.com/office/drawing/2014/main" id="{94D2B208-9FE2-CA42-BDB4-29063355E831}"/>
+          <p:cNvPr id="116" name="Straight Arrow Connector 115">
+            <a:extLst>
+              <a:ext uri="{FF2B5EF4-FFF2-40B4-BE49-F238E27FC236}">
+                <a16:creationId xmlns:a16="http://schemas.microsoft.com/office/drawing/2014/main" id="{80F81CB8-D826-9D45-BB36-CB3A340DAE41}"/>
               </a:ext>
             </a:extLst>
           </p:cNvPr>
           <p:cNvCxnSpPr>
             <a:cxnSpLocks/>
-            <a:stCxn id="119" idx="2"/>
+            <a:stCxn id="114" idx="3"/>
+            <a:endCxn id="12" idx="1"/>
           </p:cNvCxnSpPr>
           <p:nvPr/>
         </p:nvCxnSpPr>
         <p:spPr>
           <a:xfrm>
-            <a:off x="1848635" y="3161428"/>
-            <a:ext cx="684" cy="359383"/>
+            <a:off x="3477527" y="3701613"/>
+            <a:ext cx="990343" cy="73281"/>
           </a:xfrm>
           <a:prstGeom prst="straightConnector1">
             <a:avLst/>
           </a:prstGeom>
           <a:ln w="25400">
-            <a:solidFill>
-              <a:schemeClr val="accent1">
-                <a:lumMod val="40000"/>
-                <a:lumOff val="60000"/>
-              </a:schemeClr>
-            </a:solidFill>
-            <a:tailEnd type="triangle" w="lg" len="lg"/>
-          </a:ln>
-        </p:spPr>
-        <p:style>
-          <a:lnRef idx="1">
-            <a:schemeClr val="accent1"/>
-          </a:lnRef>
-          <a:fillRef idx="0">
-            <a:schemeClr val="accent1"/>
-          </a:fillRef>
-          <a:effectRef idx="0">
-            <a:schemeClr val="accent1"/>
-          </a:effectRef>
-          <a:fontRef idx="minor">
-            <a:schemeClr val="tx1"/>
-          </a:fontRef>
-        </p:style>
-      </p:cxnSp>
-      <p:sp>
-        <p:nvSpPr>
-          <p:cNvPr id="122" name="Rectangle 121">
-            <a:extLst>
-              <a:ext uri="{FF2B5EF4-FFF2-40B4-BE49-F238E27FC236}">
-                <a16:creationId xmlns:a16="http://schemas.microsoft.com/office/drawing/2014/main" id="{A33C08F3-19E4-3046-8836-5454D456FB92}"/>
-              </a:ext>
-            </a:extLst>
-          </p:cNvPr>
-          <p:cNvSpPr/>
-          <p:nvPr/>
-        </p:nvSpPr>
-        <p:spPr>
-          <a:xfrm>
-            <a:off x="4811763" y="1753924"/>
-            <a:ext cx="1219212" cy="284227"/>
-          </a:xfrm>
-          <a:prstGeom prst="rect">
-            <a:avLst/>
-          </a:prstGeom>
-        </p:spPr>
-        <p:style>
-          <a:lnRef idx="2">
-            <a:schemeClr val="accent1">
-              <a:shade val="50000"/>
-            </a:schemeClr>
-          </a:lnRef>
-          <a:fillRef idx="1">
-            <a:schemeClr val="accent1"/>
-          </a:fillRef>
-          <a:effectRef idx="0">
-            <a:schemeClr val="accent1"/>
-          </a:effectRef>
-          <a:fontRef idx="minor">
-            <a:schemeClr val="lt1"/>
-          </a:fontRef>
-        </p:style>
-        <p:txBody>
-          <a:bodyPr rtlCol="0" anchor="ctr"/>
-          <a:lstStyle/>
-          <a:p>
-            <a:pPr algn="ctr"/>
-            <a:r>
-              <a:rPr lang="en-US" dirty="0"/>
-              <a:t>currency</a:t>
-            </a:r>
-          </a:p>
-        </p:txBody>
-      </p:sp>
-      <p:cxnSp>
-        <p:nvCxnSpPr>
-          <p:cNvPr id="123" name="Straight Arrow Connector 122">
-            <a:extLst>
-              <a:ext uri="{FF2B5EF4-FFF2-40B4-BE49-F238E27FC236}">
-                <a16:creationId xmlns:a16="http://schemas.microsoft.com/office/drawing/2014/main" id="{DAD82484-FC46-6643-9DCE-808E52F7FA3E}"/>
-              </a:ext>
-            </a:extLst>
-          </p:cNvPr>
-          <p:cNvCxnSpPr>
-            <a:cxnSpLocks/>
-          </p:cNvCxnSpPr>
-          <p:nvPr/>
-        </p:nvCxnSpPr>
-        <p:spPr>
-          <a:xfrm flipV="1">
-            <a:off x="5699653" y="2038151"/>
-            <a:ext cx="0" cy="882628"/>
-          </a:xfrm>
-          <a:prstGeom prst="straightConnector1">
-            <a:avLst/>
-          </a:prstGeom>
-          <a:ln w="25400">
-            <a:tailEnd type="triangle" w="lg" len="lg"/>
-          </a:ln>
-        </p:spPr>
-        <p:style>
-          <a:lnRef idx="1">
-            <a:schemeClr val="accent1"/>
-          </a:lnRef>
-          <a:fillRef idx="0">
-            <a:schemeClr val="accent1"/>
-          </a:fillRef>
-          <a:effectRef idx="0">
-            <a:schemeClr val="accent1"/>
-          </a:effectRef>
-          <a:fontRef idx="minor">
-            <a:schemeClr val="tx1"/>
-          </a:fontRef>
-        </p:style>
-      </p:cxnSp>
-      <p:sp>
-        <p:nvSpPr>
-          <p:cNvPr id="130" name="Rectangle 129">
-            <a:extLst>
-              <a:ext uri="{FF2B5EF4-FFF2-40B4-BE49-F238E27FC236}">
-                <a16:creationId xmlns:a16="http://schemas.microsoft.com/office/drawing/2014/main" id="{2CFB67AC-3297-1A45-8AF0-907F8D2C46E2}"/>
-              </a:ext>
-            </a:extLst>
-          </p:cNvPr>
-          <p:cNvSpPr/>
-          <p:nvPr/>
-        </p:nvSpPr>
-        <p:spPr>
-          <a:xfrm>
-            <a:off x="6139914" y="2118825"/>
-            <a:ext cx="1079424" cy="518969"/>
-          </a:xfrm>
-          <a:prstGeom prst="rect">
-            <a:avLst/>
-          </a:prstGeom>
-        </p:spPr>
-        <p:style>
-          <a:lnRef idx="2">
-            <a:schemeClr val="accent1">
-              <a:shade val="50000"/>
-            </a:schemeClr>
-          </a:lnRef>
-          <a:fillRef idx="1">
-            <a:schemeClr val="accent1"/>
-          </a:fillRef>
-          <a:effectRef idx="0">
-            <a:schemeClr val="accent1"/>
-          </a:effectRef>
-          <a:fontRef idx="minor">
-            <a:schemeClr val="lt1"/>
-          </a:fontRef>
-        </p:style>
-        <p:txBody>
-          <a:bodyPr rtlCol="0" anchor="ctr"/>
-          <a:lstStyle/>
-          <a:p>
-            <a:pPr algn="ctr"/>
-            <a:r>
-              <a:rPr lang="en-US" dirty="0"/>
-              <a:t>phone country</a:t>
-            </a:r>
-          </a:p>
-        </p:txBody>
-      </p:sp>
-      <p:cxnSp>
-        <p:nvCxnSpPr>
-          <p:cNvPr id="131" name="Straight Arrow Connector 130">
-            <a:extLst>
-              <a:ext uri="{FF2B5EF4-FFF2-40B4-BE49-F238E27FC236}">
-                <a16:creationId xmlns:a16="http://schemas.microsoft.com/office/drawing/2014/main" id="{57E2FE0B-CCD0-594C-9781-EC326472A21D}"/>
-              </a:ext>
-            </a:extLst>
-          </p:cNvPr>
-          <p:cNvCxnSpPr>
-            <a:cxnSpLocks/>
-            <a:endCxn id="130" idx="2"/>
-          </p:cNvCxnSpPr>
-          <p:nvPr/>
-        </p:nvCxnSpPr>
-        <p:spPr>
-          <a:xfrm flipV="1">
-            <a:off x="5771087" y="2637794"/>
-            <a:ext cx="908539" cy="352132"/>
-          </a:xfrm>
-          <a:prstGeom prst="straightConnector1">
-            <a:avLst/>
-          </a:prstGeom>
-          <a:ln w="25400">
-            <a:tailEnd type="triangle" w="lg" len="lg"/>
-          </a:ln>
-        </p:spPr>
-        <p:style>
-          <a:lnRef idx="1">
-            <a:schemeClr val="accent1"/>
-          </a:lnRef>
-          <a:fillRef idx="0">
-            <a:schemeClr val="accent1"/>
-          </a:fillRef>
-          <a:effectRef idx="0">
-            <a:schemeClr val="accent1"/>
-          </a:effectRef>
-          <a:fontRef idx="minor">
-            <a:schemeClr val="tx1"/>
-          </a:fontRef>
-        </p:style>
-      </p:cxnSp>
-      <p:sp>
-        <p:nvSpPr>
-          <p:cNvPr id="137" name="Rectangle 136">
-            <a:extLst>
-              <a:ext uri="{FF2B5EF4-FFF2-40B4-BE49-F238E27FC236}">
-                <a16:creationId xmlns:a16="http://schemas.microsoft.com/office/drawing/2014/main" id="{4E75E164-2719-C049-81EC-550165074AD8}"/>
-              </a:ext>
-            </a:extLst>
-          </p:cNvPr>
-          <p:cNvSpPr/>
-          <p:nvPr/>
-        </p:nvSpPr>
-        <p:spPr>
-          <a:xfrm>
-            <a:off x="6666987" y="2794753"/>
-            <a:ext cx="2075901" cy="281007"/>
-          </a:xfrm>
-          <a:prstGeom prst="rect">
-            <a:avLst/>
-          </a:prstGeom>
-        </p:spPr>
-        <p:style>
-          <a:lnRef idx="2">
-            <a:schemeClr val="accent1">
-              <a:shade val="50000"/>
-            </a:schemeClr>
-          </a:lnRef>
-          <a:fillRef idx="1">
-            <a:schemeClr val="accent1"/>
-          </a:fillRef>
-          <a:effectRef idx="0">
-            <a:schemeClr val="accent1"/>
-          </a:effectRef>
-          <a:fontRef idx="minor">
-            <a:schemeClr val="lt1"/>
-          </a:fontRef>
-        </p:style>
-        <p:txBody>
-          <a:bodyPr rtlCol="0" anchor="ctr"/>
-          <a:lstStyle/>
-          <a:p>
-            <a:pPr algn="ctr"/>
-            <a:r>
-              <a:rPr lang="en-US" dirty="0"/>
-              <a:t>Windows language</a:t>
-            </a:r>
-          </a:p>
-        </p:txBody>
-      </p:sp>
-      <p:cxnSp>
-        <p:nvCxnSpPr>
-          <p:cNvPr id="139" name="Straight Arrow Connector 138">
-            <a:extLst>
-              <a:ext uri="{FF2B5EF4-FFF2-40B4-BE49-F238E27FC236}">
-                <a16:creationId xmlns:a16="http://schemas.microsoft.com/office/drawing/2014/main" id="{2FA5634F-DA3B-B244-B26C-46BB6DCFC8BA}"/>
-              </a:ext>
-            </a:extLst>
-          </p:cNvPr>
-          <p:cNvCxnSpPr>
-            <a:cxnSpLocks/>
-            <a:endCxn id="7" idx="0"/>
-          </p:cNvCxnSpPr>
-          <p:nvPr/>
-        </p:nvCxnSpPr>
-        <p:spPr>
-          <a:xfrm>
-            <a:off x="8268225" y="2989925"/>
-            <a:ext cx="1128713" cy="1005172"/>
-          </a:xfrm>
-          <a:prstGeom prst="straightConnector1">
-            <a:avLst/>
-          </a:prstGeom>
-          <a:ln w="25400">
+            <a:prstDash val="dash"/>
             <a:tailEnd type="triangle" w="lg" len="lg"/>
           </a:ln>
         </p:spPr>
@@ -5613,29 +5564,30 @@
       </p:cxnSp>
       <p:cxnSp>
         <p:nvCxnSpPr>
-          <p:cNvPr id="142" name="Straight Arrow Connector 141">
-            <a:extLst>
-              <a:ext uri="{FF2B5EF4-FFF2-40B4-BE49-F238E27FC236}">
-                <a16:creationId xmlns:a16="http://schemas.microsoft.com/office/drawing/2014/main" id="{DD5277F2-E672-5242-B087-342B25F1BDEA}"/>
+          <p:cNvPr id="117" name="Straight Arrow Connector 116">
+            <a:extLst>
+              <a:ext uri="{FF2B5EF4-FFF2-40B4-BE49-F238E27FC236}">
+                <a16:creationId xmlns:a16="http://schemas.microsoft.com/office/drawing/2014/main" id="{52398EC2-D597-7E49-B465-C0AB52FD11F9}"/>
               </a:ext>
             </a:extLst>
           </p:cNvPr>
           <p:cNvCxnSpPr>
             <a:cxnSpLocks/>
-            <a:stCxn id="53" idx="3"/>
-            <a:endCxn id="7" idx="0"/>
+            <a:stCxn id="114" idx="3"/>
+            <a:endCxn id="99" idx="0"/>
           </p:cNvCxnSpPr>
           <p:nvPr/>
         </p:nvCxnSpPr>
         <p:spPr>
           <a:xfrm>
-            <a:off x="7965014" y="3449349"/>
-            <a:ext cx="1431924" cy="545748"/>
+            <a:off x="3477527" y="3701613"/>
+            <a:ext cx="444570" cy="307450"/>
           </a:xfrm>
           <a:prstGeom prst="straightConnector1">
             <a:avLst/>
           </a:prstGeom>
           <a:ln w="25400">
+            <a:prstDash val="dash"/>
             <a:tailEnd type="triangle" w="lg" len="lg"/>
           </a:ln>
         </p:spPr>
@@ -5656,619 +5608,15 @@
       </p:cxnSp>
       <p:cxnSp>
         <p:nvCxnSpPr>
-          <p:cNvPr id="145" name="Straight Arrow Connector 144">
-            <a:extLst>
-              <a:ext uri="{FF2B5EF4-FFF2-40B4-BE49-F238E27FC236}">
-                <a16:creationId xmlns:a16="http://schemas.microsoft.com/office/drawing/2014/main" id="{B8D10FDD-C0E9-5841-949C-BD2D2F8C76A5}"/>
+          <p:cNvPr id="128" name="Straight Arrow Connector 127">
+            <a:extLst>
+              <a:ext uri="{FF2B5EF4-FFF2-40B4-BE49-F238E27FC236}">
+                <a16:creationId xmlns:a16="http://schemas.microsoft.com/office/drawing/2014/main" id="{5614AD0A-19E9-9145-9A1E-8EADEA78F320}"/>
               </a:ext>
             </a:extLst>
           </p:cNvPr>
           <p:cNvCxnSpPr>
             <a:cxnSpLocks/>
-            <a:stCxn id="146" idx="3"/>
-          </p:cNvCxnSpPr>
-          <p:nvPr/>
-        </p:nvCxnSpPr>
-        <p:spPr>
-          <a:xfrm flipV="1">
-            <a:off x="8268225" y="4347427"/>
-            <a:ext cx="474663" cy="292462"/>
-          </a:xfrm>
-          <a:prstGeom prst="straightConnector1">
-            <a:avLst/>
-          </a:prstGeom>
-          <a:ln w="25400">
-            <a:tailEnd type="triangle" w="lg" len="lg"/>
-          </a:ln>
-        </p:spPr>
-        <p:style>
-          <a:lnRef idx="1">
-            <a:schemeClr val="accent1"/>
-          </a:lnRef>
-          <a:fillRef idx="0">
-            <a:schemeClr val="accent1"/>
-          </a:fillRef>
-          <a:effectRef idx="0">
-            <a:schemeClr val="accent1"/>
-          </a:effectRef>
-          <a:fontRef idx="minor">
-            <a:schemeClr val="tx1"/>
-          </a:fontRef>
-        </p:style>
-      </p:cxnSp>
-      <p:sp>
-        <p:nvSpPr>
-          <p:cNvPr id="146" name="Rectangle 145">
-            <a:extLst>
-              <a:ext uri="{FF2B5EF4-FFF2-40B4-BE49-F238E27FC236}">
-                <a16:creationId xmlns:a16="http://schemas.microsoft.com/office/drawing/2014/main" id="{4EA8F425-8347-8243-8D03-B266B67C9A25}"/>
-              </a:ext>
-            </a:extLst>
-          </p:cNvPr>
-          <p:cNvSpPr/>
-          <p:nvPr/>
-        </p:nvSpPr>
-        <p:spPr>
-          <a:xfrm>
-            <a:off x="7624689" y="4463169"/>
-            <a:ext cx="643536" cy="353440"/>
-          </a:xfrm>
-          <a:prstGeom prst="rect">
-            <a:avLst/>
-          </a:prstGeom>
-        </p:spPr>
-        <p:style>
-          <a:lnRef idx="2">
-            <a:schemeClr val="accent1">
-              <a:shade val="50000"/>
-            </a:schemeClr>
-          </a:lnRef>
-          <a:fillRef idx="1">
-            <a:schemeClr val="accent1"/>
-          </a:fillRef>
-          <a:effectRef idx="0">
-            <a:schemeClr val="accent1"/>
-          </a:effectRef>
-          <a:fontRef idx="minor">
-            <a:schemeClr val="lt1"/>
-          </a:fontRef>
-        </p:style>
-        <p:txBody>
-          <a:bodyPr rtlCol="0" anchor="ctr"/>
-          <a:lstStyle/>
-          <a:p>
-            <a:pPr algn="ctr"/>
-            <a:r>
-              <a:rPr lang="en-US" dirty="0"/>
-              <a:t>OS</a:t>
-            </a:r>
-          </a:p>
-        </p:txBody>
-      </p:sp>
-      <p:sp>
-        <p:nvSpPr>
-          <p:cNvPr id="152" name="Rounded Rectangle 151">
-            <a:extLst>
-              <a:ext uri="{FF2B5EF4-FFF2-40B4-BE49-F238E27FC236}">
-                <a16:creationId xmlns:a16="http://schemas.microsoft.com/office/drawing/2014/main" id="{605E6FCD-2DFB-264B-B9C9-12F86AA25BCF}"/>
-              </a:ext>
-            </a:extLst>
-          </p:cNvPr>
-          <p:cNvSpPr/>
-          <p:nvPr/>
-        </p:nvSpPr>
-        <p:spPr>
-          <a:xfrm>
-            <a:off x="3322355" y="2104764"/>
-            <a:ext cx="1645722" cy="328078"/>
-          </a:xfrm>
-          <a:prstGeom prst="roundRect">
-            <a:avLst/>
-          </a:prstGeom>
-        </p:spPr>
-        <p:style>
-          <a:lnRef idx="2">
-            <a:schemeClr val="accent1">
-              <a:shade val="50000"/>
-            </a:schemeClr>
-          </a:lnRef>
-          <a:fillRef idx="1">
-            <a:schemeClr val="accent1"/>
-          </a:fillRef>
-          <a:effectRef idx="0">
-            <a:schemeClr val="accent1"/>
-          </a:effectRef>
-          <a:fontRef idx="minor">
-            <a:schemeClr val="lt1"/>
-          </a:fontRef>
-        </p:style>
-        <p:txBody>
-          <a:bodyPr rtlCol="0" anchor="ctr"/>
-          <a:lstStyle/>
-          <a:p>
-            <a:pPr algn="ctr"/>
-            <a:r>
-              <a:rPr lang="en-US" dirty="0"/>
-              <a:t>country csv file</a:t>
-            </a:r>
-          </a:p>
-        </p:txBody>
-      </p:sp>
-      <p:cxnSp>
-        <p:nvCxnSpPr>
-          <p:cNvPr id="153" name="Straight Arrow Connector 152">
-            <a:extLst>
-              <a:ext uri="{FF2B5EF4-FFF2-40B4-BE49-F238E27FC236}">
-                <a16:creationId xmlns:a16="http://schemas.microsoft.com/office/drawing/2014/main" id="{D2278E2B-B3CE-844F-92D0-FDD4648083A6}"/>
-              </a:ext>
-            </a:extLst>
-          </p:cNvPr>
-          <p:cNvCxnSpPr>
-            <a:cxnSpLocks/>
-          </p:cNvCxnSpPr>
-          <p:nvPr/>
-        </p:nvCxnSpPr>
-        <p:spPr>
-          <a:xfrm>
-            <a:off x="4179968" y="2461729"/>
-            <a:ext cx="0" cy="292907"/>
-          </a:xfrm>
-          <a:prstGeom prst="straightConnector1">
-            <a:avLst/>
-          </a:prstGeom>
-          <a:ln w="25400">
-            <a:tailEnd type="triangle" w="lg" len="lg"/>
-          </a:ln>
-        </p:spPr>
-        <p:style>
-          <a:lnRef idx="1">
-            <a:schemeClr val="accent1"/>
-          </a:lnRef>
-          <a:fillRef idx="0">
-            <a:schemeClr val="accent1"/>
-          </a:fillRef>
-          <a:effectRef idx="0">
-            <a:schemeClr val="accent1"/>
-          </a:effectRef>
-          <a:fontRef idx="minor">
-            <a:schemeClr val="tx1"/>
-          </a:fontRef>
-        </p:style>
-      </p:cxnSp>
-    </p:spTree>
-    <p:extLst>
-      <p:ext uri="{BB962C8B-B14F-4D97-AF65-F5344CB8AC3E}">
-        <p14:creationId xmlns:p14="http://schemas.microsoft.com/office/powerpoint/2010/main" val="37272507"/>
-      </p:ext>
-    </p:extLst>
-  </p:cSld>
-  <p:clrMapOvr>
-    <a:masterClrMapping/>
-  </p:clrMapOvr>
-</p:sld>
-</file>
-
-<file path=ppt/slides/slide2.xml><?xml version="1.0" encoding="utf-8"?>
-<p:sld xmlns:a="http://schemas.openxmlformats.org/drawingml/2006/main" xmlns:r="http://schemas.openxmlformats.org/officeDocument/2006/relationships" xmlns:p="http://schemas.openxmlformats.org/presentationml/2006/main">
-  <p:cSld>
-    <p:spTree>
-      <p:nvGrpSpPr>
-        <p:cNvPr id="1" name=""/>
-        <p:cNvGrpSpPr/>
-        <p:nvPr/>
-      </p:nvGrpSpPr>
-      <p:grpSpPr>
-        <a:xfrm>
-          <a:off x="0" y="0"/>
-          <a:ext cx="0" cy="0"/>
-          <a:chOff x="0" y="0"/>
-          <a:chExt cx="0" cy="0"/>
-        </a:xfrm>
-      </p:grpSpPr>
-      <p:sp>
-        <p:nvSpPr>
-          <p:cNvPr id="2" name="Title 1">
-            <a:extLst>
-              <a:ext uri="{FF2B5EF4-FFF2-40B4-BE49-F238E27FC236}">
-                <a16:creationId xmlns:a16="http://schemas.microsoft.com/office/drawing/2014/main" id="{2F1AD69E-251E-9648-96FE-DC237CA6FD95}"/>
-              </a:ext>
-            </a:extLst>
-          </p:cNvPr>
-          <p:cNvSpPr>
-            <a:spLocks noGrp="1"/>
-          </p:cNvSpPr>
-          <p:nvPr>
-            <p:ph type="title"/>
-          </p:nvPr>
-        </p:nvSpPr>
-        <p:spPr/>
-        <p:txBody>
-          <a:bodyPr/>
-          <a:lstStyle/>
-          <a:p>
-            <a:endParaRPr lang="en-US"/>
-          </a:p>
-        </p:txBody>
-      </p:sp>
-      <p:sp>
-        <p:nvSpPr>
-          <p:cNvPr id="4" name="Rectangle 3">
-            <a:extLst>
-              <a:ext uri="{FF2B5EF4-FFF2-40B4-BE49-F238E27FC236}">
-                <a16:creationId xmlns:a16="http://schemas.microsoft.com/office/drawing/2014/main" id="{6DF6B6F3-6AE0-ED4C-B435-D38E4BC771EE}"/>
-              </a:ext>
-            </a:extLst>
-          </p:cNvPr>
-          <p:cNvSpPr/>
-          <p:nvPr/>
-        </p:nvSpPr>
-        <p:spPr>
-          <a:xfrm>
-            <a:off x="1393293" y="4055045"/>
-            <a:ext cx="1581680" cy="355433"/>
-          </a:xfrm>
-          <a:prstGeom prst="rect">
-            <a:avLst/>
-          </a:prstGeom>
-        </p:spPr>
-        <p:style>
-          <a:lnRef idx="2">
-            <a:schemeClr val="accent1">
-              <a:shade val="50000"/>
-            </a:schemeClr>
-          </a:lnRef>
-          <a:fillRef idx="1">
-            <a:schemeClr val="accent1"/>
-          </a:fillRef>
-          <a:effectRef idx="0">
-            <a:schemeClr val="accent1"/>
-          </a:effectRef>
-          <a:fontRef idx="minor">
-            <a:schemeClr val="lt1"/>
-          </a:fontRef>
-        </p:style>
-        <p:txBody>
-          <a:bodyPr rtlCol="0" anchor="ctr"/>
-          <a:lstStyle/>
-          <a:p>
-            <a:r>
-              <a:rPr lang="en-US" dirty="0" err="1"/>
-              <a:t>lookup_ipaddr</a:t>
-            </a:r>
-            <a:endParaRPr lang="en-US" dirty="0"/>
-          </a:p>
-        </p:txBody>
-      </p:sp>
-      <p:sp>
-        <p:nvSpPr>
-          <p:cNvPr id="7" name="Rectangle 6">
-            <a:extLst>
-              <a:ext uri="{FF2B5EF4-FFF2-40B4-BE49-F238E27FC236}">
-                <a16:creationId xmlns:a16="http://schemas.microsoft.com/office/drawing/2014/main" id="{7B210D3D-E33B-F445-BCAA-59E014AA957E}"/>
-              </a:ext>
-            </a:extLst>
-          </p:cNvPr>
-          <p:cNvSpPr/>
-          <p:nvPr/>
-        </p:nvSpPr>
-        <p:spPr>
-          <a:xfrm>
-            <a:off x="7730952" y="3992469"/>
-            <a:ext cx="1137638" cy="354958"/>
-          </a:xfrm>
-          <a:prstGeom prst="rect">
-            <a:avLst/>
-          </a:prstGeom>
-        </p:spPr>
-        <p:style>
-          <a:lnRef idx="2">
-            <a:schemeClr val="accent1">
-              <a:shade val="50000"/>
-            </a:schemeClr>
-          </a:lnRef>
-          <a:fillRef idx="1">
-            <a:schemeClr val="accent1"/>
-          </a:fillRef>
-          <a:effectRef idx="0">
-            <a:schemeClr val="accent1"/>
-          </a:effectRef>
-          <a:fontRef idx="minor">
-            <a:schemeClr val="lt1"/>
-          </a:fontRef>
-        </p:style>
-        <p:txBody>
-          <a:bodyPr rtlCol="0" anchor="ctr"/>
-          <a:lstStyle/>
-          <a:p>
-            <a:pPr algn="ctr"/>
-            <a:r>
-              <a:rPr lang="en-US" dirty="0"/>
-              <a:t>LOCALE</a:t>
-            </a:r>
-          </a:p>
-        </p:txBody>
-      </p:sp>
-      <p:cxnSp>
-        <p:nvCxnSpPr>
-          <p:cNvPr id="8" name="Straight Arrow Connector 7">
-            <a:extLst>
-              <a:ext uri="{FF2B5EF4-FFF2-40B4-BE49-F238E27FC236}">
-                <a16:creationId xmlns:a16="http://schemas.microsoft.com/office/drawing/2014/main" id="{0E1FAAE9-EE9B-C545-9C1E-4DA9839013FB}"/>
-              </a:ext>
-            </a:extLst>
-          </p:cNvPr>
-          <p:cNvCxnSpPr>
-            <a:cxnSpLocks/>
-            <a:stCxn id="7" idx="3"/>
-          </p:cNvCxnSpPr>
-          <p:nvPr/>
-        </p:nvCxnSpPr>
-        <p:spPr>
-          <a:xfrm>
-            <a:off x="8868590" y="4169948"/>
-            <a:ext cx="2263843" cy="1314"/>
-          </a:xfrm>
-          <a:prstGeom prst="straightConnector1">
-            <a:avLst/>
-          </a:prstGeom>
-          <a:ln w="25400">
-            <a:tailEnd type="triangle" w="lg" len="lg"/>
-          </a:ln>
-        </p:spPr>
-        <p:style>
-          <a:lnRef idx="1">
-            <a:schemeClr val="accent1"/>
-          </a:lnRef>
-          <a:fillRef idx="0">
-            <a:schemeClr val="accent1"/>
-          </a:fillRef>
-          <a:effectRef idx="0">
-            <a:schemeClr val="accent1"/>
-          </a:effectRef>
-          <a:fontRef idx="minor">
-            <a:schemeClr val="tx1"/>
-          </a:fontRef>
-        </p:style>
-      </p:cxnSp>
-      <p:cxnSp>
-        <p:nvCxnSpPr>
-          <p:cNvPr id="10" name="Straight Arrow Connector 9">
-            <a:extLst>
-              <a:ext uri="{FF2B5EF4-FFF2-40B4-BE49-F238E27FC236}">
-                <a16:creationId xmlns:a16="http://schemas.microsoft.com/office/drawing/2014/main" id="{B1E30D68-4C5A-B14D-AF15-476352BB22CC}"/>
-              </a:ext>
-            </a:extLst>
-          </p:cNvPr>
-          <p:cNvCxnSpPr>
-            <a:cxnSpLocks/>
-            <a:stCxn id="99" idx="3"/>
-            <a:endCxn id="7" idx="1"/>
-          </p:cNvCxnSpPr>
-          <p:nvPr/>
-        </p:nvCxnSpPr>
-        <p:spPr>
-          <a:xfrm flipV="1">
-            <a:off x="5290083" y="4169948"/>
-            <a:ext cx="2440869" cy="55909"/>
-          </a:xfrm>
-          <a:prstGeom prst="straightConnector1">
-            <a:avLst/>
-          </a:prstGeom>
-          <a:ln w="25400">
-            <a:tailEnd type="triangle" w="lg" len="lg"/>
-          </a:ln>
-        </p:spPr>
-        <p:style>
-          <a:lnRef idx="1">
-            <a:schemeClr val="accent1"/>
-          </a:lnRef>
-          <a:fillRef idx="0">
-            <a:schemeClr val="accent1"/>
-          </a:fillRef>
-          <a:effectRef idx="0">
-            <a:schemeClr val="accent1"/>
-          </a:effectRef>
-          <a:fontRef idx="minor">
-            <a:schemeClr val="tx1"/>
-          </a:fontRef>
-        </p:style>
-      </p:cxnSp>
-      <p:sp>
-        <p:nvSpPr>
-          <p:cNvPr id="12" name="Rectangle 11">
-            <a:extLst>
-              <a:ext uri="{FF2B5EF4-FFF2-40B4-BE49-F238E27FC236}">
-                <a16:creationId xmlns:a16="http://schemas.microsoft.com/office/drawing/2014/main" id="{443B26A2-75AB-A24A-BEE0-7330D1B3D3A0}"/>
-              </a:ext>
-            </a:extLst>
-          </p:cNvPr>
-          <p:cNvSpPr/>
-          <p:nvPr/>
-        </p:nvSpPr>
-        <p:spPr>
-          <a:xfrm>
-            <a:off x="4721207" y="3640305"/>
-            <a:ext cx="1219212" cy="284227"/>
-          </a:xfrm>
-          <a:prstGeom prst="rect">
-            <a:avLst/>
-          </a:prstGeom>
-        </p:spPr>
-        <p:style>
-          <a:lnRef idx="2">
-            <a:schemeClr val="accent1">
-              <a:shade val="50000"/>
-            </a:schemeClr>
-          </a:lnRef>
-          <a:fillRef idx="1">
-            <a:schemeClr val="accent1"/>
-          </a:fillRef>
-          <a:effectRef idx="0">
-            <a:schemeClr val="accent1"/>
-          </a:effectRef>
-          <a:fontRef idx="minor">
-            <a:schemeClr val="lt1"/>
-          </a:fontRef>
-        </p:style>
-        <p:txBody>
-          <a:bodyPr rtlCol="0" anchor="ctr"/>
-          <a:lstStyle/>
-          <a:p>
-            <a:pPr algn="ctr"/>
-            <a:r>
-              <a:rPr lang="en-US" dirty="0"/>
-              <a:t>language</a:t>
-            </a:r>
-          </a:p>
-        </p:txBody>
-      </p:sp>
-      <p:cxnSp>
-        <p:nvCxnSpPr>
-          <p:cNvPr id="16" name="Straight Arrow Connector 15">
-            <a:extLst>
-              <a:ext uri="{FF2B5EF4-FFF2-40B4-BE49-F238E27FC236}">
-                <a16:creationId xmlns:a16="http://schemas.microsoft.com/office/drawing/2014/main" id="{16E3982D-F1B4-8F4D-891D-891DAEA46960}"/>
-              </a:ext>
-            </a:extLst>
-          </p:cNvPr>
-          <p:cNvCxnSpPr>
-            <a:cxnSpLocks/>
-            <a:stCxn id="12" idx="3"/>
-            <a:endCxn id="7" idx="1"/>
-          </p:cNvCxnSpPr>
-          <p:nvPr/>
-        </p:nvCxnSpPr>
-        <p:spPr>
-          <a:xfrm>
-            <a:off x="5940419" y="3782419"/>
-            <a:ext cx="1790533" cy="387529"/>
-          </a:xfrm>
-          <a:prstGeom prst="straightConnector1">
-            <a:avLst/>
-          </a:prstGeom>
-          <a:ln w="25400">
-            <a:tailEnd type="triangle" w="lg" len="lg"/>
-          </a:ln>
-        </p:spPr>
-        <p:style>
-          <a:lnRef idx="1">
-            <a:schemeClr val="accent1"/>
-          </a:lnRef>
-          <a:fillRef idx="0">
-            <a:schemeClr val="accent1"/>
-          </a:fillRef>
-          <a:effectRef idx="0">
-            <a:schemeClr val="accent1"/>
-          </a:effectRef>
-          <a:fontRef idx="minor">
-            <a:schemeClr val="tx1"/>
-          </a:fontRef>
-        </p:style>
-      </p:cxnSp>
-      <p:sp>
-        <p:nvSpPr>
-          <p:cNvPr id="21" name="Magnetic Disk 20">
-            <a:extLst>
-              <a:ext uri="{FF2B5EF4-FFF2-40B4-BE49-F238E27FC236}">
-                <a16:creationId xmlns:a16="http://schemas.microsoft.com/office/drawing/2014/main" id="{B6220734-60D7-7F4B-BF11-F6363530F2DA}"/>
-              </a:ext>
-            </a:extLst>
-          </p:cNvPr>
-          <p:cNvSpPr/>
-          <p:nvPr/>
-        </p:nvSpPr>
-        <p:spPr>
-          <a:xfrm>
-            <a:off x="3881970" y="2710525"/>
-            <a:ext cx="1889117" cy="558800"/>
-          </a:xfrm>
-          <a:prstGeom prst="flowChartMagneticDisk">
-            <a:avLst/>
-          </a:prstGeom>
-        </p:spPr>
-        <p:style>
-          <a:lnRef idx="2">
-            <a:schemeClr val="accent1">
-              <a:shade val="50000"/>
-            </a:schemeClr>
-          </a:lnRef>
-          <a:fillRef idx="1">
-            <a:schemeClr val="accent1"/>
-          </a:fillRef>
-          <a:effectRef idx="0">
-            <a:schemeClr val="accent1"/>
-          </a:effectRef>
-          <a:fontRef idx="minor">
-            <a:schemeClr val="lt1"/>
-          </a:fontRef>
-        </p:style>
-        <p:txBody>
-          <a:bodyPr rtlCol="0" anchor="ctr"/>
-          <a:lstStyle/>
-          <a:p>
-            <a:pPr algn="ctr"/>
-            <a:r>
-              <a:rPr lang="en-US" dirty="0"/>
-              <a:t>countries SQL DB</a:t>
-            </a:r>
-          </a:p>
-        </p:txBody>
-      </p:sp>
-      <p:cxnSp>
-        <p:nvCxnSpPr>
-          <p:cNvPr id="22" name="Straight Arrow Connector 21">
-            <a:extLst>
-              <a:ext uri="{FF2B5EF4-FFF2-40B4-BE49-F238E27FC236}">
-                <a16:creationId xmlns:a16="http://schemas.microsoft.com/office/drawing/2014/main" id="{0F47C8E9-2D6C-FA4D-B610-5DF2CF7C45EF}"/>
-              </a:ext>
-            </a:extLst>
-          </p:cNvPr>
-          <p:cNvCxnSpPr>
-            <a:cxnSpLocks/>
-          </p:cNvCxnSpPr>
-          <p:nvPr/>
-        </p:nvCxnSpPr>
-        <p:spPr>
-          <a:xfrm flipV="1">
-            <a:off x="4467223" y="3231490"/>
-            <a:ext cx="0" cy="843092"/>
-          </a:xfrm>
-          <a:prstGeom prst="straightConnector1">
-            <a:avLst/>
-          </a:prstGeom>
-          <a:ln w="25400">
-            <a:prstDash val="sysDash"/>
-            <a:tailEnd type="triangle" w="lg" len="lg"/>
-          </a:ln>
-        </p:spPr>
-        <p:style>
-          <a:lnRef idx="1">
-            <a:schemeClr val="accent1"/>
-          </a:lnRef>
-          <a:fillRef idx="0">
-            <a:schemeClr val="accent1"/>
-          </a:fillRef>
-          <a:effectRef idx="0">
-            <a:schemeClr val="accent1"/>
-          </a:effectRef>
-          <a:fontRef idx="minor">
-            <a:schemeClr val="tx1"/>
-          </a:fontRef>
-        </p:style>
-      </p:cxnSp>
-      <p:cxnSp>
-        <p:nvCxnSpPr>
-          <p:cNvPr id="26" name="Straight Arrow Connector 25">
-            <a:extLst>
-              <a:ext uri="{FF2B5EF4-FFF2-40B4-BE49-F238E27FC236}">
-                <a16:creationId xmlns:a16="http://schemas.microsoft.com/office/drawing/2014/main" id="{A30D82D1-C022-2241-B701-E4515652B67B}"/>
-              </a:ext>
-            </a:extLst>
-          </p:cNvPr>
-          <p:cNvCxnSpPr>
-            <a:cxnSpLocks/>
-            <a:stCxn id="51" idx="4"/>
-            <a:endCxn id="30" idx="1"/>
           </p:cNvCxnSpPr>
           <p:nvPr/>
         </p:nvCxnSpPr>
@@ -6301,10 +5649,10 @@
       </p:cxnSp>
       <p:sp>
         <p:nvSpPr>
-          <p:cNvPr id="30" name="Rectangle 29">
-            <a:extLst>
-              <a:ext uri="{FF2B5EF4-FFF2-40B4-BE49-F238E27FC236}">
-                <a16:creationId xmlns:a16="http://schemas.microsoft.com/office/drawing/2014/main" id="{AE9B598D-C57F-C840-B88A-5C685F4896FB}"/>
+          <p:cNvPr id="129" name="Oval 128">
+            <a:extLst>
+              <a:ext uri="{FF2B5EF4-FFF2-40B4-BE49-F238E27FC236}">
+                <a16:creationId xmlns:a16="http://schemas.microsoft.com/office/drawing/2014/main" id="{E702E0C9-B173-4945-92FB-3A3FA19ADD1C}"/>
               </a:ext>
             </a:extLst>
           </p:cNvPr>
@@ -6313,1243 +5661,7 @@
         </p:nvSpPr>
         <p:spPr>
           <a:xfrm>
-            <a:off x="8760709" y="4605842"/>
-            <a:ext cx="1248923" cy="704263"/>
-          </a:xfrm>
-          <a:prstGeom prst="rect">
-            <a:avLst/>
-          </a:prstGeom>
-        </p:spPr>
-        <p:style>
-          <a:lnRef idx="2">
-            <a:schemeClr val="accent1">
-              <a:shade val="50000"/>
-            </a:schemeClr>
-          </a:lnRef>
-          <a:fillRef idx="1">
-            <a:schemeClr val="accent1"/>
-          </a:fillRef>
-          <a:effectRef idx="0">
-            <a:schemeClr val="accent1"/>
-          </a:effectRef>
-          <a:fontRef idx="minor">
-            <a:schemeClr val="lt1"/>
-          </a:fontRef>
-        </p:style>
-        <p:txBody>
-          <a:bodyPr rtlCol="0" anchor="ctr"/>
-          <a:lstStyle/>
-          <a:p>
-            <a:pPr algn="ctr"/>
-            <a:r>
-              <a:rPr lang="en-US" dirty="0"/>
-              <a:t>datetime</a:t>
-            </a:r>
-            <a:br>
-              <a:rPr lang="en-US" dirty="0"/>
-            </a:br>
-            <a:r>
-              <a:rPr lang="en-US" dirty="0"/>
-              <a:t>format</a:t>
-            </a:r>
-          </a:p>
-        </p:txBody>
-      </p:sp>
-      <p:sp>
-        <p:nvSpPr>
-          <p:cNvPr id="34" name="Rectangle 33">
-            <a:extLst>
-              <a:ext uri="{FF2B5EF4-FFF2-40B4-BE49-F238E27FC236}">
-                <a16:creationId xmlns:a16="http://schemas.microsoft.com/office/drawing/2014/main" id="{A3FA0002-D66E-4A4C-8586-F6C0016EAC1B}"/>
-              </a:ext>
-            </a:extLst>
-          </p:cNvPr>
-          <p:cNvSpPr/>
-          <p:nvPr/>
-        </p:nvSpPr>
-        <p:spPr>
-          <a:xfrm>
-            <a:off x="8089725" y="5665064"/>
-            <a:ext cx="2650067" cy="489152"/>
-          </a:xfrm>
-          <a:prstGeom prst="rect">
-            <a:avLst/>
-          </a:prstGeom>
-          <a:solidFill>
-            <a:schemeClr val="accent1">
-              <a:lumMod val="40000"/>
-              <a:lumOff val="60000"/>
-            </a:schemeClr>
-          </a:solidFill>
-          <a:ln>
-            <a:noFill/>
-          </a:ln>
-        </p:spPr>
-        <p:style>
-          <a:lnRef idx="2">
-            <a:schemeClr val="accent1">
-              <a:shade val="50000"/>
-            </a:schemeClr>
-          </a:lnRef>
-          <a:fillRef idx="1">
-            <a:schemeClr val="accent1"/>
-          </a:fillRef>
-          <a:effectRef idx="0">
-            <a:schemeClr val="accent1"/>
-          </a:effectRef>
-          <a:fontRef idx="minor">
-            <a:schemeClr val="lt1"/>
-          </a:fontRef>
-        </p:style>
-        <p:txBody>
-          <a:bodyPr rtlCol="0" anchor="ctr"/>
-          <a:lstStyle/>
-          <a:p>
-            <a:pPr algn="ctr"/>
-            <a:r>
-              <a:rPr lang="en-US" dirty="0"/>
-              <a:t>MY_DATETIME_FORMAT</a:t>
-            </a:r>
-          </a:p>
-        </p:txBody>
-      </p:sp>
-      <p:sp>
-        <p:nvSpPr>
-          <p:cNvPr id="46" name="TextBox 45">
-            <a:extLst>
-              <a:ext uri="{FF2B5EF4-FFF2-40B4-BE49-F238E27FC236}">
-                <a16:creationId xmlns:a16="http://schemas.microsoft.com/office/drawing/2014/main" id="{262B0AD1-79DF-E34C-B0D7-25A93904F394}"/>
-              </a:ext>
-            </a:extLst>
-          </p:cNvPr>
-          <p:cNvSpPr txBox="1"/>
-          <p:nvPr/>
-        </p:nvSpPr>
-        <p:spPr>
-          <a:xfrm>
-            <a:off x="1600198" y="4347426"/>
-            <a:ext cx="583814" cy="369332"/>
-          </a:xfrm>
-          <a:prstGeom prst="rect">
-            <a:avLst/>
-          </a:prstGeom>
-          <a:noFill/>
-        </p:spPr>
-        <p:txBody>
-          <a:bodyPr wrap="none" rtlCol="0">
-            <a:spAutoFit/>
-          </a:bodyPr>
-          <a:lstStyle/>
-          <a:p>
-            <a:r>
-              <a:rPr lang="en-US" dirty="0"/>
-              <a:t>VPN</a:t>
-            </a:r>
-          </a:p>
-        </p:txBody>
-      </p:sp>
-      <p:cxnSp>
-        <p:nvCxnSpPr>
-          <p:cNvPr id="50" name="Straight Arrow Connector 49">
-            <a:extLst>
-              <a:ext uri="{FF2B5EF4-FFF2-40B4-BE49-F238E27FC236}">
-                <a16:creationId xmlns:a16="http://schemas.microsoft.com/office/drawing/2014/main" id="{DD4B6578-2671-424C-94FB-306D39570988}"/>
-              </a:ext>
-            </a:extLst>
-          </p:cNvPr>
-          <p:cNvCxnSpPr>
-            <a:cxnSpLocks/>
-            <a:stCxn id="4" idx="3"/>
-            <a:endCxn id="99" idx="1"/>
-          </p:cNvCxnSpPr>
-          <p:nvPr/>
-        </p:nvCxnSpPr>
-        <p:spPr>
-          <a:xfrm flipV="1">
-            <a:off x="2974973" y="4225857"/>
-            <a:ext cx="669388" cy="6905"/>
-          </a:xfrm>
-          <a:prstGeom prst="straightConnector1">
-            <a:avLst/>
-          </a:prstGeom>
-          <a:ln w="25400">
-            <a:tailEnd type="triangle" w="lg" len="lg"/>
-          </a:ln>
-        </p:spPr>
-        <p:style>
-          <a:lnRef idx="1">
-            <a:schemeClr val="accent1"/>
-          </a:lnRef>
-          <a:fillRef idx="0">
-            <a:schemeClr val="accent1"/>
-          </a:fillRef>
-          <a:effectRef idx="0">
-            <a:schemeClr val="accent1"/>
-          </a:effectRef>
-          <a:fontRef idx="minor">
-            <a:schemeClr val="tx1"/>
-          </a:fontRef>
-        </p:style>
-      </p:cxnSp>
-      <p:sp>
-        <p:nvSpPr>
-          <p:cNvPr id="53" name="Rectangle 52">
-            <a:extLst>
-              <a:ext uri="{FF2B5EF4-FFF2-40B4-BE49-F238E27FC236}">
-                <a16:creationId xmlns:a16="http://schemas.microsoft.com/office/drawing/2014/main" id="{93A62906-3A55-6845-94C3-8937E544A0C1}"/>
-              </a:ext>
-            </a:extLst>
-          </p:cNvPr>
-          <p:cNvSpPr/>
-          <p:nvPr/>
-        </p:nvSpPr>
-        <p:spPr>
-          <a:xfrm>
-            <a:off x="6656914" y="3147082"/>
-            <a:ext cx="1308100" cy="604534"/>
-          </a:xfrm>
-          <a:prstGeom prst="rect">
-            <a:avLst/>
-          </a:prstGeom>
-        </p:spPr>
-        <p:style>
-          <a:lnRef idx="2">
-            <a:schemeClr val="accent1">
-              <a:shade val="50000"/>
-            </a:schemeClr>
-          </a:lnRef>
-          <a:fillRef idx="1">
-            <a:schemeClr val="accent1"/>
-          </a:fillRef>
-          <a:effectRef idx="0">
-            <a:schemeClr val="accent1"/>
-          </a:effectRef>
-          <a:fontRef idx="minor">
-            <a:schemeClr val="lt1"/>
-          </a:fontRef>
-        </p:style>
-        <p:txBody>
-          <a:bodyPr rtlCol="0" anchor="ctr"/>
-          <a:lstStyle/>
-          <a:p>
-            <a:pPr algn="ctr"/>
-            <a:r>
-              <a:rPr lang="en-US" dirty="0"/>
-              <a:t>Windows country</a:t>
-            </a:r>
-          </a:p>
-        </p:txBody>
-      </p:sp>
-      <p:cxnSp>
-        <p:nvCxnSpPr>
-          <p:cNvPr id="54" name="Straight Arrow Connector 53">
-            <a:extLst>
-              <a:ext uri="{FF2B5EF4-FFF2-40B4-BE49-F238E27FC236}">
-                <a16:creationId xmlns:a16="http://schemas.microsoft.com/office/drawing/2014/main" id="{82602C80-2111-7145-ADBA-562932F948DA}"/>
-              </a:ext>
-            </a:extLst>
-          </p:cNvPr>
-          <p:cNvCxnSpPr>
-            <a:cxnSpLocks/>
-            <a:stCxn id="21" idx="4"/>
-            <a:endCxn id="53" idx="1"/>
-          </p:cNvCxnSpPr>
-          <p:nvPr/>
-        </p:nvCxnSpPr>
-        <p:spPr>
-          <a:xfrm>
-            <a:off x="5771087" y="2989925"/>
-            <a:ext cx="885827" cy="459424"/>
-          </a:xfrm>
-          <a:prstGeom prst="straightConnector1">
-            <a:avLst/>
-          </a:prstGeom>
-          <a:ln w="25400">
-            <a:tailEnd type="triangle" w="lg" len="lg"/>
-          </a:ln>
-        </p:spPr>
-        <p:style>
-          <a:lnRef idx="1">
-            <a:schemeClr val="accent1"/>
-          </a:lnRef>
-          <a:fillRef idx="0">
-            <a:schemeClr val="accent1"/>
-          </a:fillRef>
-          <a:effectRef idx="0">
-            <a:schemeClr val="accent1"/>
-          </a:effectRef>
-          <a:fontRef idx="minor">
-            <a:schemeClr val="tx1"/>
-          </a:fontRef>
-        </p:style>
-      </p:cxnSp>
-      <p:cxnSp>
-        <p:nvCxnSpPr>
-          <p:cNvPr id="57" name="Straight Arrow Connector 56">
-            <a:extLst>
-              <a:ext uri="{FF2B5EF4-FFF2-40B4-BE49-F238E27FC236}">
-                <a16:creationId xmlns:a16="http://schemas.microsoft.com/office/drawing/2014/main" id="{26A6765F-1001-F44B-BB35-F8BAB1828A0B}"/>
-              </a:ext>
-            </a:extLst>
-          </p:cNvPr>
-          <p:cNvCxnSpPr>
-            <a:cxnSpLocks/>
-          </p:cNvCxnSpPr>
-          <p:nvPr/>
-        </p:nvCxnSpPr>
-        <p:spPr>
-          <a:xfrm>
-            <a:off x="9137155" y="4953189"/>
-            <a:ext cx="2093382" cy="0"/>
-          </a:xfrm>
-          <a:prstGeom prst="straightConnector1">
-            <a:avLst/>
-          </a:prstGeom>
-          <a:ln w="25400">
-            <a:tailEnd type="triangle" w="lg" len="lg"/>
-          </a:ln>
-        </p:spPr>
-        <p:style>
-          <a:lnRef idx="1">
-            <a:schemeClr val="accent1"/>
-          </a:lnRef>
-          <a:fillRef idx="0">
-            <a:schemeClr val="accent1"/>
-          </a:fillRef>
-          <a:effectRef idx="0">
-            <a:schemeClr val="accent1"/>
-          </a:effectRef>
-          <a:fontRef idx="minor">
-            <a:schemeClr val="tx1"/>
-          </a:fontRef>
-        </p:style>
-      </p:cxnSp>
-      <p:cxnSp>
-        <p:nvCxnSpPr>
-          <p:cNvPr id="65" name="Straight Arrow Connector 64">
-            <a:extLst>
-              <a:ext uri="{FF2B5EF4-FFF2-40B4-BE49-F238E27FC236}">
-                <a16:creationId xmlns:a16="http://schemas.microsoft.com/office/drawing/2014/main" id="{2D02281D-5555-D649-A904-3FAABCC0D1D6}"/>
-              </a:ext>
-            </a:extLst>
-          </p:cNvPr>
-          <p:cNvCxnSpPr>
-            <a:cxnSpLocks/>
-            <a:stCxn id="34" idx="2"/>
-            <a:endCxn id="30" idx="2"/>
-          </p:cNvCxnSpPr>
-          <p:nvPr/>
-        </p:nvCxnSpPr>
-        <p:spPr>
-          <a:xfrm flipH="1" flipV="1">
-            <a:off x="9385171" y="5310105"/>
-            <a:ext cx="29588" cy="844111"/>
-          </a:xfrm>
-          <a:prstGeom prst="straightConnector1">
-            <a:avLst/>
-          </a:prstGeom>
-          <a:ln w="25400">
-            <a:solidFill>
-              <a:schemeClr val="accent1">
-                <a:lumMod val="40000"/>
-                <a:lumOff val="60000"/>
-              </a:schemeClr>
-            </a:solidFill>
-            <a:tailEnd type="triangle" w="lg" len="lg"/>
-          </a:ln>
-        </p:spPr>
-        <p:style>
-          <a:lnRef idx="1">
-            <a:schemeClr val="accent1"/>
-          </a:lnRef>
-          <a:fillRef idx="0">
-            <a:schemeClr val="accent1"/>
-          </a:fillRef>
-          <a:effectRef idx="0">
-            <a:schemeClr val="accent1"/>
-          </a:effectRef>
-          <a:fontRef idx="minor">
-            <a:schemeClr val="tx1"/>
-          </a:fontRef>
-        </p:style>
-      </p:cxnSp>
-      <p:cxnSp>
-        <p:nvCxnSpPr>
-          <p:cNvPr id="80" name="Straight Arrow Connector 79">
-            <a:extLst>
-              <a:ext uri="{FF2B5EF4-FFF2-40B4-BE49-F238E27FC236}">
-                <a16:creationId xmlns:a16="http://schemas.microsoft.com/office/drawing/2014/main" id="{F3736778-70A9-264E-8619-4BB642B88CB0}"/>
-              </a:ext>
-            </a:extLst>
-          </p:cNvPr>
-          <p:cNvCxnSpPr>
-            <a:cxnSpLocks/>
-          </p:cNvCxnSpPr>
-          <p:nvPr/>
-        </p:nvCxnSpPr>
-        <p:spPr>
-          <a:xfrm flipH="1">
-            <a:off x="5699653" y="3072691"/>
-            <a:ext cx="5818" cy="585477"/>
-          </a:xfrm>
-          <a:prstGeom prst="straightConnector1">
-            <a:avLst/>
-          </a:prstGeom>
-          <a:ln w="25400">
-            <a:tailEnd type="triangle" w="lg" len="lg"/>
-          </a:ln>
-        </p:spPr>
-        <p:style>
-          <a:lnRef idx="1">
-            <a:schemeClr val="accent1"/>
-          </a:lnRef>
-          <a:fillRef idx="0">
-            <a:schemeClr val="accent1"/>
-          </a:fillRef>
-          <a:effectRef idx="0">
-            <a:schemeClr val="accent1"/>
-          </a:effectRef>
-          <a:fontRef idx="minor">
-            <a:schemeClr val="tx1"/>
-          </a:fontRef>
-        </p:style>
-      </p:cxnSp>
-      <p:cxnSp>
-        <p:nvCxnSpPr>
-          <p:cNvPr id="96" name="Straight Arrow Connector 95">
-            <a:extLst>
-              <a:ext uri="{FF2B5EF4-FFF2-40B4-BE49-F238E27FC236}">
-                <a16:creationId xmlns:a16="http://schemas.microsoft.com/office/drawing/2014/main" id="{9BFA802C-641D-894F-AAF8-F9DC4C43A638}"/>
-              </a:ext>
-            </a:extLst>
-          </p:cNvPr>
-          <p:cNvCxnSpPr>
-            <a:cxnSpLocks/>
-            <a:stCxn id="4" idx="3"/>
-            <a:endCxn id="105" idx="1"/>
-          </p:cNvCxnSpPr>
-          <p:nvPr/>
-        </p:nvCxnSpPr>
-        <p:spPr>
-          <a:xfrm>
-            <a:off x="2974973" y="4232762"/>
-            <a:ext cx="669388" cy="470274"/>
-          </a:xfrm>
-          <a:prstGeom prst="straightConnector1">
-            <a:avLst/>
-          </a:prstGeom>
-          <a:ln w="25400">
-            <a:tailEnd type="triangle" w="lg" len="lg"/>
-          </a:ln>
-        </p:spPr>
-        <p:style>
-          <a:lnRef idx="1">
-            <a:schemeClr val="accent1"/>
-          </a:lnRef>
-          <a:fillRef idx="0">
-            <a:schemeClr val="accent1"/>
-          </a:fillRef>
-          <a:effectRef idx="0">
-            <a:schemeClr val="accent1"/>
-          </a:effectRef>
-          <a:fontRef idx="minor">
-            <a:schemeClr val="tx1"/>
-          </a:fontRef>
-        </p:style>
-      </p:cxnSp>
-      <p:sp>
-        <p:nvSpPr>
-          <p:cNvPr id="99" name="Rounded Rectangle 98">
-            <a:extLst>
-              <a:ext uri="{FF2B5EF4-FFF2-40B4-BE49-F238E27FC236}">
-                <a16:creationId xmlns:a16="http://schemas.microsoft.com/office/drawing/2014/main" id="{0D255FF8-E27C-D644-8416-A62C76160B83}"/>
-              </a:ext>
-            </a:extLst>
-          </p:cNvPr>
-          <p:cNvSpPr/>
-          <p:nvPr/>
-        </p:nvSpPr>
-        <p:spPr>
-          <a:xfrm>
-            <a:off x="3644361" y="4061818"/>
-            <a:ext cx="1645722" cy="328078"/>
-          </a:xfrm>
-          <a:prstGeom prst="roundRect">
-            <a:avLst/>
-          </a:prstGeom>
-        </p:spPr>
-        <p:style>
-          <a:lnRef idx="2">
-            <a:schemeClr val="accent1">
-              <a:shade val="50000"/>
-            </a:schemeClr>
-          </a:lnRef>
-          <a:fillRef idx="1">
-            <a:schemeClr val="accent1"/>
-          </a:fillRef>
-          <a:effectRef idx="0">
-            <a:schemeClr val="accent1"/>
-          </a:effectRef>
-          <a:fontRef idx="minor">
-            <a:schemeClr val="lt1"/>
-          </a:fontRef>
-        </p:style>
-        <p:txBody>
-          <a:bodyPr rtlCol="0" anchor="ctr"/>
-          <a:lstStyle/>
-          <a:p>
-            <a:pPr algn="ctr"/>
-            <a:r>
-              <a:rPr lang="en-US" dirty="0"/>
-              <a:t>country</a:t>
-            </a:r>
-          </a:p>
-        </p:txBody>
-      </p:sp>
-      <p:sp>
-        <p:nvSpPr>
-          <p:cNvPr id="104" name="Rounded Rectangle 103">
-            <a:extLst>
-              <a:ext uri="{FF2B5EF4-FFF2-40B4-BE49-F238E27FC236}">
-                <a16:creationId xmlns:a16="http://schemas.microsoft.com/office/drawing/2014/main" id="{F82B614E-753A-EE4F-A45B-832DE5E1883E}"/>
-              </a:ext>
-            </a:extLst>
-          </p:cNvPr>
-          <p:cNvSpPr/>
-          <p:nvPr/>
-        </p:nvSpPr>
-        <p:spPr>
-          <a:xfrm>
-            <a:off x="3644361" y="4980719"/>
-            <a:ext cx="1645722" cy="328078"/>
-          </a:xfrm>
-          <a:prstGeom prst="roundRect">
-            <a:avLst/>
-          </a:prstGeom>
-        </p:spPr>
-        <p:style>
-          <a:lnRef idx="2">
-            <a:schemeClr val="accent1">
-              <a:shade val="50000"/>
-            </a:schemeClr>
-          </a:lnRef>
-          <a:fillRef idx="1">
-            <a:schemeClr val="accent1"/>
-          </a:fillRef>
-          <a:effectRef idx="0">
-            <a:schemeClr val="accent1"/>
-          </a:effectRef>
-          <a:fontRef idx="minor">
-            <a:schemeClr val="lt1"/>
-          </a:fontRef>
-        </p:style>
-        <p:txBody>
-          <a:bodyPr rtlCol="0" anchor="ctr"/>
-          <a:lstStyle/>
-          <a:p>
-            <a:pPr algn="ctr"/>
-            <a:r>
-              <a:rPr lang="en-US" dirty="0"/>
-              <a:t>Longitude</a:t>
-            </a:r>
-          </a:p>
-        </p:txBody>
-      </p:sp>
-      <p:sp>
-        <p:nvSpPr>
-          <p:cNvPr id="105" name="Rounded Rectangle 104">
-            <a:extLst>
-              <a:ext uri="{FF2B5EF4-FFF2-40B4-BE49-F238E27FC236}">
-                <a16:creationId xmlns:a16="http://schemas.microsoft.com/office/drawing/2014/main" id="{B8EB8FD8-1A62-9C40-A2C1-F0141F2F74CE}"/>
-              </a:ext>
-            </a:extLst>
-          </p:cNvPr>
-          <p:cNvSpPr/>
-          <p:nvPr/>
-        </p:nvSpPr>
-        <p:spPr>
-          <a:xfrm>
-            <a:off x="3644361" y="4538997"/>
-            <a:ext cx="1645722" cy="328078"/>
-          </a:xfrm>
-          <a:prstGeom prst="roundRect">
-            <a:avLst/>
-          </a:prstGeom>
-        </p:spPr>
-        <p:style>
-          <a:lnRef idx="2">
-            <a:schemeClr val="accent1">
-              <a:shade val="50000"/>
-            </a:schemeClr>
-          </a:lnRef>
-          <a:fillRef idx="1">
-            <a:schemeClr val="accent1"/>
-          </a:fillRef>
-          <a:effectRef idx="0">
-            <a:schemeClr val="accent1"/>
-          </a:effectRef>
-          <a:fontRef idx="minor">
-            <a:schemeClr val="lt1"/>
-          </a:fontRef>
-        </p:style>
-        <p:txBody>
-          <a:bodyPr rtlCol="0" anchor="ctr"/>
-          <a:lstStyle/>
-          <a:p>
-            <a:pPr algn="ctr"/>
-            <a:r>
-              <a:rPr lang="en-US" dirty="0"/>
-              <a:t>US state</a:t>
-            </a:r>
-          </a:p>
-        </p:txBody>
-      </p:sp>
-      <p:sp>
-        <p:nvSpPr>
-          <p:cNvPr id="106" name="Rounded Rectangle 105">
-            <a:extLst>
-              <a:ext uri="{FF2B5EF4-FFF2-40B4-BE49-F238E27FC236}">
-                <a16:creationId xmlns:a16="http://schemas.microsoft.com/office/drawing/2014/main" id="{53C35133-77A1-C049-A13E-3D33B7505833}"/>
-              </a:ext>
-            </a:extLst>
-          </p:cNvPr>
-          <p:cNvSpPr/>
-          <p:nvPr/>
-        </p:nvSpPr>
-        <p:spPr>
-          <a:xfrm>
-            <a:off x="3644361" y="5422441"/>
-            <a:ext cx="1645722" cy="328078"/>
-          </a:xfrm>
-          <a:prstGeom prst="roundRect">
-            <a:avLst/>
-          </a:prstGeom>
-        </p:spPr>
-        <p:style>
-          <a:lnRef idx="2">
-            <a:schemeClr val="accent1">
-              <a:shade val="50000"/>
-            </a:schemeClr>
-          </a:lnRef>
-          <a:fillRef idx="1">
-            <a:schemeClr val="accent1"/>
-          </a:fillRef>
-          <a:effectRef idx="0">
-            <a:schemeClr val="accent1"/>
-          </a:effectRef>
-          <a:fontRef idx="minor">
-            <a:schemeClr val="lt1"/>
-          </a:fontRef>
-        </p:style>
-        <p:txBody>
-          <a:bodyPr rtlCol="0" anchor="ctr"/>
-          <a:lstStyle/>
-          <a:p>
-            <a:pPr algn="ctr"/>
-            <a:r>
-              <a:rPr lang="en-US" dirty="0"/>
-              <a:t>Latitude</a:t>
-            </a:r>
-          </a:p>
-        </p:txBody>
-      </p:sp>
-      <p:cxnSp>
-        <p:nvCxnSpPr>
-          <p:cNvPr id="108" name="Straight Arrow Connector 107">
-            <a:extLst>
-              <a:ext uri="{FF2B5EF4-FFF2-40B4-BE49-F238E27FC236}">
-                <a16:creationId xmlns:a16="http://schemas.microsoft.com/office/drawing/2014/main" id="{991B0B08-FA38-AD4E-9C78-F8A25E590150}"/>
-              </a:ext>
-            </a:extLst>
-          </p:cNvPr>
-          <p:cNvCxnSpPr>
-            <a:cxnSpLocks/>
-            <a:stCxn id="4" idx="3"/>
-            <a:endCxn id="104" idx="1"/>
-          </p:cNvCxnSpPr>
-          <p:nvPr/>
-        </p:nvCxnSpPr>
-        <p:spPr>
-          <a:xfrm>
-            <a:off x="2974973" y="4232762"/>
-            <a:ext cx="669388" cy="911996"/>
-          </a:xfrm>
-          <a:prstGeom prst="straightConnector1">
-            <a:avLst/>
-          </a:prstGeom>
-          <a:ln w="25400">
-            <a:tailEnd type="triangle" w="lg" len="lg"/>
-          </a:ln>
-        </p:spPr>
-        <p:style>
-          <a:lnRef idx="1">
-            <a:schemeClr val="accent1"/>
-          </a:lnRef>
-          <a:fillRef idx="0">
-            <a:schemeClr val="accent1"/>
-          </a:fillRef>
-          <a:effectRef idx="0">
-            <a:schemeClr val="accent1"/>
-          </a:effectRef>
-          <a:fontRef idx="minor">
-            <a:schemeClr val="tx1"/>
-          </a:fontRef>
-        </p:style>
-      </p:cxnSp>
-      <p:cxnSp>
-        <p:nvCxnSpPr>
-          <p:cNvPr id="109" name="Straight Arrow Connector 108">
-            <a:extLst>
-              <a:ext uri="{FF2B5EF4-FFF2-40B4-BE49-F238E27FC236}">
-                <a16:creationId xmlns:a16="http://schemas.microsoft.com/office/drawing/2014/main" id="{E00AD25B-B576-1F4F-A541-437DE133800F}"/>
-              </a:ext>
-            </a:extLst>
-          </p:cNvPr>
-          <p:cNvCxnSpPr>
-            <a:cxnSpLocks/>
-            <a:stCxn id="4" idx="3"/>
-            <a:endCxn id="106" idx="1"/>
-          </p:cNvCxnSpPr>
-          <p:nvPr/>
-        </p:nvCxnSpPr>
-        <p:spPr>
-          <a:xfrm>
-            <a:off x="2974973" y="4232762"/>
-            <a:ext cx="669388" cy="1353718"/>
-          </a:xfrm>
-          <a:prstGeom prst="straightConnector1">
-            <a:avLst/>
-          </a:prstGeom>
-          <a:ln w="25400">
-            <a:tailEnd type="triangle" w="lg" len="lg"/>
-          </a:ln>
-        </p:spPr>
-        <p:style>
-          <a:lnRef idx="1">
-            <a:schemeClr val="accent1"/>
-          </a:lnRef>
-          <a:fillRef idx="0">
-            <a:schemeClr val="accent1"/>
-          </a:fillRef>
-          <a:effectRef idx="0">
-            <a:schemeClr val="accent1"/>
-          </a:effectRef>
-          <a:fontRef idx="minor">
-            <a:schemeClr val="tx1"/>
-          </a:fontRef>
-        </p:style>
-      </p:cxnSp>
-      <p:sp>
-        <p:nvSpPr>
-          <p:cNvPr id="122" name="Rectangle 121">
-            <a:extLst>
-              <a:ext uri="{FF2B5EF4-FFF2-40B4-BE49-F238E27FC236}">
-                <a16:creationId xmlns:a16="http://schemas.microsoft.com/office/drawing/2014/main" id="{A33C08F3-19E4-3046-8836-5454D456FB92}"/>
-              </a:ext>
-            </a:extLst>
-          </p:cNvPr>
-          <p:cNvSpPr/>
-          <p:nvPr/>
-        </p:nvSpPr>
-        <p:spPr>
-          <a:xfrm>
-            <a:off x="4811763" y="1753924"/>
-            <a:ext cx="1219212" cy="284227"/>
-          </a:xfrm>
-          <a:prstGeom prst="rect">
-            <a:avLst/>
-          </a:prstGeom>
-        </p:spPr>
-        <p:style>
-          <a:lnRef idx="2">
-            <a:schemeClr val="accent1">
-              <a:shade val="50000"/>
-            </a:schemeClr>
-          </a:lnRef>
-          <a:fillRef idx="1">
-            <a:schemeClr val="accent1"/>
-          </a:fillRef>
-          <a:effectRef idx="0">
-            <a:schemeClr val="accent1"/>
-          </a:effectRef>
-          <a:fontRef idx="minor">
-            <a:schemeClr val="lt1"/>
-          </a:fontRef>
-        </p:style>
-        <p:txBody>
-          <a:bodyPr rtlCol="0" anchor="ctr"/>
-          <a:lstStyle/>
-          <a:p>
-            <a:pPr algn="ctr"/>
-            <a:r>
-              <a:rPr lang="en-US" dirty="0"/>
-              <a:t>currency</a:t>
-            </a:r>
-          </a:p>
-        </p:txBody>
-      </p:sp>
-      <p:cxnSp>
-        <p:nvCxnSpPr>
-          <p:cNvPr id="123" name="Straight Arrow Connector 122">
-            <a:extLst>
-              <a:ext uri="{FF2B5EF4-FFF2-40B4-BE49-F238E27FC236}">
-                <a16:creationId xmlns:a16="http://schemas.microsoft.com/office/drawing/2014/main" id="{DAD82484-FC46-6643-9DCE-808E52F7FA3E}"/>
-              </a:ext>
-            </a:extLst>
-          </p:cNvPr>
-          <p:cNvCxnSpPr>
-            <a:cxnSpLocks/>
-          </p:cNvCxnSpPr>
-          <p:nvPr/>
-        </p:nvCxnSpPr>
-        <p:spPr>
-          <a:xfrm flipV="1">
-            <a:off x="5699653" y="2038151"/>
-            <a:ext cx="0" cy="882628"/>
-          </a:xfrm>
-          <a:prstGeom prst="straightConnector1">
-            <a:avLst/>
-          </a:prstGeom>
-          <a:ln w="25400">
-            <a:tailEnd type="triangle" w="lg" len="lg"/>
-          </a:ln>
-        </p:spPr>
-        <p:style>
-          <a:lnRef idx="1">
-            <a:schemeClr val="accent1"/>
-          </a:lnRef>
-          <a:fillRef idx="0">
-            <a:schemeClr val="accent1"/>
-          </a:fillRef>
-          <a:effectRef idx="0">
-            <a:schemeClr val="accent1"/>
-          </a:effectRef>
-          <a:fontRef idx="minor">
-            <a:schemeClr val="tx1"/>
-          </a:fontRef>
-        </p:style>
-      </p:cxnSp>
-      <p:sp>
-        <p:nvSpPr>
-          <p:cNvPr id="130" name="Rectangle 129">
-            <a:extLst>
-              <a:ext uri="{FF2B5EF4-FFF2-40B4-BE49-F238E27FC236}">
-                <a16:creationId xmlns:a16="http://schemas.microsoft.com/office/drawing/2014/main" id="{2CFB67AC-3297-1A45-8AF0-907F8D2C46E2}"/>
-              </a:ext>
-            </a:extLst>
-          </p:cNvPr>
-          <p:cNvSpPr/>
-          <p:nvPr/>
-        </p:nvSpPr>
-        <p:spPr>
-          <a:xfrm>
-            <a:off x="6139914" y="2118825"/>
-            <a:ext cx="1079424" cy="518969"/>
-          </a:xfrm>
-          <a:prstGeom prst="rect">
-            <a:avLst/>
-          </a:prstGeom>
-        </p:spPr>
-        <p:style>
-          <a:lnRef idx="2">
-            <a:schemeClr val="accent1">
-              <a:shade val="50000"/>
-            </a:schemeClr>
-          </a:lnRef>
-          <a:fillRef idx="1">
-            <a:schemeClr val="accent1"/>
-          </a:fillRef>
-          <a:effectRef idx="0">
-            <a:schemeClr val="accent1"/>
-          </a:effectRef>
-          <a:fontRef idx="minor">
-            <a:schemeClr val="lt1"/>
-          </a:fontRef>
-        </p:style>
-        <p:txBody>
-          <a:bodyPr rtlCol="0" anchor="ctr"/>
-          <a:lstStyle/>
-          <a:p>
-            <a:pPr algn="ctr"/>
-            <a:r>
-              <a:rPr lang="en-US" dirty="0"/>
-              <a:t>phone country</a:t>
-            </a:r>
-          </a:p>
-        </p:txBody>
-      </p:sp>
-      <p:cxnSp>
-        <p:nvCxnSpPr>
-          <p:cNvPr id="131" name="Straight Arrow Connector 130">
-            <a:extLst>
-              <a:ext uri="{FF2B5EF4-FFF2-40B4-BE49-F238E27FC236}">
-                <a16:creationId xmlns:a16="http://schemas.microsoft.com/office/drawing/2014/main" id="{57E2FE0B-CCD0-594C-9781-EC326472A21D}"/>
-              </a:ext>
-            </a:extLst>
-          </p:cNvPr>
-          <p:cNvCxnSpPr>
-            <a:cxnSpLocks/>
-            <a:endCxn id="130" idx="2"/>
-          </p:cNvCxnSpPr>
-          <p:nvPr/>
-        </p:nvCxnSpPr>
-        <p:spPr>
-          <a:xfrm flipV="1">
-            <a:off x="5771087" y="2637794"/>
-            <a:ext cx="908539" cy="352132"/>
-          </a:xfrm>
-          <a:prstGeom prst="straightConnector1">
-            <a:avLst/>
-          </a:prstGeom>
-          <a:ln w="25400">
-            <a:tailEnd type="triangle" w="lg" len="lg"/>
-          </a:ln>
-        </p:spPr>
-        <p:style>
-          <a:lnRef idx="1">
-            <a:schemeClr val="accent1"/>
-          </a:lnRef>
-          <a:fillRef idx="0">
-            <a:schemeClr val="accent1"/>
-          </a:fillRef>
-          <a:effectRef idx="0">
-            <a:schemeClr val="accent1"/>
-          </a:effectRef>
-          <a:fontRef idx="minor">
-            <a:schemeClr val="tx1"/>
-          </a:fontRef>
-        </p:style>
-      </p:cxnSp>
-      <p:sp>
-        <p:nvSpPr>
-          <p:cNvPr id="137" name="Rectangle 136">
-            <a:extLst>
-              <a:ext uri="{FF2B5EF4-FFF2-40B4-BE49-F238E27FC236}">
-                <a16:creationId xmlns:a16="http://schemas.microsoft.com/office/drawing/2014/main" id="{4E75E164-2719-C049-81EC-550165074AD8}"/>
-              </a:ext>
-            </a:extLst>
-          </p:cNvPr>
-          <p:cNvSpPr/>
-          <p:nvPr/>
-        </p:nvSpPr>
-        <p:spPr>
-          <a:xfrm>
-            <a:off x="6666987" y="2794753"/>
-            <a:ext cx="2075901" cy="281007"/>
-          </a:xfrm>
-          <a:prstGeom prst="rect">
-            <a:avLst/>
-          </a:prstGeom>
-        </p:spPr>
-        <p:style>
-          <a:lnRef idx="2">
-            <a:schemeClr val="accent1">
-              <a:shade val="50000"/>
-            </a:schemeClr>
-          </a:lnRef>
-          <a:fillRef idx="1">
-            <a:schemeClr val="accent1"/>
-          </a:fillRef>
-          <a:effectRef idx="0">
-            <a:schemeClr val="accent1"/>
-          </a:effectRef>
-          <a:fontRef idx="minor">
-            <a:schemeClr val="lt1"/>
-          </a:fontRef>
-        </p:style>
-        <p:txBody>
-          <a:bodyPr rtlCol="0" anchor="ctr"/>
-          <a:lstStyle/>
-          <a:p>
-            <a:pPr algn="ctr"/>
-            <a:r>
-              <a:rPr lang="en-US" dirty="0"/>
-              <a:t>Windows language</a:t>
-            </a:r>
-          </a:p>
-        </p:txBody>
-      </p:sp>
-      <p:cxnSp>
-        <p:nvCxnSpPr>
-          <p:cNvPr id="139" name="Straight Arrow Connector 138">
-            <a:extLst>
-              <a:ext uri="{FF2B5EF4-FFF2-40B4-BE49-F238E27FC236}">
-                <a16:creationId xmlns:a16="http://schemas.microsoft.com/office/drawing/2014/main" id="{2FA5634F-DA3B-B244-B26C-46BB6DCFC8BA}"/>
-              </a:ext>
-            </a:extLst>
-          </p:cNvPr>
-          <p:cNvCxnSpPr>
-            <a:cxnSpLocks/>
-            <a:endCxn id="7" idx="0"/>
-          </p:cNvCxnSpPr>
-          <p:nvPr/>
-        </p:nvCxnSpPr>
-        <p:spPr>
-          <a:xfrm flipH="1">
-            <a:off x="8299771" y="2989925"/>
-            <a:ext cx="5794" cy="1002544"/>
-          </a:xfrm>
-          <a:prstGeom prst="straightConnector1">
-            <a:avLst/>
-          </a:prstGeom>
-          <a:ln w="25400">
-            <a:tailEnd type="triangle" w="lg" len="lg"/>
-          </a:ln>
-        </p:spPr>
-        <p:style>
-          <a:lnRef idx="1">
-            <a:schemeClr val="accent1"/>
-          </a:lnRef>
-          <a:fillRef idx="0">
-            <a:schemeClr val="accent1"/>
-          </a:fillRef>
-          <a:effectRef idx="0">
-            <a:schemeClr val="accent1"/>
-          </a:effectRef>
-          <a:fontRef idx="minor">
-            <a:schemeClr val="tx1"/>
-          </a:fontRef>
-        </p:style>
-      </p:cxnSp>
-      <p:cxnSp>
-        <p:nvCxnSpPr>
-          <p:cNvPr id="142" name="Straight Arrow Connector 141">
-            <a:extLst>
-              <a:ext uri="{FF2B5EF4-FFF2-40B4-BE49-F238E27FC236}">
-                <a16:creationId xmlns:a16="http://schemas.microsoft.com/office/drawing/2014/main" id="{DD5277F2-E672-5242-B087-342B25F1BDEA}"/>
-              </a:ext>
-            </a:extLst>
-          </p:cNvPr>
-          <p:cNvCxnSpPr>
-            <a:cxnSpLocks/>
-            <a:stCxn id="53" idx="3"/>
-            <a:endCxn id="7" idx="0"/>
-          </p:cNvCxnSpPr>
-          <p:nvPr/>
-        </p:nvCxnSpPr>
-        <p:spPr>
-          <a:xfrm>
-            <a:off x="7965014" y="3449349"/>
-            <a:ext cx="334757" cy="543120"/>
-          </a:xfrm>
-          <a:prstGeom prst="straightConnector1">
-            <a:avLst/>
-          </a:prstGeom>
-          <a:ln w="25400">
-            <a:tailEnd type="triangle" w="lg" len="lg"/>
-          </a:ln>
-        </p:spPr>
-        <p:style>
-          <a:lnRef idx="1">
-            <a:schemeClr val="accent1"/>
-          </a:lnRef>
-          <a:fillRef idx="0">
-            <a:schemeClr val="accent1"/>
-          </a:fillRef>
-          <a:effectRef idx="0">
-            <a:schemeClr val="accent1"/>
-          </a:effectRef>
-          <a:fontRef idx="minor">
-            <a:schemeClr val="tx1"/>
-          </a:fontRef>
-        </p:style>
-      </p:cxnSp>
-      <p:cxnSp>
-        <p:nvCxnSpPr>
-          <p:cNvPr id="145" name="Straight Arrow Connector 144">
-            <a:extLst>
-              <a:ext uri="{FF2B5EF4-FFF2-40B4-BE49-F238E27FC236}">
-                <a16:creationId xmlns:a16="http://schemas.microsoft.com/office/drawing/2014/main" id="{B8D10FDD-C0E9-5841-949C-BD2D2F8C76A5}"/>
-              </a:ext>
-            </a:extLst>
-          </p:cNvPr>
-          <p:cNvCxnSpPr>
-            <a:cxnSpLocks/>
-            <a:stCxn id="146" idx="3"/>
-          </p:cNvCxnSpPr>
-          <p:nvPr/>
-        </p:nvCxnSpPr>
-        <p:spPr>
-          <a:xfrm flipV="1">
-            <a:off x="7256289" y="4347427"/>
-            <a:ext cx="474663" cy="292462"/>
-          </a:xfrm>
-          <a:prstGeom prst="straightConnector1">
-            <a:avLst/>
-          </a:prstGeom>
-          <a:ln w="25400">
-            <a:tailEnd type="triangle" w="lg" len="lg"/>
-          </a:ln>
-        </p:spPr>
-        <p:style>
-          <a:lnRef idx="1">
-            <a:schemeClr val="accent1"/>
-          </a:lnRef>
-          <a:fillRef idx="0">
-            <a:schemeClr val="accent1"/>
-          </a:fillRef>
-          <a:effectRef idx="0">
-            <a:schemeClr val="accent1"/>
-          </a:effectRef>
-          <a:fontRef idx="minor">
-            <a:schemeClr val="tx1"/>
-          </a:fontRef>
-        </p:style>
-      </p:cxnSp>
-      <p:sp>
-        <p:nvSpPr>
-          <p:cNvPr id="146" name="Rectangle 145">
-            <a:extLst>
-              <a:ext uri="{FF2B5EF4-FFF2-40B4-BE49-F238E27FC236}">
-                <a16:creationId xmlns:a16="http://schemas.microsoft.com/office/drawing/2014/main" id="{4EA8F425-8347-8243-8D03-B266B67C9A25}"/>
-              </a:ext>
-            </a:extLst>
-          </p:cNvPr>
-          <p:cNvSpPr/>
-          <p:nvPr/>
-        </p:nvSpPr>
-        <p:spPr>
-          <a:xfrm>
-            <a:off x="6612753" y="4463169"/>
-            <a:ext cx="643536" cy="353440"/>
-          </a:xfrm>
-          <a:prstGeom prst="rect">
-            <a:avLst/>
-          </a:prstGeom>
-        </p:spPr>
-        <p:style>
-          <a:lnRef idx="2">
-            <a:schemeClr val="accent1">
-              <a:shade val="50000"/>
-            </a:schemeClr>
-          </a:lnRef>
-          <a:fillRef idx="1">
-            <a:schemeClr val="accent1"/>
-          </a:fillRef>
-          <a:effectRef idx="0">
-            <a:schemeClr val="accent1"/>
-          </a:effectRef>
-          <a:fontRef idx="minor">
-            <a:schemeClr val="lt1"/>
-          </a:fontRef>
-        </p:style>
-        <p:txBody>
-          <a:bodyPr rtlCol="0" anchor="ctr"/>
-          <a:lstStyle/>
-          <a:p>
-            <a:pPr algn="ctr"/>
-            <a:r>
-              <a:rPr lang="en-US" dirty="0"/>
-              <a:t>OS</a:t>
-            </a:r>
-          </a:p>
-        </p:txBody>
-      </p:sp>
-      <p:sp>
-        <p:nvSpPr>
-          <p:cNvPr id="152" name="Rounded Rectangle 151">
-            <a:extLst>
-              <a:ext uri="{FF2B5EF4-FFF2-40B4-BE49-F238E27FC236}">
-                <a16:creationId xmlns:a16="http://schemas.microsoft.com/office/drawing/2014/main" id="{605E6FCD-2DFB-264B-B9C9-12F86AA25BCF}"/>
-              </a:ext>
-            </a:extLst>
-          </p:cNvPr>
-          <p:cNvSpPr/>
-          <p:nvPr/>
-        </p:nvSpPr>
-        <p:spPr>
-          <a:xfrm>
-            <a:off x="3322355" y="2153532"/>
-            <a:ext cx="1645722" cy="328078"/>
-          </a:xfrm>
-          <a:prstGeom prst="roundRect">
-            <a:avLst/>
-          </a:prstGeom>
-        </p:spPr>
-        <p:style>
-          <a:lnRef idx="2">
-            <a:schemeClr val="accent1">
-              <a:shade val="50000"/>
-            </a:schemeClr>
-          </a:lnRef>
-          <a:fillRef idx="1">
-            <a:schemeClr val="accent1"/>
-          </a:fillRef>
-          <a:effectRef idx="0">
-            <a:schemeClr val="accent1"/>
-          </a:effectRef>
-          <a:fontRef idx="minor">
-            <a:schemeClr val="lt1"/>
-          </a:fontRef>
-        </p:style>
-        <p:txBody>
-          <a:bodyPr rtlCol="0" anchor="ctr"/>
-          <a:lstStyle/>
-          <a:p>
-            <a:pPr algn="ctr"/>
-            <a:r>
-              <a:rPr lang="en-US" dirty="0"/>
-              <a:t>country csv file</a:t>
-            </a:r>
-          </a:p>
-        </p:txBody>
-      </p:sp>
-      <p:cxnSp>
-        <p:nvCxnSpPr>
-          <p:cNvPr id="153" name="Straight Arrow Connector 152">
-            <a:extLst>
-              <a:ext uri="{FF2B5EF4-FFF2-40B4-BE49-F238E27FC236}">
-                <a16:creationId xmlns:a16="http://schemas.microsoft.com/office/drawing/2014/main" id="{D2278E2B-B3CE-844F-92D0-FDD4648083A6}"/>
-              </a:ext>
-            </a:extLst>
-          </p:cNvPr>
-          <p:cNvCxnSpPr>
-            <a:cxnSpLocks/>
-          </p:cNvCxnSpPr>
-          <p:nvPr/>
-        </p:nvCxnSpPr>
-        <p:spPr>
-          <a:xfrm>
-            <a:off x="4179968" y="2461729"/>
-            <a:ext cx="0" cy="292907"/>
-          </a:xfrm>
-          <a:prstGeom prst="straightConnector1">
-            <a:avLst/>
-          </a:prstGeom>
-          <a:ln w="25400">
-            <a:tailEnd type="triangle" w="lg" len="lg"/>
-          </a:ln>
-        </p:spPr>
-        <p:style>
-          <a:lnRef idx="1">
-            <a:schemeClr val="accent1"/>
-          </a:lnRef>
-          <a:fillRef idx="0">
-            <a:schemeClr val="accent1"/>
-          </a:fillRef>
-          <a:effectRef idx="0">
-            <a:schemeClr val="accent1"/>
-          </a:effectRef>
-          <a:fontRef idx="minor">
-            <a:schemeClr val="tx1"/>
-          </a:fontRef>
-        </p:style>
-      </p:cxnSp>
-      <p:sp>
-        <p:nvSpPr>
-          <p:cNvPr id="9" name="Oval 8">
-            <a:extLst>
-              <a:ext uri="{FF2B5EF4-FFF2-40B4-BE49-F238E27FC236}">
-                <a16:creationId xmlns:a16="http://schemas.microsoft.com/office/drawing/2014/main" id="{7E799F1C-A085-6943-B4B2-D0B10377E025}"/>
-              </a:ext>
-            </a:extLst>
-          </p:cNvPr>
-          <p:cNvSpPr/>
-          <p:nvPr/>
-        </p:nvSpPr>
-        <p:spPr>
-          <a:xfrm>
-            <a:off x="6444819" y="4313376"/>
+            <a:off x="8205019" y="4865931"/>
             <a:ext cx="289562" cy="333070"/>
           </a:xfrm>
           <a:prstGeom prst="ellipse">
@@ -7582,17 +5694,258 @@
             <a:pPr algn="ctr"/>
             <a:r>
               <a:rPr lang="en-US" dirty="0"/>
-              <a:t>1</a:t>
-            </a:r>
-          </a:p>
-        </p:txBody>
-      </p:sp>
-      <p:sp>
-        <p:nvSpPr>
-          <p:cNvPr id="49" name="Oval 48">
-            <a:extLst>
-              <a:ext uri="{FF2B5EF4-FFF2-40B4-BE49-F238E27FC236}">
-                <a16:creationId xmlns:a16="http://schemas.microsoft.com/office/drawing/2014/main" id="{89BF1DAD-4337-734D-872D-C37929DDA8B6}"/>
+              <a:t>4</a:t>
+            </a:r>
+          </a:p>
+        </p:txBody>
+      </p:sp>
+      <p:cxnSp>
+        <p:nvCxnSpPr>
+          <p:cNvPr id="132" name="Straight Arrow Connector 131">
+            <a:extLst>
+              <a:ext uri="{FF2B5EF4-FFF2-40B4-BE49-F238E27FC236}">
+                <a16:creationId xmlns:a16="http://schemas.microsoft.com/office/drawing/2014/main" id="{04C8E74B-B37B-B546-AD70-EC5A747D750F}"/>
+              </a:ext>
+            </a:extLst>
+          </p:cNvPr>
+          <p:cNvCxnSpPr>
+            <a:cxnSpLocks/>
+            <a:stCxn id="7" idx="2"/>
+          </p:cNvCxnSpPr>
+          <p:nvPr/>
+        </p:nvCxnSpPr>
+        <p:spPr>
+          <a:xfrm flipH="1">
+            <a:off x="7493621" y="4347427"/>
+            <a:ext cx="806150" cy="654949"/>
+          </a:xfrm>
+          <a:prstGeom prst="straightConnector1">
+            <a:avLst/>
+          </a:prstGeom>
+          <a:ln w="25400">
+            <a:tailEnd type="triangle" w="lg" len="lg"/>
+          </a:ln>
+        </p:spPr>
+        <p:style>
+          <a:lnRef idx="1">
+            <a:schemeClr val="accent1"/>
+          </a:lnRef>
+          <a:fillRef idx="0">
+            <a:schemeClr val="accent1"/>
+          </a:fillRef>
+          <a:effectRef idx="0">
+            <a:schemeClr val="accent1"/>
+          </a:effectRef>
+          <a:fontRef idx="minor">
+            <a:schemeClr val="tx1"/>
+          </a:fontRef>
+        </p:style>
+      </p:cxnSp>
+      <p:sp>
+        <p:nvSpPr>
+          <p:cNvPr id="133" name="TextBox 132">
+            <a:extLst>
+              <a:ext uri="{FF2B5EF4-FFF2-40B4-BE49-F238E27FC236}">
+                <a16:creationId xmlns:a16="http://schemas.microsoft.com/office/drawing/2014/main" id="{4EA4747C-32F8-C24B-8F5C-1A8319B411B0}"/>
+              </a:ext>
+            </a:extLst>
+          </p:cNvPr>
+          <p:cNvSpPr txBox="1"/>
+          <p:nvPr/>
+        </p:nvSpPr>
+        <p:spPr>
+          <a:xfrm>
+            <a:off x="1036610" y="3514412"/>
+            <a:ext cx="1060163" cy="369332"/>
+          </a:xfrm>
+          <a:prstGeom prst="rect">
+            <a:avLst/>
+          </a:prstGeom>
+          <a:noFill/>
+        </p:spPr>
+        <p:txBody>
+          <a:bodyPr wrap="none" rtlCol="0">
+            <a:spAutoFit/>
+          </a:bodyPr>
+          <a:lstStyle/>
+          <a:p>
+            <a:pPr algn="r"/>
+            <a:r>
+              <a:rPr lang="en-US" dirty="0"/>
+              <a:t>Windows</a:t>
+            </a:r>
+          </a:p>
+        </p:txBody>
+      </p:sp>
+      <p:sp>
+        <p:nvSpPr>
+          <p:cNvPr id="134" name="TextBox 133">
+            <a:extLst>
+              <a:ext uri="{FF2B5EF4-FFF2-40B4-BE49-F238E27FC236}">
+                <a16:creationId xmlns:a16="http://schemas.microsoft.com/office/drawing/2014/main" id="{E48678EF-E254-AA44-A88B-0FEBDE4ED11C}"/>
+              </a:ext>
+            </a:extLst>
+          </p:cNvPr>
+          <p:cNvSpPr txBox="1"/>
+          <p:nvPr/>
+        </p:nvSpPr>
+        <p:spPr>
+          <a:xfrm>
+            <a:off x="1418381" y="3079082"/>
+            <a:ext cx="678392" cy="369332"/>
+          </a:xfrm>
+          <a:prstGeom prst="rect">
+            <a:avLst/>
+          </a:prstGeom>
+          <a:noFill/>
+        </p:spPr>
+        <p:txBody>
+          <a:bodyPr wrap="none" rtlCol="0">
+            <a:spAutoFit/>
+          </a:bodyPr>
+          <a:lstStyle/>
+          <a:p>
+            <a:pPr algn="r"/>
+            <a:r>
+              <a:rPr lang="en-US" dirty="0"/>
+              <a:t>Linux</a:t>
+            </a:r>
+          </a:p>
+        </p:txBody>
+      </p:sp>
+      <p:cxnSp>
+        <p:nvCxnSpPr>
+          <p:cNvPr id="141" name="Straight Arrow Connector 140">
+            <a:extLst>
+              <a:ext uri="{FF2B5EF4-FFF2-40B4-BE49-F238E27FC236}">
+                <a16:creationId xmlns:a16="http://schemas.microsoft.com/office/drawing/2014/main" id="{3746CF07-4255-BB41-813C-7B9C3FCCB3F7}"/>
+              </a:ext>
+            </a:extLst>
+          </p:cNvPr>
+          <p:cNvCxnSpPr>
+            <a:cxnSpLocks/>
+            <a:stCxn id="152" idx="3"/>
+            <a:endCxn id="140" idx="1"/>
+          </p:cNvCxnSpPr>
+          <p:nvPr/>
+        </p:nvCxnSpPr>
+        <p:spPr>
+          <a:xfrm>
+            <a:off x="4968077" y="2317571"/>
+            <a:ext cx="1251953" cy="150907"/>
+          </a:xfrm>
+          <a:prstGeom prst="straightConnector1">
+            <a:avLst/>
+          </a:prstGeom>
+          <a:ln w="25400">
+            <a:tailEnd type="triangle" w="lg" len="lg"/>
+          </a:ln>
+        </p:spPr>
+        <p:style>
+          <a:lnRef idx="1">
+            <a:schemeClr val="accent1"/>
+          </a:lnRef>
+          <a:fillRef idx="0">
+            <a:schemeClr val="accent1"/>
+          </a:fillRef>
+          <a:effectRef idx="0">
+            <a:schemeClr val="accent1"/>
+          </a:effectRef>
+          <a:fontRef idx="minor">
+            <a:schemeClr val="tx1"/>
+          </a:fontRef>
+        </p:style>
+      </p:cxnSp>
+      <p:cxnSp>
+        <p:nvCxnSpPr>
+          <p:cNvPr id="144" name="Straight Arrow Connector 143">
+            <a:extLst>
+              <a:ext uri="{FF2B5EF4-FFF2-40B4-BE49-F238E27FC236}">
+                <a16:creationId xmlns:a16="http://schemas.microsoft.com/office/drawing/2014/main" id="{21C9880C-01C5-CD49-86CA-80C0F97832AD}"/>
+              </a:ext>
+            </a:extLst>
+          </p:cNvPr>
+          <p:cNvCxnSpPr>
+            <a:cxnSpLocks/>
+            <a:stCxn id="152" idx="3"/>
+            <a:endCxn id="143" idx="1"/>
+          </p:cNvCxnSpPr>
+          <p:nvPr/>
+        </p:nvCxnSpPr>
+        <p:spPr>
+          <a:xfrm flipV="1">
+            <a:off x="4968077" y="2092964"/>
+            <a:ext cx="1269986" cy="224607"/>
+          </a:xfrm>
+          <a:prstGeom prst="straightConnector1">
+            <a:avLst/>
+          </a:prstGeom>
+          <a:ln w="25400">
+            <a:tailEnd type="triangle" w="lg" len="lg"/>
+          </a:ln>
+        </p:spPr>
+        <p:style>
+          <a:lnRef idx="1">
+            <a:schemeClr val="accent1"/>
+          </a:lnRef>
+          <a:fillRef idx="0">
+            <a:schemeClr val="accent1"/>
+          </a:fillRef>
+          <a:effectRef idx="0">
+            <a:schemeClr val="accent1"/>
+          </a:effectRef>
+          <a:fontRef idx="minor">
+            <a:schemeClr val="tx1"/>
+          </a:fontRef>
+        </p:style>
+      </p:cxnSp>
+      <p:cxnSp>
+        <p:nvCxnSpPr>
+          <p:cNvPr id="147" name="Straight Arrow Connector 146">
+            <a:extLst>
+              <a:ext uri="{FF2B5EF4-FFF2-40B4-BE49-F238E27FC236}">
+                <a16:creationId xmlns:a16="http://schemas.microsoft.com/office/drawing/2014/main" id="{BAEDB902-1591-7545-999E-71835C8A2BF0}"/>
+              </a:ext>
+            </a:extLst>
+          </p:cNvPr>
+          <p:cNvCxnSpPr>
+            <a:cxnSpLocks/>
+          </p:cNvCxnSpPr>
+          <p:nvPr/>
+        </p:nvCxnSpPr>
+        <p:spPr>
+          <a:xfrm flipV="1">
+            <a:off x="2429848" y="4173102"/>
+            <a:ext cx="669388" cy="6905"/>
+          </a:xfrm>
+          <a:prstGeom prst="straightConnector1">
+            <a:avLst/>
+          </a:prstGeom>
+          <a:ln w="25400">
+            <a:tailEnd type="triangle" w="lg" len="lg"/>
+          </a:ln>
+        </p:spPr>
+        <p:style>
+          <a:lnRef idx="1">
+            <a:schemeClr val="accent1"/>
+          </a:lnRef>
+          <a:fillRef idx="0">
+            <a:schemeClr val="accent1"/>
+          </a:fillRef>
+          <a:effectRef idx="0">
+            <a:schemeClr val="accent1"/>
+          </a:effectRef>
+          <a:fontRef idx="minor">
+            <a:schemeClr val="tx1"/>
+          </a:fontRef>
+        </p:style>
+      </p:cxnSp>
+      <p:sp>
+        <p:nvSpPr>
+          <p:cNvPr id="12" name="Rectangle 11">
+            <a:extLst>
+              <a:ext uri="{FF2B5EF4-FFF2-40B4-BE49-F238E27FC236}">
+                <a16:creationId xmlns:a16="http://schemas.microsoft.com/office/drawing/2014/main" id="{443B26A2-75AB-A24A-BEE0-7330D1B3D3A0}"/>
               </a:ext>
             </a:extLst>
           </p:cNvPr>
@@ -7601,12 +5954,15 @@
         </p:nvSpPr>
         <p:spPr>
           <a:xfrm>
-            <a:off x="7343221" y="4791438"/>
-            <a:ext cx="289562" cy="333070"/>
+            <a:off x="4467870" y="3625255"/>
+            <a:ext cx="1854287" cy="299277"/>
           </a:xfrm>
-          <a:prstGeom prst="ellipse">
+          <a:prstGeom prst="rect">
             <a:avLst/>
           </a:prstGeom>
+          <a:solidFill>
+            <a:schemeClr val="accent6"/>
+          </a:solidFill>
           <a:ln>
             <a:noFill/>
           </a:ln>
@@ -7634,17 +5990,17 @@
             <a:pPr algn="ctr"/>
             <a:r>
               <a:rPr lang="en-US" dirty="0"/>
-              <a:t>2</a:t>
-            </a:r>
-          </a:p>
-        </p:txBody>
-      </p:sp>
-      <p:sp>
-        <p:nvSpPr>
-          <p:cNvPr id="51" name="Magnetic Disk 50">
-            <a:extLst>
-              <a:ext uri="{FF2B5EF4-FFF2-40B4-BE49-F238E27FC236}">
-                <a16:creationId xmlns:a16="http://schemas.microsoft.com/office/drawing/2014/main" id="{BECF487F-7798-3840-95AB-305808D0807C}"/>
+              <a:t>2 char language</a:t>
+            </a:r>
+          </a:p>
+        </p:txBody>
+      </p:sp>
+      <p:sp>
+        <p:nvSpPr>
+          <p:cNvPr id="30" name="Rectangle 29">
+            <a:extLst>
+              <a:ext uri="{FF2B5EF4-FFF2-40B4-BE49-F238E27FC236}">
+                <a16:creationId xmlns:a16="http://schemas.microsoft.com/office/drawing/2014/main" id="{AE9B598D-C57F-C840-B88A-5C685F4896FB}"/>
               </a:ext>
             </a:extLst>
           </p:cNvPr>
@@ -7653,194 +6009,15 @@
         </p:nvSpPr>
         <p:spPr>
           <a:xfrm>
-            <a:off x="5833217" y="5002376"/>
-            <a:ext cx="1889117" cy="558800"/>
+            <a:off x="8760709" y="4605842"/>
+            <a:ext cx="1121845" cy="704263"/>
           </a:xfrm>
-          <a:prstGeom prst="flowChartMagneticDisk">
+          <a:prstGeom prst="rect">
             <a:avLst/>
           </a:prstGeom>
-        </p:spPr>
-        <p:style>
-          <a:lnRef idx="2">
-            <a:schemeClr val="accent1">
-              <a:shade val="50000"/>
-            </a:schemeClr>
-          </a:lnRef>
-          <a:fillRef idx="1">
-            <a:schemeClr val="accent1"/>
-          </a:fillRef>
-          <a:effectRef idx="0">
-            <a:schemeClr val="accent1"/>
-          </a:effectRef>
-          <a:fontRef idx="minor">
-            <a:schemeClr val="lt1"/>
-          </a:fontRef>
-        </p:style>
-        <p:txBody>
-          <a:bodyPr rtlCol="0" anchor="ctr"/>
-          <a:lstStyle/>
-          <a:p>
-            <a:pPr algn="ctr"/>
-            <a:r>
-              <a:rPr lang="en-US" dirty="0"/>
-              <a:t>locale SQL DB</a:t>
-            </a:r>
-          </a:p>
-        </p:txBody>
-      </p:sp>
-      <p:sp>
-        <p:nvSpPr>
-          <p:cNvPr id="52" name="Rounded Rectangle 51">
-            <a:extLst>
-              <a:ext uri="{FF2B5EF4-FFF2-40B4-BE49-F238E27FC236}">
-                <a16:creationId xmlns:a16="http://schemas.microsoft.com/office/drawing/2014/main" id="{857D8E87-9649-BC40-9C4E-5DDECF09992D}"/>
-              </a:ext>
-            </a:extLst>
-          </p:cNvPr>
-          <p:cNvSpPr/>
-          <p:nvPr/>
-        </p:nvSpPr>
-        <p:spPr>
-          <a:xfrm>
-            <a:off x="5934713" y="5800774"/>
-            <a:ext cx="1645722" cy="328078"/>
-          </a:xfrm>
-          <a:prstGeom prst="roundRect">
-            <a:avLst/>
-          </a:prstGeom>
-        </p:spPr>
-        <p:style>
-          <a:lnRef idx="2">
-            <a:schemeClr val="accent1">
-              <a:shade val="50000"/>
-            </a:schemeClr>
-          </a:lnRef>
-          <a:fillRef idx="1">
-            <a:schemeClr val="accent1"/>
-          </a:fillRef>
-          <a:effectRef idx="0">
-            <a:schemeClr val="accent1"/>
-          </a:effectRef>
-          <a:fontRef idx="minor">
-            <a:schemeClr val="lt1"/>
-          </a:fontRef>
-        </p:style>
-        <p:txBody>
-          <a:bodyPr rtlCol="0" anchor="ctr"/>
-          <a:lstStyle/>
-          <a:p>
-            <a:pPr algn="ctr"/>
-            <a:r>
-              <a:rPr lang="en-US" dirty="0"/>
-              <a:t>locale csv file</a:t>
-            </a:r>
-          </a:p>
-        </p:txBody>
-      </p:sp>
-      <p:cxnSp>
-        <p:nvCxnSpPr>
-          <p:cNvPr id="55" name="Straight Arrow Connector 54">
-            <a:extLst>
-              <a:ext uri="{FF2B5EF4-FFF2-40B4-BE49-F238E27FC236}">
-                <a16:creationId xmlns:a16="http://schemas.microsoft.com/office/drawing/2014/main" id="{1C4FDB29-64DE-314E-B872-17705A02F0B1}"/>
-              </a:ext>
-            </a:extLst>
-          </p:cNvPr>
-          <p:cNvCxnSpPr>
-            <a:cxnSpLocks/>
-          </p:cNvCxnSpPr>
-          <p:nvPr/>
-        </p:nvCxnSpPr>
-        <p:spPr>
-          <a:xfrm flipV="1">
-            <a:off x="7345982" y="4347426"/>
-            <a:ext cx="622697" cy="797333"/>
-          </a:xfrm>
-          <a:prstGeom prst="straightConnector1">
-            <a:avLst/>
-          </a:prstGeom>
-          <a:ln w="25400">
-            <a:tailEnd type="triangle" w="lg" len="lg"/>
-          </a:ln>
-        </p:spPr>
-        <p:style>
-          <a:lnRef idx="1">
-            <a:schemeClr val="accent1"/>
-          </a:lnRef>
-          <a:fillRef idx="0">
-            <a:schemeClr val="accent1"/>
-          </a:fillRef>
-          <a:effectRef idx="0">
-            <a:schemeClr val="accent1"/>
-          </a:effectRef>
-          <a:fontRef idx="minor">
-            <a:schemeClr val="tx1"/>
-          </a:fontRef>
-        </p:style>
-      </p:cxnSp>
-      <p:cxnSp>
-        <p:nvCxnSpPr>
-          <p:cNvPr id="56" name="Straight Arrow Connector 55">
-            <a:extLst>
-              <a:ext uri="{FF2B5EF4-FFF2-40B4-BE49-F238E27FC236}">
-                <a16:creationId xmlns:a16="http://schemas.microsoft.com/office/drawing/2014/main" id="{A862F193-942C-AD40-AF51-591CB3A904AE}"/>
-              </a:ext>
-            </a:extLst>
-          </p:cNvPr>
-          <p:cNvCxnSpPr>
-            <a:cxnSpLocks/>
-            <a:stCxn id="52" idx="0"/>
-            <a:endCxn id="51" idx="3"/>
-          </p:cNvCxnSpPr>
-          <p:nvPr/>
-        </p:nvCxnSpPr>
-        <p:spPr>
-          <a:xfrm flipV="1">
-            <a:off x="6757574" y="5561176"/>
-            <a:ext cx="20202" cy="239598"/>
-          </a:xfrm>
-          <a:prstGeom prst="straightConnector1">
-            <a:avLst/>
-          </a:prstGeom>
-          <a:ln w="25400">
-            <a:tailEnd type="triangle" w="lg" len="lg"/>
-          </a:ln>
-        </p:spPr>
-        <p:style>
-          <a:lnRef idx="1">
-            <a:schemeClr val="accent1"/>
-          </a:lnRef>
-          <a:fillRef idx="0">
-            <a:schemeClr val="accent1"/>
-          </a:fillRef>
-          <a:effectRef idx="0">
-            <a:schemeClr val="accent1"/>
-          </a:effectRef>
-          <a:fontRef idx="minor">
-            <a:schemeClr val="tx1"/>
-          </a:fontRef>
-        </p:style>
-      </p:cxnSp>
-      <p:sp>
-        <p:nvSpPr>
-          <p:cNvPr id="59" name="Oval 58">
-            <a:extLst>
-              <a:ext uri="{FF2B5EF4-FFF2-40B4-BE49-F238E27FC236}">
-                <a16:creationId xmlns:a16="http://schemas.microsoft.com/office/drawing/2014/main" id="{70A2D158-4207-CD46-8DD4-3BB6668E6B51}"/>
-              </a:ext>
-            </a:extLst>
-          </p:cNvPr>
-          <p:cNvSpPr/>
-          <p:nvPr/>
-        </p:nvSpPr>
-        <p:spPr>
-          <a:xfrm>
-            <a:off x="8579028" y="4522225"/>
-            <a:ext cx="289562" cy="333070"/>
-          </a:xfrm>
-          <a:prstGeom prst="ellipse">
-            <a:avLst/>
-          </a:prstGeom>
+          <a:solidFill>
+            <a:schemeClr val="accent6"/>
+          </a:solidFill>
           <a:ln>
             <a:noFill/>
           </a:ln>
@@ -7868,7 +6045,531 @@
             <a:pPr algn="ctr"/>
             <a:r>
               <a:rPr lang="en-US" dirty="0"/>
-              <a:t>3</a:t>
+              <a:t>datetime</a:t>
+            </a:r>
+            <a:br>
+              <a:rPr lang="en-US" dirty="0"/>
+            </a:br>
+            <a:r>
+              <a:rPr lang="en-US" dirty="0"/>
+              <a:t>format</a:t>
+            </a:r>
+          </a:p>
+        </p:txBody>
+      </p:sp>
+      <p:sp>
+        <p:nvSpPr>
+          <p:cNvPr id="99" name="Rounded Rectangle 98">
+            <a:extLst>
+              <a:ext uri="{FF2B5EF4-FFF2-40B4-BE49-F238E27FC236}">
+                <a16:creationId xmlns:a16="http://schemas.microsoft.com/office/drawing/2014/main" id="{0D255FF8-E27C-D644-8416-A62C76160B83}"/>
+              </a:ext>
+            </a:extLst>
+          </p:cNvPr>
+          <p:cNvSpPr/>
+          <p:nvPr/>
+        </p:nvSpPr>
+        <p:spPr>
+          <a:xfrm>
+            <a:off x="3099236" y="4009063"/>
+            <a:ext cx="1645722" cy="328078"/>
+          </a:xfrm>
+          <a:prstGeom prst="roundRect">
+            <a:avLst/>
+          </a:prstGeom>
+          <a:solidFill>
+            <a:schemeClr val="accent6"/>
+          </a:solidFill>
+          <a:ln>
+            <a:noFill/>
+          </a:ln>
+        </p:spPr>
+        <p:style>
+          <a:lnRef idx="2">
+            <a:schemeClr val="accent1">
+              <a:shade val="50000"/>
+            </a:schemeClr>
+          </a:lnRef>
+          <a:fillRef idx="1">
+            <a:schemeClr val="accent1"/>
+          </a:fillRef>
+          <a:effectRef idx="0">
+            <a:schemeClr val="accent1"/>
+          </a:effectRef>
+          <a:fontRef idx="minor">
+            <a:schemeClr val="lt1"/>
+          </a:fontRef>
+        </p:style>
+        <p:txBody>
+          <a:bodyPr rtlCol="0" anchor="ctr"/>
+          <a:lstStyle/>
+          <a:p>
+            <a:pPr algn="ctr"/>
+            <a:r>
+              <a:rPr lang="en-US" dirty="0"/>
+              <a:t>2 char country</a:t>
+            </a:r>
+          </a:p>
+        </p:txBody>
+      </p:sp>
+      <p:sp>
+        <p:nvSpPr>
+          <p:cNvPr id="104" name="Rounded Rectangle 103">
+            <a:extLst>
+              <a:ext uri="{FF2B5EF4-FFF2-40B4-BE49-F238E27FC236}">
+                <a16:creationId xmlns:a16="http://schemas.microsoft.com/office/drawing/2014/main" id="{F82B614E-753A-EE4F-A45B-832DE5E1883E}"/>
+              </a:ext>
+            </a:extLst>
+          </p:cNvPr>
+          <p:cNvSpPr/>
+          <p:nvPr/>
+        </p:nvSpPr>
+        <p:spPr>
+          <a:xfrm>
+            <a:off x="3099236" y="4927964"/>
+            <a:ext cx="1645722" cy="328078"/>
+          </a:xfrm>
+          <a:prstGeom prst="roundRect">
+            <a:avLst/>
+          </a:prstGeom>
+          <a:solidFill>
+            <a:schemeClr val="accent6"/>
+          </a:solidFill>
+          <a:ln>
+            <a:noFill/>
+          </a:ln>
+        </p:spPr>
+        <p:style>
+          <a:lnRef idx="2">
+            <a:schemeClr val="accent1">
+              <a:shade val="50000"/>
+            </a:schemeClr>
+          </a:lnRef>
+          <a:fillRef idx="1">
+            <a:schemeClr val="accent1"/>
+          </a:fillRef>
+          <a:effectRef idx="0">
+            <a:schemeClr val="accent1"/>
+          </a:effectRef>
+          <a:fontRef idx="minor">
+            <a:schemeClr val="lt1"/>
+          </a:fontRef>
+        </p:style>
+        <p:txBody>
+          <a:bodyPr rtlCol="0" anchor="ctr"/>
+          <a:lstStyle/>
+          <a:p>
+            <a:pPr algn="ctr"/>
+            <a:r>
+              <a:rPr lang="en-US" dirty="0"/>
+              <a:t>Longitude</a:t>
+            </a:r>
+          </a:p>
+        </p:txBody>
+      </p:sp>
+      <p:sp>
+        <p:nvSpPr>
+          <p:cNvPr id="105" name="Rounded Rectangle 104">
+            <a:extLst>
+              <a:ext uri="{FF2B5EF4-FFF2-40B4-BE49-F238E27FC236}">
+                <a16:creationId xmlns:a16="http://schemas.microsoft.com/office/drawing/2014/main" id="{B8EB8FD8-1A62-9C40-A2C1-F0141F2F74CE}"/>
+              </a:ext>
+            </a:extLst>
+          </p:cNvPr>
+          <p:cNvSpPr/>
+          <p:nvPr/>
+        </p:nvSpPr>
+        <p:spPr>
+          <a:xfrm>
+            <a:off x="3099236" y="4486242"/>
+            <a:ext cx="1645722" cy="328078"/>
+          </a:xfrm>
+          <a:prstGeom prst="roundRect">
+            <a:avLst/>
+          </a:prstGeom>
+          <a:solidFill>
+            <a:schemeClr val="accent6"/>
+          </a:solidFill>
+          <a:ln>
+            <a:noFill/>
+          </a:ln>
+        </p:spPr>
+        <p:style>
+          <a:lnRef idx="2">
+            <a:schemeClr val="accent1">
+              <a:shade val="50000"/>
+            </a:schemeClr>
+          </a:lnRef>
+          <a:fillRef idx="1">
+            <a:schemeClr val="accent1"/>
+          </a:fillRef>
+          <a:effectRef idx="0">
+            <a:schemeClr val="accent1"/>
+          </a:effectRef>
+          <a:fontRef idx="minor">
+            <a:schemeClr val="lt1"/>
+          </a:fontRef>
+        </p:style>
+        <p:txBody>
+          <a:bodyPr rtlCol="0" anchor="ctr"/>
+          <a:lstStyle/>
+          <a:p>
+            <a:pPr algn="ctr"/>
+            <a:r>
+              <a:rPr lang="en-US" dirty="0"/>
+              <a:t>US state</a:t>
+            </a:r>
+          </a:p>
+        </p:txBody>
+      </p:sp>
+      <p:sp>
+        <p:nvSpPr>
+          <p:cNvPr id="106" name="Rounded Rectangle 105">
+            <a:extLst>
+              <a:ext uri="{FF2B5EF4-FFF2-40B4-BE49-F238E27FC236}">
+                <a16:creationId xmlns:a16="http://schemas.microsoft.com/office/drawing/2014/main" id="{53C35133-77A1-C049-A13E-3D33B7505833}"/>
+              </a:ext>
+            </a:extLst>
+          </p:cNvPr>
+          <p:cNvSpPr/>
+          <p:nvPr/>
+        </p:nvSpPr>
+        <p:spPr>
+          <a:xfrm>
+            <a:off x="3099236" y="5369686"/>
+            <a:ext cx="1645722" cy="328078"/>
+          </a:xfrm>
+          <a:prstGeom prst="roundRect">
+            <a:avLst/>
+          </a:prstGeom>
+          <a:solidFill>
+            <a:schemeClr val="accent6"/>
+          </a:solidFill>
+          <a:ln>
+            <a:noFill/>
+          </a:ln>
+        </p:spPr>
+        <p:style>
+          <a:lnRef idx="2">
+            <a:schemeClr val="accent1">
+              <a:shade val="50000"/>
+            </a:schemeClr>
+          </a:lnRef>
+          <a:fillRef idx="1">
+            <a:schemeClr val="accent1"/>
+          </a:fillRef>
+          <a:effectRef idx="0">
+            <a:schemeClr val="accent1"/>
+          </a:effectRef>
+          <a:fontRef idx="minor">
+            <a:schemeClr val="lt1"/>
+          </a:fontRef>
+        </p:style>
+        <p:txBody>
+          <a:bodyPr rtlCol="0" anchor="ctr"/>
+          <a:lstStyle/>
+          <a:p>
+            <a:pPr algn="ctr"/>
+            <a:r>
+              <a:rPr lang="en-US" dirty="0"/>
+              <a:t>Latitude</a:t>
+            </a:r>
+          </a:p>
+        </p:txBody>
+      </p:sp>
+      <p:sp>
+        <p:nvSpPr>
+          <p:cNvPr id="122" name="Rectangle 121">
+            <a:extLst>
+              <a:ext uri="{FF2B5EF4-FFF2-40B4-BE49-F238E27FC236}">
+                <a16:creationId xmlns:a16="http://schemas.microsoft.com/office/drawing/2014/main" id="{A33C08F3-19E4-3046-8836-5454D456FB92}"/>
+              </a:ext>
+            </a:extLst>
+          </p:cNvPr>
+          <p:cNvSpPr/>
+          <p:nvPr/>
+        </p:nvSpPr>
+        <p:spPr>
+          <a:xfrm>
+            <a:off x="6189229" y="3098695"/>
+            <a:ext cx="1219212" cy="284227"/>
+          </a:xfrm>
+          <a:prstGeom prst="rect">
+            <a:avLst/>
+          </a:prstGeom>
+          <a:solidFill>
+            <a:schemeClr val="accent6"/>
+          </a:solidFill>
+          <a:ln>
+            <a:noFill/>
+          </a:ln>
+        </p:spPr>
+        <p:style>
+          <a:lnRef idx="2">
+            <a:schemeClr val="accent1">
+              <a:shade val="50000"/>
+            </a:schemeClr>
+          </a:lnRef>
+          <a:fillRef idx="1">
+            <a:schemeClr val="accent1"/>
+          </a:fillRef>
+          <a:effectRef idx="0">
+            <a:schemeClr val="accent1"/>
+          </a:effectRef>
+          <a:fontRef idx="minor">
+            <a:schemeClr val="lt1"/>
+          </a:fontRef>
+        </p:style>
+        <p:txBody>
+          <a:bodyPr rtlCol="0" anchor="ctr"/>
+          <a:lstStyle/>
+          <a:p>
+            <a:r>
+              <a:rPr lang="en-US" dirty="0"/>
+              <a:t>currency</a:t>
+            </a:r>
+          </a:p>
+        </p:txBody>
+      </p:sp>
+      <p:sp>
+        <p:nvSpPr>
+          <p:cNvPr id="130" name="Rectangle 129">
+            <a:extLst>
+              <a:ext uri="{FF2B5EF4-FFF2-40B4-BE49-F238E27FC236}">
+                <a16:creationId xmlns:a16="http://schemas.microsoft.com/office/drawing/2014/main" id="{2CFB67AC-3297-1A45-8AF0-907F8D2C46E2}"/>
+              </a:ext>
+            </a:extLst>
+          </p:cNvPr>
+          <p:cNvSpPr/>
+          <p:nvPr/>
+        </p:nvSpPr>
+        <p:spPr>
+          <a:xfrm>
+            <a:off x="6204774" y="2706037"/>
+            <a:ext cx="1773163" cy="326261"/>
+          </a:xfrm>
+          <a:prstGeom prst="rect">
+            <a:avLst/>
+          </a:prstGeom>
+          <a:solidFill>
+            <a:schemeClr val="accent6"/>
+          </a:solidFill>
+          <a:ln>
+            <a:noFill/>
+          </a:ln>
+        </p:spPr>
+        <p:style>
+          <a:lnRef idx="2">
+            <a:schemeClr val="accent1">
+              <a:shade val="50000"/>
+            </a:schemeClr>
+          </a:lnRef>
+          <a:fillRef idx="1">
+            <a:schemeClr val="accent1"/>
+          </a:fillRef>
+          <a:effectRef idx="0">
+            <a:schemeClr val="accent1"/>
+          </a:effectRef>
+          <a:fontRef idx="minor">
+            <a:schemeClr val="lt1"/>
+          </a:fontRef>
+        </p:style>
+        <p:txBody>
+          <a:bodyPr rtlCol="0" anchor="ctr"/>
+          <a:lstStyle/>
+          <a:p>
+            <a:r>
+              <a:rPr lang="en-US" dirty="0"/>
+              <a:t>phone country</a:t>
+            </a:r>
+          </a:p>
+        </p:txBody>
+      </p:sp>
+      <p:sp>
+        <p:nvSpPr>
+          <p:cNvPr id="140" name="Rectangle 139">
+            <a:extLst>
+              <a:ext uri="{FF2B5EF4-FFF2-40B4-BE49-F238E27FC236}">
+                <a16:creationId xmlns:a16="http://schemas.microsoft.com/office/drawing/2014/main" id="{CA14366D-3151-9F44-8910-91273CA8AFC9}"/>
+              </a:ext>
+            </a:extLst>
+          </p:cNvPr>
+          <p:cNvSpPr/>
+          <p:nvPr/>
+        </p:nvSpPr>
+        <p:spPr>
+          <a:xfrm>
+            <a:off x="6220030" y="2305347"/>
+            <a:ext cx="1773163" cy="326261"/>
+          </a:xfrm>
+          <a:prstGeom prst="rect">
+            <a:avLst/>
+          </a:prstGeom>
+          <a:solidFill>
+            <a:schemeClr val="accent6"/>
+          </a:solidFill>
+          <a:ln>
+            <a:noFill/>
+          </a:ln>
+        </p:spPr>
+        <p:style>
+          <a:lnRef idx="2">
+            <a:schemeClr val="accent1">
+              <a:shade val="50000"/>
+            </a:schemeClr>
+          </a:lnRef>
+          <a:fillRef idx="1">
+            <a:schemeClr val="accent1"/>
+          </a:fillRef>
+          <a:effectRef idx="0">
+            <a:schemeClr val="accent1"/>
+          </a:effectRef>
+          <a:fontRef idx="minor">
+            <a:schemeClr val="lt1"/>
+          </a:fontRef>
+        </p:style>
+        <p:txBody>
+          <a:bodyPr rtlCol="0" anchor="ctr"/>
+          <a:lstStyle/>
+          <a:p>
+            <a:r>
+              <a:rPr lang="en-US" dirty="0"/>
+              <a:t>population</a:t>
+            </a:r>
+          </a:p>
+        </p:txBody>
+      </p:sp>
+      <p:sp>
+        <p:nvSpPr>
+          <p:cNvPr id="143" name="Rectangle 142">
+            <a:extLst>
+              <a:ext uri="{FF2B5EF4-FFF2-40B4-BE49-F238E27FC236}">
+                <a16:creationId xmlns:a16="http://schemas.microsoft.com/office/drawing/2014/main" id="{2063FB2F-587D-F24C-83B5-0E019577235B}"/>
+              </a:ext>
+            </a:extLst>
+          </p:cNvPr>
+          <p:cNvSpPr/>
+          <p:nvPr/>
+        </p:nvSpPr>
+        <p:spPr>
+          <a:xfrm>
+            <a:off x="6238063" y="1929833"/>
+            <a:ext cx="1773163" cy="326261"/>
+          </a:xfrm>
+          <a:prstGeom prst="rect">
+            <a:avLst/>
+          </a:prstGeom>
+          <a:solidFill>
+            <a:schemeClr val="accent6"/>
+          </a:solidFill>
+          <a:ln>
+            <a:noFill/>
+          </a:ln>
+        </p:spPr>
+        <p:style>
+          <a:lnRef idx="2">
+            <a:schemeClr val="accent1">
+              <a:shade val="50000"/>
+            </a:schemeClr>
+          </a:lnRef>
+          <a:fillRef idx="1">
+            <a:schemeClr val="accent1"/>
+          </a:fillRef>
+          <a:effectRef idx="0">
+            <a:schemeClr val="accent1"/>
+          </a:effectRef>
+          <a:fontRef idx="minor">
+            <a:schemeClr val="lt1"/>
+          </a:fontRef>
+        </p:style>
+        <p:txBody>
+          <a:bodyPr rtlCol="0" anchor="ctr"/>
+          <a:lstStyle/>
+          <a:p>
+            <a:r>
+              <a:rPr lang="en-US" dirty="0"/>
+              <a:t>land km2</a:t>
+            </a:r>
+          </a:p>
+        </p:txBody>
+      </p:sp>
+      <p:sp>
+        <p:nvSpPr>
+          <p:cNvPr id="162" name="Rectangle 161">
+            <a:extLst>
+              <a:ext uri="{FF2B5EF4-FFF2-40B4-BE49-F238E27FC236}">
+                <a16:creationId xmlns:a16="http://schemas.microsoft.com/office/drawing/2014/main" id="{504C5715-03ED-8F41-96B1-BC2593091758}"/>
+              </a:ext>
+            </a:extLst>
+          </p:cNvPr>
+          <p:cNvSpPr/>
+          <p:nvPr/>
+        </p:nvSpPr>
+        <p:spPr>
+          <a:xfrm>
+            <a:off x="5933936" y="3244334"/>
+            <a:ext cx="324128" cy="369332"/>
+          </a:xfrm>
+          <a:prstGeom prst="rect">
+            <a:avLst/>
+          </a:prstGeom>
+        </p:spPr>
+        <p:txBody>
+          <a:bodyPr wrap="none">
+            <a:spAutoFit/>
+          </a:bodyPr>
+          <a:lstStyle/>
+          <a:p>
+            <a:r>
+              <a:rPr lang="en-US" dirty="0">
+                <a:solidFill>
+                  <a:srgbClr val="FFFFFF"/>
+                </a:solidFill>
+                <a:latin typeface="Menlo" panose="020B0609030804020204" pitchFamily="49" charset="0"/>
+              </a:rPr>
+              <a:t>)</a:t>
+            </a:r>
+            <a:endParaRPr lang="en-US" b="0" dirty="0">
+              <a:solidFill>
+                <a:srgbClr val="FFFFFF"/>
+              </a:solidFill>
+              <a:effectLst/>
+              <a:latin typeface="Menlo" panose="020B0609030804020204" pitchFamily="49" charset="0"/>
+            </a:endParaRPr>
+          </a:p>
+        </p:txBody>
+      </p:sp>
+      <p:sp>
+        <p:nvSpPr>
+          <p:cNvPr id="163" name="TextBox 162">
+            <a:extLst>
+              <a:ext uri="{FF2B5EF4-FFF2-40B4-BE49-F238E27FC236}">
+                <a16:creationId xmlns:a16="http://schemas.microsoft.com/office/drawing/2014/main" id="{17227141-9590-1841-B2B4-19D38AA871F2}"/>
+              </a:ext>
+            </a:extLst>
+          </p:cNvPr>
+          <p:cNvSpPr txBox="1"/>
+          <p:nvPr/>
+        </p:nvSpPr>
+        <p:spPr>
+          <a:xfrm>
+            <a:off x="7786045" y="4353793"/>
+            <a:ext cx="499560" cy="369332"/>
+          </a:xfrm>
+          <a:prstGeom prst="rect">
+            <a:avLst/>
+          </a:prstGeom>
+          <a:noFill/>
+        </p:spPr>
+        <p:txBody>
+          <a:bodyPr wrap="none" rtlCol="0">
+            <a:spAutoFit/>
+          </a:bodyPr>
+          <a:lstStyle/>
+          <a:p>
+            <a:r>
+              <a:rPr lang="en-US" dirty="0"/>
+              <a:t>key</a:t>
             </a:r>
           </a:p>
         </p:txBody>
@@ -7883,6 +6584,1842 @@
   <p:clrMapOvr>
     <a:masterClrMapping/>
   </p:clrMapOvr>
+  <p:timing>
+    <p:tnLst>
+      <p:par>
+        <p:cTn id="1" dur="indefinite" restart="never" nodeType="tmRoot">
+          <p:childTnLst>
+            <p:seq concurrent="1" nextAc="seek">
+              <p:cTn id="2" dur="indefinite" nodeType="mainSeq">
+                <p:childTnLst>
+                  <p:par>
+                    <p:cTn id="3" fill="hold">
+                      <p:stCondLst>
+                        <p:cond delay="indefinite"/>
+                      </p:stCondLst>
+                      <p:childTnLst>
+                        <p:par>
+                          <p:cTn id="4" fill="hold">
+                            <p:stCondLst>
+                              <p:cond delay="0"/>
+                            </p:stCondLst>
+                            <p:childTnLst>
+                              <p:par>
+                                <p:cTn id="5" presetID="1" presetClass="entr" presetSubtype="0" fill="hold" grpId="0" nodeType="clickEffect">
+                                  <p:stCondLst>
+                                    <p:cond delay="0"/>
+                                  </p:stCondLst>
+                                  <p:childTnLst>
+                                    <p:set>
+                                      <p:cBhvr>
+                                        <p:cTn id="6" dur="1" fill="hold">
+                                          <p:stCondLst>
+                                            <p:cond delay="0"/>
+                                          </p:stCondLst>
+                                        </p:cTn>
+                                        <p:tgtEl>
+                                          <p:spTgt spid="93"/>
+                                        </p:tgtEl>
+                                        <p:attrNameLst>
+                                          <p:attrName>style.visibility</p:attrName>
+                                        </p:attrNameLst>
+                                      </p:cBhvr>
+                                      <p:to>
+                                        <p:strVal val="visible"/>
+                                      </p:to>
+                                    </p:set>
+                                  </p:childTnLst>
+                                </p:cTn>
+                              </p:par>
+                              <p:par>
+                                <p:cTn id="7" presetID="1" presetClass="entr" presetSubtype="0" fill="hold" nodeType="withEffect">
+                                  <p:stCondLst>
+                                    <p:cond delay="0"/>
+                                  </p:stCondLst>
+                                  <p:childTnLst>
+                                    <p:set>
+                                      <p:cBhvr>
+                                        <p:cTn id="8" dur="1" fill="hold">
+                                          <p:stCondLst>
+                                            <p:cond delay="0"/>
+                                          </p:stCondLst>
+                                        </p:cTn>
+                                        <p:tgtEl>
+                                          <p:spTgt spid="65"/>
+                                        </p:tgtEl>
+                                        <p:attrNameLst>
+                                          <p:attrName>style.visibility</p:attrName>
+                                        </p:attrNameLst>
+                                      </p:cBhvr>
+                                      <p:to>
+                                        <p:strVal val="visible"/>
+                                      </p:to>
+                                    </p:set>
+                                  </p:childTnLst>
+                                </p:cTn>
+                              </p:par>
+                              <p:par>
+                                <p:cTn id="9" presetID="1" presetClass="entr" presetSubtype="0" fill="hold" grpId="0" nodeType="withEffect">
+                                  <p:stCondLst>
+                                    <p:cond delay="0"/>
+                                  </p:stCondLst>
+                                  <p:childTnLst>
+                                    <p:set>
+                                      <p:cBhvr>
+                                        <p:cTn id="10" dur="1" fill="hold">
+                                          <p:stCondLst>
+                                            <p:cond delay="0"/>
+                                          </p:stCondLst>
+                                        </p:cTn>
+                                        <p:tgtEl>
+                                          <p:spTgt spid="34"/>
+                                        </p:tgtEl>
+                                        <p:attrNameLst>
+                                          <p:attrName>style.visibility</p:attrName>
+                                        </p:attrNameLst>
+                                      </p:cBhvr>
+                                      <p:to>
+                                        <p:strVal val="visible"/>
+                                      </p:to>
+                                    </p:set>
+                                  </p:childTnLst>
+                                </p:cTn>
+                              </p:par>
+                            </p:childTnLst>
+                          </p:cTn>
+                        </p:par>
+                      </p:childTnLst>
+                    </p:cTn>
+                  </p:par>
+                  <p:par>
+                    <p:cTn id="11" fill="hold">
+                      <p:stCondLst>
+                        <p:cond delay="indefinite"/>
+                      </p:stCondLst>
+                      <p:childTnLst>
+                        <p:par>
+                          <p:cTn id="12" fill="hold">
+                            <p:stCondLst>
+                              <p:cond delay="0"/>
+                            </p:stCondLst>
+                            <p:childTnLst>
+                              <p:par>
+                                <p:cTn id="13" presetID="1" presetClass="entr" presetSubtype="0" fill="hold" grpId="0" nodeType="clickEffect">
+                                  <p:stCondLst>
+                                    <p:cond delay="0"/>
+                                  </p:stCondLst>
+                                  <p:childTnLst>
+                                    <p:set>
+                                      <p:cBhvr>
+                                        <p:cTn id="14" dur="1" fill="hold">
+                                          <p:stCondLst>
+                                            <p:cond delay="0"/>
+                                          </p:stCondLst>
+                                        </p:cTn>
+                                        <p:tgtEl>
+                                          <p:spTgt spid="28"/>
+                                        </p:tgtEl>
+                                        <p:attrNameLst>
+                                          <p:attrName>style.visibility</p:attrName>
+                                        </p:attrNameLst>
+                                      </p:cBhvr>
+                                      <p:to>
+                                        <p:strVal val="visible"/>
+                                      </p:to>
+                                    </p:set>
+                                  </p:childTnLst>
+                                </p:cTn>
+                              </p:par>
+                              <p:par>
+                                <p:cTn id="15" presetID="1" presetClass="entr" presetSubtype="0" fill="hold" grpId="0" nodeType="withEffect">
+                                  <p:stCondLst>
+                                    <p:cond delay="0"/>
+                                  </p:stCondLst>
+                                  <p:childTnLst>
+                                    <p:set>
+                                      <p:cBhvr>
+                                        <p:cTn id="16" dur="1" fill="hold">
+                                          <p:stCondLst>
+                                            <p:cond delay="0"/>
+                                          </p:stCondLst>
+                                        </p:cTn>
+                                        <p:tgtEl>
+                                          <p:spTgt spid="7"/>
+                                        </p:tgtEl>
+                                        <p:attrNameLst>
+                                          <p:attrName>style.visibility</p:attrName>
+                                        </p:attrNameLst>
+                                      </p:cBhvr>
+                                      <p:to>
+                                        <p:strVal val="visible"/>
+                                      </p:to>
+                                    </p:set>
+                                  </p:childTnLst>
+                                </p:cTn>
+                              </p:par>
+                              <p:par>
+                                <p:cTn id="17" presetID="1" presetClass="entr" presetSubtype="0" fill="hold" nodeType="withEffect">
+                                  <p:stCondLst>
+                                    <p:cond delay="0"/>
+                                  </p:stCondLst>
+                                  <p:childTnLst>
+                                    <p:set>
+                                      <p:cBhvr>
+                                        <p:cTn id="18" dur="1" fill="hold">
+                                          <p:stCondLst>
+                                            <p:cond delay="0"/>
+                                          </p:stCondLst>
+                                        </p:cTn>
+                                        <p:tgtEl>
+                                          <p:spTgt spid="66"/>
+                                        </p:tgtEl>
+                                        <p:attrNameLst>
+                                          <p:attrName>style.visibility</p:attrName>
+                                        </p:attrNameLst>
+                                      </p:cBhvr>
+                                      <p:to>
+                                        <p:strVal val="visible"/>
+                                      </p:to>
+                                    </p:set>
+                                  </p:childTnLst>
+                                </p:cTn>
+                              </p:par>
+                            </p:childTnLst>
+                          </p:cTn>
+                        </p:par>
+                      </p:childTnLst>
+                    </p:cTn>
+                  </p:par>
+                  <p:par>
+                    <p:cTn id="19" fill="hold">
+                      <p:stCondLst>
+                        <p:cond delay="indefinite"/>
+                      </p:stCondLst>
+                      <p:childTnLst>
+                        <p:par>
+                          <p:cTn id="20" fill="hold">
+                            <p:stCondLst>
+                              <p:cond delay="0"/>
+                            </p:stCondLst>
+                            <p:childTnLst>
+                              <p:par>
+                                <p:cTn id="21" presetID="1" presetClass="entr" presetSubtype="0" fill="hold" grpId="0" nodeType="clickEffect">
+                                  <p:stCondLst>
+                                    <p:cond delay="0"/>
+                                  </p:stCondLst>
+                                  <p:childTnLst>
+                                    <p:set>
+                                      <p:cBhvr>
+                                        <p:cTn id="22" dur="1" fill="hold">
+                                          <p:stCondLst>
+                                            <p:cond delay="0"/>
+                                          </p:stCondLst>
+                                        </p:cTn>
+                                        <p:tgtEl>
+                                          <p:spTgt spid="52"/>
+                                        </p:tgtEl>
+                                        <p:attrNameLst>
+                                          <p:attrName>style.visibility</p:attrName>
+                                        </p:attrNameLst>
+                                      </p:cBhvr>
+                                      <p:to>
+                                        <p:strVal val="visible"/>
+                                      </p:to>
+                                    </p:set>
+                                  </p:childTnLst>
+                                </p:cTn>
+                              </p:par>
+                            </p:childTnLst>
+                          </p:cTn>
+                        </p:par>
+                      </p:childTnLst>
+                    </p:cTn>
+                  </p:par>
+                  <p:par>
+                    <p:cTn id="23" fill="hold">
+                      <p:stCondLst>
+                        <p:cond delay="indefinite"/>
+                      </p:stCondLst>
+                      <p:childTnLst>
+                        <p:par>
+                          <p:cTn id="24" fill="hold">
+                            <p:stCondLst>
+                              <p:cond delay="0"/>
+                            </p:stCondLst>
+                            <p:childTnLst>
+                              <p:par>
+                                <p:cTn id="25" presetID="1" presetClass="entr" presetSubtype="0" fill="hold" grpId="0" nodeType="clickEffect">
+                                  <p:stCondLst>
+                                    <p:cond delay="0"/>
+                                  </p:stCondLst>
+                                  <p:childTnLst>
+                                    <p:set>
+                                      <p:cBhvr>
+                                        <p:cTn id="26" dur="1" fill="hold">
+                                          <p:stCondLst>
+                                            <p:cond delay="0"/>
+                                          </p:stCondLst>
+                                        </p:cTn>
+                                        <p:tgtEl>
+                                          <p:spTgt spid="51"/>
+                                        </p:tgtEl>
+                                        <p:attrNameLst>
+                                          <p:attrName>style.visibility</p:attrName>
+                                        </p:attrNameLst>
+                                      </p:cBhvr>
+                                      <p:to>
+                                        <p:strVal val="visible"/>
+                                      </p:to>
+                                    </p:set>
+                                  </p:childTnLst>
+                                </p:cTn>
+                              </p:par>
+                              <p:par>
+                                <p:cTn id="27" presetID="1" presetClass="entr" presetSubtype="0" fill="hold" nodeType="withEffect">
+                                  <p:stCondLst>
+                                    <p:cond delay="0"/>
+                                  </p:stCondLst>
+                                  <p:childTnLst>
+                                    <p:set>
+                                      <p:cBhvr>
+                                        <p:cTn id="28" dur="1" fill="hold">
+                                          <p:stCondLst>
+                                            <p:cond delay="0"/>
+                                          </p:stCondLst>
+                                        </p:cTn>
+                                        <p:tgtEl>
+                                          <p:spTgt spid="56"/>
+                                        </p:tgtEl>
+                                        <p:attrNameLst>
+                                          <p:attrName>style.visibility</p:attrName>
+                                        </p:attrNameLst>
+                                      </p:cBhvr>
+                                      <p:to>
+                                        <p:strVal val="visible"/>
+                                      </p:to>
+                                    </p:set>
+                                  </p:childTnLst>
+                                </p:cTn>
+                              </p:par>
+                              <p:par>
+                                <p:cTn id="29" presetID="1" presetClass="entr" presetSubtype="0" fill="hold" grpId="0" nodeType="withEffect">
+                                  <p:stCondLst>
+                                    <p:cond delay="0"/>
+                                  </p:stCondLst>
+                                  <p:childTnLst>
+                                    <p:set>
+                                      <p:cBhvr>
+                                        <p:cTn id="30" dur="1" fill="hold">
+                                          <p:stCondLst>
+                                            <p:cond delay="0"/>
+                                          </p:stCondLst>
+                                        </p:cTn>
+                                        <p:tgtEl>
+                                          <p:spTgt spid="59"/>
+                                        </p:tgtEl>
+                                        <p:attrNameLst>
+                                          <p:attrName>style.visibility</p:attrName>
+                                        </p:attrNameLst>
+                                      </p:cBhvr>
+                                      <p:to>
+                                        <p:strVal val="visible"/>
+                                      </p:to>
+                                    </p:set>
+                                  </p:childTnLst>
+                                </p:cTn>
+                              </p:par>
+                            </p:childTnLst>
+                          </p:cTn>
+                        </p:par>
+                      </p:childTnLst>
+                    </p:cTn>
+                  </p:par>
+                  <p:par>
+                    <p:cTn id="31" fill="hold">
+                      <p:stCondLst>
+                        <p:cond delay="indefinite"/>
+                      </p:stCondLst>
+                      <p:childTnLst>
+                        <p:par>
+                          <p:cTn id="32" fill="hold">
+                            <p:stCondLst>
+                              <p:cond delay="0"/>
+                            </p:stCondLst>
+                            <p:childTnLst>
+                              <p:par>
+                                <p:cTn id="33" presetID="1" presetClass="entr" presetSubtype="0" fill="hold" grpId="0" nodeType="clickEffect">
+                                  <p:stCondLst>
+                                    <p:cond delay="0"/>
+                                  </p:stCondLst>
+                                  <p:childTnLst>
+                                    <p:set>
+                                      <p:cBhvr>
+                                        <p:cTn id="34" dur="1" fill="hold">
+                                          <p:stCondLst>
+                                            <p:cond delay="0"/>
+                                          </p:stCondLst>
+                                        </p:cTn>
+                                        <p:tgtEl>
+                                          <p:spTgt spid="73"/>
+                                        </p:tgtEl>
+                                        <p:attrNameLst>
+                                          <p:attrName>style.visibility</p:attrName>
+                                        </p:attrNameLst>
+                                      </p:cBhvr>
+                                      <p:to>
+                                        <p:strVal val="visible"/>
+                                      </p:to>
+                                    </p:set>
+                                  </p:childTnLst>
+                                </p:cTn>
+                              </p:par>
+                              <p:par>
+                                <p:cTn id="35" presetID="1" presetClass="entr" presetSubtype="0" fill="hold" grpId="0" nodeType="withEffect">
+                                  <p:stCondLst>
+                                    <p:cond delay="0"/>
+                                  </p:stCondLst>
+                                  <p:childTnLst>
+                                    <p:set>
+                                      <p:cBhvr>
+                                        <p:cTn id="36" dur="1" fill="hold">
+                                          <p:stCondLst>
+                                            <p:cond delay="0"/>
+                                          </p:stCondLst>
+                                        </p:cTn>
+                                        <p:tgtEl>
+                                          <p:spTgt spid="134"/>
+                                        </p:tgtEl>
+                                        <p:attrNameLst>
+                                          <p:attrName>style.visibility</p:attrName>
+                                        </p:attrNameLst>
+                                      </p:cBhvr>
+                                      <p:to>
+                                        <p:strVal val="visible"/>
+                                      </p:to>
+                                    </p:set>
+                                  </p:childTnLst>
+                                </p:cTn>
+                              </p:par>
+                              <p:par>
+                                <p:cTn id="37" presetID="1" presetClass="entr" presetSubtype="0" fill="hold" nodeType="withEffect">
+                                  <p:stCondLst>
+                                    <p:cond delay="0"/>
+                                  </p:stCondLst>
+                                  <p:childTnLst>
+                                    <p:set>
+                                      <p:cBhvr>
+                                        <p:cTn id="38" dur="1" fill="hold">
+                                          <p:stCondLst>
+                                            <p:cond delay="0"/>
+                                          </p:stCondLst>
+                                        </p:cTn>
+                                        <p:tgtEl>
+                                          <p:spTgt spid="103"/>
+                                        </p:tgtEl>
+                                        <p:attrNameLst>
+                                          <p:attrName>style.visibility</p:attrName>
+                                        </p:attrNameLst>
+                                      </p:cBhvr>
+                                      <p:to>
+                                        <p:strVal val="visible"/>
+                                      </p:to>
+                                    </p:set>
+                                  </p:childTnLst>
+                                </p:cTn>
+                              </p:par>
+                              <p:par>
+                                <p:cTn id="39" presetID="1" presetClass="entr" presetSubtype="0" fill="hold" nodeType="withEffect">
+                                  <p:stCondLst>
+                                    <p:cond delay="0"/>
+                                  </p:stCondLst>
+                                  <p:childTnLst>
+                                    <p:set>
+                                      <p:cBhvr>
+                                        <p:cTn id="40" dur="1" fill="hold">
+                                          <p:stCondLst>
+                                            <p:cond delay="0"/>
+                                          </p:stCondLst>
+                                        </p:cTn>
+                                        <p:tgtEl>
+                                          <p:spTgt spid="100"/>
+                                        </p:tgtEl>
+                                        <p:attrNameLst>
+                                          <p:attrName>style.visibility</p:attrName>
+                                        </p:attrNameLst>
+                                      </p:cBhvr>
+                                      <p:to>
+                                        <p:strVal val="visible"/>
+                                      </p:to>
+                                    </p:set>
+                                  </p:childTnLst>
+                                </p:cTn>
+                              </p:par>
+                            </p:childTnLst>
+                          </p:cTn>
+                        </p:par>
+                      </p:childTnLst>
+                    </p:cTn>
+                  </p:par>
+                  <p:par>
+                    <p:cTn id="41" fill="hold">
+                      <p:stCondLst>
+                        <p:cond delay="indefinite"/>
+                      </p:stCondLst>
+                      <p:childTnLst>
+                        <p:par>
+                          <p:cTn id="42" fill="hold">
+                            <p:stCondLst>
+                              <p:cond delay="0"/>
+                            </p:stCondLst>
+                            <p:childTnLst>
+                              <p:par>
+                                <p:cTn id="43" presetID="1" presetClass="entr" presetSubtype="0" fill="hold" grpId="0" nodeType="clickEffect">
+                                  <p:stCondLst>
+                                    <p:cond delay="0"/>
+                                  </p:stCondLst>
+                                  <p:childTnLst>
+                                    <p:set>
+                                      <p:cBhvr>
+                                        <p:cTn id="44" dur="1" fill="hold">
+                                          <p:stCondLst>
+                                            <p:cond delay="0"/>
+                                          </p:stCondLst>
+                                        </p:cTn>
+                                        <p:tgtEl>
+                                          <p:spTgt spid="114"/>
+                                        </p:tgtEl>
+                                        <p:attrNameLst>
+                                          <p:attrName>style.visibility</p:attrName>
+                                        </p:attrNameLst>
+                                      </p:cBhvr>
+                                      <p:to>
+                                        <p:strVal val="visible"/>
+                                      </p:to>
+                                    </p:set>
+                                  </p:childTnLst>
+                                </p:cTn>
+                              </p:par>
+                              <p:par>
+                                <p:cTn id="45" presetID="1" presetClass="entr" presetSubtype="0" fill="hold" grpId="0" nodeType="withEffect">
+                                  <p:stCondLst>
+                                    <p:cond delay="0"/>
+                                  </p:stCondLst>
+                                  <p:childTnLst>
+                                    <p:set>
+                                      <p:cBhvr>
+                                        <p:cTn id="46" dur="1" fill="hold">
+                                          <p:stCondLst>
+                                            <p:cond delay="0"/>
+                                          </p:stCondLst>
+                                        </p:cTn>
+                                        <p:tgtEl>
+                                          <p:spTgt spid="133"/>
+                                        </p:tgtEl>
+                                        <p:attrNameLst>
+                                          <p:attrName>style.visibility</p:attrName>
+                                        </p:attrNameLst>
+                                      </p:cBhvr>
+                                      <p:to>
+                                        <p:strVal val="visible"/>
+                                      </p:to>
+                                    </p:set>
+                                  </p:childTnLst>
+                                </p:cTn>
+                              </p:par>
+                              <p:par>
+                                <p:cTn id="47" presetID="1" presetClass="entr" presetSubtype="0" fill="hold" nodeType="withEffect">
+                                  <p:stCondLst>
+                                    <p:cond delay="0"/>
+                                  </p:stCondLst>
+                                  <p:childTnLst>
+                                    <p:set>
+                                      <p:cBhvr>
+                                        <p:cTn id="48" dur="1" fill="hold">
+                                          <p:stCondLst>
+                                            <p:cond delay="0"/>
+                                          </p:stCondLst>
+                                        </p:cTn>
+                                        <p:tgtEl>
+                                          <p:spTgt spid="117"/>
+                                        </p:tgtEl>
+                                        <p:attrNameLst>
+                                          <p:attrName>style.visibility</p:attrName>
+                                        </p:attrNameLst>
+                                      </p:cBhvr>
+                                      <p:to>
+                                        <p:strVal val="visible"/>
+                                      </p:to>
+                                    </p:set>
+                                  </p:childTnLst>
+                                </p:cTn>
+                              </p:par>
+                              <p:par>
+                                <p:cTn id="49" presetID="1" presetClass="entr" presetSubtype="0" fill="hold" nodeType="withEffect">
+                                  <p:stCondLst>
+                                    <p:cond delay="0"/>
+                                  </p:stCondLst>
+                                  <p:childTnLst>
+                                    <p:set>
+                                      <p:cBhvr>
+                                        <p:cTn id="50" dur="1" fill="hold">
+                                          <p:stCondLst>
+                                            <p:cond delay="0"/>
+                                          </p:stCondLst>
+                                        </p:cTn>
+                                        <p:tgtEl>
+                                          <p:spTgt spid="116"/>
+                                        </p:tgtEl>
+                                        <p:attrNameLst>
+                                          <p:attrName>style.visibility</p:attrName>
+                                        </p:attrNameLst>
+                                      </p:cBhvr>
+                                      <p:to>
+                                        <p:strVal val="visible"/>
+                                      </p:to>
+                                    </p:set>
+                                  </p:childTnLst>
+                                </p:cTn>
+                              </p:par>
+                            </p:childTnLst>
+                          </p:cTn>
+                        </p:par>
+                      </p:childTnLst>
+                    </p:cTn>
+                  </p:par>
+                  <p:par>
+                    <p:cTn id="51" fill="hold">
+                      <p:stCondLst>
+                        <p:cond delay="indefinite"/>
+                      </p:stCondLst>
+                      <p:childTnLst>
+                        <p:par>
+                          <p:cTn id="52" fill="hold">
+                            <p:stCondLst>
+                              <p:cond delay="0"/>
+                            </p:stCondLst>
+                            <p:childTnLst>
+                              <p:par>
+                                <p:cTn id="53" presetID="1" presetClass="entr" presetSubtype="0" fill="hold" grpId="0" nodeType="clickEffect">
+                                  <p:stCondLst>
+                                    <p:cond delay="0"/>
+                                  </p:stCondLst>
+                                  <p:childTnLst>
+                                    <p:set>
+                                      <p:cBhvr>
+                                        <p:cTn id="54" dur="1" fill="hold">
+                                          <p:stCondLst>
+                                            <p:cond delay="0"/>
+                                          </p:stCondLst>
+                                        </p:cTn>
+                                        <p:tgtEl>
+                                          <p:spTgt spid="12"/>
+                                        </p:tgtEl>
+                                        <p:attrNameLst>
+                                          <p:attrName>style.visibility</p:attrName>
+                                        </p:attrNameLst>
+                                      </p:cBhvr>
+                                      <p:to>
+                                        <p:strVal val="visible"/>
+                                      </p:to>
+                                    </p:set>
+                                  </p:childTnLst>
+                                </p:cTn>
+                              </p:par>
+                              <p:par>
+                                <p:cTn id="55" presetID="1" presetClass="entr" presetSubtype="0" fill="hold" nodeType="withEffect">
+                                  <p:stCondLst>
+                                    <p:cond delay="0"/>
+                                  </p:stCondLst>
+                                  <p:childTnLst>
+                                    <p:set>
+                                      <p:cBhvr>
+                                        <p:cTn id="56" dur="1" fill="hold">
+                                          <p:stCondLst>
+                                            <p:cond delay="0"/>
+                                          </p:stCondLst>
+                                        </p:cTn>
+                                        <p:tgtEl>
+                                          <p:spTgt spid="16"/>
+                                        </p:tgtEl>
+                                        <p:attrNameLst>
+                                          <p:attrName>style.visibility</p:attrName>
+                                        </p:attrNameLst>
+                                      </p:cBhvr>
+                                      <p:to>
+                                        <p:strVal val="visible"/>
+                                      </p:to>
+                                    </p:set>
+                                  </p:childTnLst>
+                                </p:cTn>
+                              </p:par>
+                            </p:childTnLst>
+                          </p:cTn>
+                        </p:par>
+                      </p:childTnLst>
+                    </p:cTn>
+                  </p:par>
+                  <p:par>
+                    <p:cTn id="57" fill="hold">
+                      <p:stCondLst>
+                        <p:cond delay="indefinite"/>
+                      </p:stCondLst>
+                      <p:childTnLst>
+                        <p:par>
+                          <p:cTn id="58" fill="hold">
+                            <p:stCondLst>
+                              <p:cond delay="0"/>
+                            </p:stCondLst>
+                            <p:childTnLst>
+                              <p:par>
+                                <p:cTn id="59" presetID="1" presetClass="entr" presetSubtype="0" fill="hold" grpId="0" nodeType="clickEffect">
+                                  <p:stCondLst>
+                                    <p:cond delay="0"/>
+                                  </p:stCondLst>
+                                  <p:childTnLst>
+                                    <p:set>
+                                      <p:cBhvr>
+                                        <p:cTn id="60" dur="1" fill="hold">
+                                          <p:stCondLst>
+                                            <p:cond delay="0"/>
+                                          </p:stCondLst>
+                                        </p:cTn>
+                                        <p:tgtEl>
+                                          <p:spTgt spid="99"/>
+                                        </p:tgtEl>
+                                        <p:attrNameLst>
+                                          <p:attrName>style.visibility</p:attrName>
+                                        </p:attrNameLst>
+                                      </p:cBhvr>
+                                      <p:to>
+                                        <p:strVal val="visible"/>
+                                      </p:to>
+                                    </p:set>
+                                  </p:childTnLst>
+                                </p:cTn>
+                              </p:par>
+                              <p:par>
+                                <p:cTn id="61" presetID="1" presetClass="entr" presetSubtype="0" fill="hold" nodeType="withEffect">
+                                  <p:stCondLst>
+                                    <p:cond delay="0"/>
+                                  </p:stCondLst>
+                                  <p:childTnLst>
+                                    <p:set>
+                                      <p:cBhvr>
+                                        <p:cTn id="62" dur="1" fill="hold">
+                                          <p:stCondLst>
+                                            <p:cond delay="0"/>
+                                          </p:stCondLst>
+                                        </p:cTn>
+                                        <p:tgtEl>
+                                          <p:spTgt spid="92"/>
+                                        </p:tgtEl>
+                                        <p:attrNameLst>
+                                          <p:attrName>style.visibility</p:attrName>
+                                        </p:attrNameLst>
+                                      </p:cBhvr>
+                                      <p:to>
+                                        <p:strVal val="visible"/>
+                                      </p:to>
+                                    </p:set>
+                                  </p:childTnLst>
+                                </p:cTn>
+                              </p:par>
+                            </p:childTnLst>
+                          </p:cTn>
+                        </p:par>
+                      </p:childTnLst>
+                    </p:cTn>
+                  </p:par>
+                  <p:par>
+                    <p:cTn id="63" fill="hold">
+                      <p:stCondLst>
+                        <p:cond delay="indefinite"/>
+                      </p:stCondLst>
+                      <p:childTnLst>
+                        <p:par>
+                          <p:cTn id="64" fill="hold">
+                            <p:stCondLst>
+                              <p:cond delay="0"/>
+                            </p:stCondLst>
+                            <p:childTnLst>
+                              <p:par>
+                                <p:cTn id="65" presetID="1" presetClass="entr" presetSubtype="0" fill="hold" grpId="0" nodeType="clickEffect">
+                                  <p:stCondLst>
+                                    <p:cond delay="0"/>
+                                  </p:stCondLst>
+                                  <p:childTnLst>
+                                    <p:set>
+                                      <p:cBhvr>
+                                        <p:cTn id="66" dur="1" fill="hold">
+                                          <p:stCondLst>
+                                            <p:cond delay="0"/>
+                                          </p:stCondLst>
+                                        </p:cTn>
+                                        <p:tgtEl>
+                                          <p:spTgt spid="146"/>
+                                        </p:tgtEl>
+                                        <p:attrNameLst>
+                                          <p:attrName>style.visibility</p:attrName>
+                                        </p:attrNameLst>
+                                      </p:cBhvr>
+                                      <p:to>
+                                        <p:strVal val="visible"/>
+                                      </p:to>
+                                    </p:set>
+                                  </p:childTnLst>
+                                </p:cTn>
+                              </p:par>
+                              <p:par>
+                                <p:cTn id="67" presetID="1" presetClass="entr" presetSubtype="0" fill="hold" grpId="0" nodeType="withEffect">
+                                  <p:stCondLst>
+                                    <p:cond delay="0"/>
+                                  </p:stCondLst>
+                                  <p:childTnLst>
+                                    <p:set>
+                                      <p:cBhvr>
+                                        <p:cTn id="68" dur="1" fill="hold">
+                                          <p:stCondLst>
+                                            <p:cond delay="0"/>
+                                          </p:stCondLst>
+                                        </p:cTn>
+                                        <p:tgtEl>
+                                          <p:spTgt spid="9"/>
+                                        </p:tgtEl>
+                                        <p:attrNameLst>
+                                          <p:attrName>style.visibility</p:attrName>
+                                        </p:attrNameLst>
+                                      </p:cBhvr>
+                                      <p:to>
+                                        <p:strVal val="visible"/>
+                                      </p:to>
+                                    </p:set>
+                                  </p:childTnLst>
+                                </p:cTn>
+                              </p:par>
+                              <p:par>
+                                <p:cTn id="69" presetID="1" presetClass="entr" presetSubtype="0" fill="hold" nodeType="withEffect">
+                                  <p:stCondLst>
+                                    <p:cond delay="0"/>
+                                  </p:stCondLst>
+                                  <p:childTnLst>
+                                    <p:set>
+                                      <p:cBhvr>
+                                        <p:cTn id="70" dur="1" fill="hold">
+                                          <p:stCondLst>
+                                            <p:cond delay="0"/>
+                                          </p:stCondLst>
+                                        </p:cTn>
+                                        <p:tgtEl>
+                                          <p:spTgt spid="102"/>
+                                        </p:tgtEl>
+                                        <p:attrNameLst>
+                                          <p:attrName>style.visibility</p:attrName>
+                                        </p:attrNameLst>
+                                      </p:cBhvr>
+                                      <p:to>
+                                        <p:strVal val="visible"/>
+                                      </p:to>
+                                    </p:set>
+                                  </p:childTnLst>
+                                </p:cTn>
+                              </p:par>
+                            </p:childTnLst>
+                          </p:cTn>
+                        </p:par>
+                      </p:childTnLst>
+                    </p:cTn>
+                  </p:par>
+                  <p:par>
+                    <p:cTn id="71" fill="hold">
+                      <p:stCondLst>
+                        <p:cond delay="indefinite"/>
+                      </p:stCondLst>
+                      <p:childTnLst>
+                        <p:par>
+                          <p:cTn id="72" fill="hold">
+                            <p:stCondLst>
+                              <p:cond delay="0"/>
+                            </p:stCondLst>
+                            <p:childTnLst>
+                              <p:par>
+                                <p:cTn id="73" presetID="1" presetClass="entr" presetSubtype="0" fill="hold" grpId="0" nodeType="clickEffect">
+                                  <p:stCondLst>
+                                    <p:cond delay="0"/>
+                                  </p:stCondLst>
+                                  <p:childTnLst>
+                                    <p:set>
+                                      <p:cBhvr>
+                                        <p:cTn id="74" dur="1" fill="hold">
+                                          <p:stCondLst>
+                                            <p:cond delay="0"/>
+                                          </p:stCondLst>
+                                        </p:cTn>
+                                        <p:tgtEl>
+                                          <p:spTgt spid="82"/>
+                                        </p:tgtEl>
+                                        <p:attrNameLst>
+                                          <p:attrName>style.visibility</p:attrName>
+                                        </p:attrNameLst>
+                                      </p:cBhvr>
+                                      <p:to>
+                                        <p:strVal val="visible"/>
+                                      </p:to>
+                                    </p:set>
+                                  </p:childTnLst>
+                                </p:cTn>
+                              </p:par>
+                              <p:par>
+                                <p:cTn id="75" presetID="1" presetClass="entr" presetSubtype="0" fill="hold" grpId="0" nodeType="withEffect">
+                                  <p:stCondLst>
+                                    <p:cond delay="0"/>
+                                  </p:stCondLst>
+                                  <p:childTnLst>
+                                    <p:set>
+                                      <p:cBhvr>
+                                        <p:cTn id="76" dur="1" fill="hold">
+                                          <p:stCondLst>
+                                            <p:cond delay="0"/>
+                                          </p:stCondLst>
+                                        </p:cTn>
+                                        <p:tgtEl>
+                                          <p:spTgt spid="49"/>
+                                        </p:tgtEl>
+                                        <p:attrNameLst>
+                                          <p:attrName>style.visibility</p:attrName>
+                                        </p:attrNameLst>
+                                      </p:cBhvr>
+                                      <p:to>
+                                        <p:strVal val="visible"/>
+                                      </p:to>
+                                    </p:set>
+                                  </p:childTnLst>
+                                </p:cTn>
+                              </p:par>
+                              <p:par>
+                                <p:cTn id="77" presetID="1" presetClass="entr" presetSubtype="0" fill="hold" nodeType="withEffect">
+                                  <p:stCondLst>
+                                    <p:cond delay="0"/>
+                                  </p:stCondLst>
+                                  <p:childTnLst>
+                                    <p:set>
+                                      <p:cBhvr>
+                                        <p:cTn id="78" dur="1" fill="hold">
+                                          <p:stCondLst>
+                                            <p:cond delay="0"/>
+                                          </p:stCondLst>
+                                        </p:cTn>
+                                        <p:tgtEl>
+                                          <p:spTgt spid="94"/>
+                                        </p:tgtEl>
+                                        <p:attrNameLst>
+                                          <p:attrName>style.visibility</p:attrName>
+                                        </p:attrNameLst>
+                                      </p:cBhvr>
+                                      <p:to>
+                                        <p:strVal val="visible"/>
+                                      </p:to>
+                                    </p:set>
+                                  </p:childTnLst>
+                                </p:cTn>
+                              </p:par>
+                            </p:childTnLst>
+                          </p:cTn>
+                        </p:par>
+                      </p:childTnLst>
+                    </p:cTn>
+                  </p:par>
+                  <p:par>
+                    <p:cTn id="79" fill="hold">
+                      <p:stCondLst>
+                        <p:cond delay="indefinite"/>
+                      </p:stCondLst>
+                      <p:childTnLst>
+                        <p:par>
+                          <p:cTn id="80" fill="hold">
+                            <p:stCondLst>
+                              <p:cond delay="0"/>
+                            </p:stCondLst>
+                            <p:childTnLst>
+                              <p:par>
+                                <p:cTn id="81" presetID="1" presetClass="entr" presetSubtype="0" fill="hold" grpId="0" nodeType="clickEffect">
+                                  <p:stCondLst>
+                                    <p:cond delay="0"/>
+                                  </p:stCondLst>
+                                  <p:childTnLst>
+                                    <p:set>
+                                      <p:cBhvr>
+                                        <p:cTn id="82" dur="1" fill="hold">
+                                          <p:stCondLst>
+                                            <p:cond delay="0"/>
+                                          </p:stCondLst>
+                                        </p:cTn>
+                                        <p:tgtEl>
+                                          <p:spTgt spid="163"/>
+                                        </p:tgtEl>
+                                        <p:attrNameLst>
+                                          <p:attrName>style.visibility</p:attrName>
+                                        </p:attrNameLst>
+                                      </p:cBhvr>
+                                      <p:to>
+                                        <p:strVal val="visible"/>
+                                      </p:to>
+                                    </p:set>
+                                  </p:childTnLst>
+                                </p:cTn>
+                              </p:par>
+                            </p:childTnLst>
+                          </p:cTn>
+                        </p:par>
+                      </p:childTnLst>
+                    </p:cTn>
+                  </p:par>
+                  <p:par>
+                    <p:cTn id="83" fill="hold">
+                      <p:stCondLst>
+                        <p:cond delay="indefinite"/>
+                      </p:stCondLst>
+                      <p:childTnLst>
+                        <p:par>
+                          <p:cTn id="84" fill="hold">
+                            <p:stCondLst>
+                              <p:cond delay="0"/>
+                            </p:stCondLst>
+                            <p:childTnLst>
+                              <p:par>
+                                <p:cTn id="85" presetID="1" presetClass="entr" presetSubtype="0" fill="hold" nodeType="clickEffect">
+                                  <p:stCondLst>
+                                    <p:cond delay="0"/>
+                                  </p:stCondLst>
+                                  <p:childTnLst>
+                                    <p:set>
+                                      <p:cBhvr>
+                                        <p:cTn id="86" dur="1" fill="hold">
+                                          <p:stCondLst>
+                                            <p:cond delay="0"/>
+                                          </p:stCondLst>
+                                        </p:cTn>
+                                        <p:tgtEl>
+                                          <p:spTgt spid="132"/>
+                                        </p:tgtEl>
+                                        <p:attrNameLst>
+                                          <p:attrName>style.visibility</p:attrName>
+                                        </p:attrNameLst>
+                                      </p:cBhvr>
+                                      <p:to>
+                                        <p:strVal val="visible"/>
+                                      </p:to>
+                                    </p:set>
+                                  </p:childTnLst>
+                                </p:cTn>
+                              </p:par>
+                            </p:childTnLst>
+                          </p:cTn>
+                        </p:par>
+                      </p:childTnLst>
+                    </p:cTn>
+                  </p:par>
+                  <p:par>
+                    <p:cTn id="87" fill="hold">
+                      <p:stCondLst>
+                        <p:cond delay="indefinite"/>
+                      </p:stCondLst>
+                      <p:childTnLst>
+                        <p:par>
+                          <p:cTn id="88" fill="hold">
+                            <p:stCondLst>
+                              <p:cond delay="0"/>
+                            </p:stCondLst>
+                            <p:childTnLst>
+                              <p:par>
+                                <p:cTn id="89" presetID="1" presetClass="entr" presetSubtype="0" fill="hold" grpId="0" nodeType="clickEffect">
+                                  <p:stCondLst>
+                                    <p:cond delay="0"/>
+                                  </p:stCondLst>
+                                  <p:childTnLst>
+                                    <p:set>
+                                      <p:cBhvr>
+                                        <p:cTn id="90" dur="1" fill="hold">
+                                          <p:stCondLst>
+                                            <p:cond delay="0"/>
+                                          </p:stCondLst>
+                                        </p:cTn>
+                                        <p:tgtEl>
+                                          <p:spTgt spid="129"/>
+                                        </p:tgtEl>
+                                        <p:attrNameLst>
+                                          <p:attrName>style.visibility</p:attrName>
+                                        </p:attrNameLst>
+                                      </p:cBhvr>
+                                      <p:to>
+                                        <p:strVal val="visible"/>
+                                      </p:to>
+                                    </p:set>
+                                  </p:childTnLst>
+                                </p:cTn>
+                              </p:par>
+                              <p:par>
+                                <p:cTn id="91" presetID="1" presetClass="entr" presetSubtype="0" fill="hold" nodeType="withEffect">
+                                  <p:stCondLst>
+                                    <p:cond delay="0"/>
+                                  </p:stCondLst>
+                                  <p:childTnLst>
+                                    <p:set>
+                                      <p:cBhvr>
+                                        <p:cTn id="92" dur="1" fill="hold">
+                                          <p:stCondLst>
+                                            <p:cond delay="0"/>
+                                          </p:stCondLst>
+                                        </p:cTn>
+                                        <p:tgtEl>
+                                          <p:spTgt spid="128"/>
+                                        </p:tgtEl>
+                                        <p:attrNameLst>
+                                          <p:attrName>style.visibility</p:attrName>
+                                        </p:attrNameLst>
+                                      </p:cBhvr>
+                                      <p:to>
+                                        <p:strVal val="visible"/>
+                                      </p:to>
+                                    </p:set>
+                                  </p:childTnLst>
+                                </p:cTn>
+                              </p:par>
+                            </p:childTnLst>
+                          </p:cTn>
+                        </p:par>
+                      </p:childTnLst>
+                    </p:cTn>
+                  </p:par>
+                  <p:par>
+                    <p:cTn id="93" fill="hold">
+                      <p:stCondLst>
+                        <p:cond delay="indefinite"/>
+                      </p:stCondLst>
+                      <p:childTnLst>
+                        <p:par>
+                          <p:cTn id="94" fill="hold">
+                            <p:stCondLst>
+                              <p:cond delay="0"/>
+                            </p:stCondLst>
+                            <p:childTnLst>
+                              <p:par>
+                                <p:cTn id="95" presetID="1" presetClass="entr" presetSubtype="0" fill="hold" grpId="0" nodeType="clickEffect">
+                                  <p:stCondLst>
+                                    <p:cond delay="0"/>
+                                  </p:stCondLst>
+                                  <p:childTnLst>
+                                    <p:set>
+                                      <p:cBhvr>
+                                        <p:cTn id="96" dur="1" fill="hold">
+                                          <p:stCondLst>
+                                            <p:cond delay="0"/>
+                                          </p:stCondLst>
+                                        </p:cTn>
+                                        <p:tgtEl>
+                                          <p:spTgt spid="4"/>
+                                        </p:tgtEl>
+                                        <p:attrNameLst>
+                                          <p:attrName>style.visibility</p:attrName>
+                                        </p:attrNameLst>
+                                      </p:cBhvr>
+                                      <p:to>
+                                        <p:strVal val="visible"/>
+                                      </p:to>
+                                    </p:set>
+                                  </p:childTnLst>
+                                </p:cTn>
+                              </p:par>
+                              <p:par>
+                                <p:cTn id="97" presetID="1" presetClass="entr" presetSubtype="0" fill="hold" nodeType="withEffect">
+                                  <p:stCondLst>
+                                    <p:cond delay="0"/>
+                                  </p:stCondLst>
+                                  <p:childTnLst>
+                                    <p:set>
+                                      <p:cBhvr>
+                                        <p:cTn id="98" dur="1" fill="hold">
+                                          <p:stCondLst>
+                                            <p:cond delay="0"/>
+                                          </p:stCondLst>
+                                        </p:cTn>
+                                        <p:tgtEl>
+                                          <p:spTgt spid="147"/>
+                                        </p:tgtEl>
+                                        <p:attrNameLst>
+                                          <p:attrName>style.visibility</p:attrName>
+                                        </p:attrNameLst>
+                                      </p:cBhvr>
+                                      <p:to>
+                                        <p:strVal val="visible"/>
+                                      </p:to>
+                                    </p:set>
+                                  </p:childTnLst>
+                                </p:cTn>
+                              </p:par>
+                              <p:par>
+                                <p:cTn id="99" presetID="1" presetClass="entr" presetSubtype="0" fill="hold" grpId="0" nodeType="withEffect">
+                                  <p:stCondLst>
+                                    <p:cond delay="0"/>
+                                  </p:stCondLst>
+                                  <p:childTnLst>
+                                    <p:set>
+                                      <p:cBhvr>
+                                        <p:cTn id="100" dur="1" fill="hold">
+                                          <p:stCondLst>
+                                            <p:cond delay="0"/>
+                                          </p:stCondLst>
+                                        </p:cTn>
+                                        <p:tgtEl>
+                                          <p:spTgt spid="46"/>
+                                        </p:tgtEl>
+                                        <p:attrNameLst>
+                                          <p:attrName>style.visibility</p:attrName>
+                                        </p:attrNameLst>
+                                      </p:cBhvr>
+                                      <p:to>
+                                        <p:strVal val="visible"/>
+                                      </p:to>
+                                    </p:set>
+                                  </p:childTnLst>
+                                </p:cTn>
+                              </p:par>
+                              <p:par>
+                                <p:cTn id="101" presetID="1" presetClass="entr" presetSubtype="0" fill="hold" grpId="0" nodeType="withEffect">
+                                  <p:stCondLst>
+                                    <p:cond delay="0"/>
+                                  </p:stCondLst>
+                                  <p:childTnLst>
+                                    <p:set>
+                                      <p:cBhvr>
+                                        <p:cTn id="102" dur="1" fill="hold">
+                                          <p:stCondLst>
+                                            <p:cond delay="0"/>
+                                          </p:stCondLst>
+                                        </p:cTn>
+                                        <p:tgtEl>
+                                          <p:spTgt spid="106"/>
+                                        </p:tgtEl>
+                                        <p:attrNameLst>
+                                          <p:attrName>style.visibility</p:attrName>
+                                        </p:attrNameLst>
+                                      </p:cBhvr>
+                                      <p:to>
+                                        <p:strVal val="visible"/>
+                                      </p:to>
+                                    </p:set>
+                                  </p:childTnLst>
+                                </p:cTn>
+                              </p:par>
+                              <p:par>
+                                <p:cTn id="103" presetID="1" presetClass="entr" presetSubtype="0" fill="hold" grpId="0" nodeType="withEffect">
+                                  <p:stCondLst>
+                                    <p:cond delay="0"/>
+                                  </p:stCondLst>
+                                  <p:childTnLst>
+                                    <p:set>
+                                      <p:cBhvr>
+                                        <p:cTn id="104" dur="1" fill="hold">
+                                          <p:stCondLst>
+                                            <p:cond delay="0"/>
+                                          </p:stCondLst>
+                                        </p:cTn>
+                                        <p:tgtEl>
+                                          <p:spTgt spid="104"/>
+                                        </p:tgtEl>
+                                        <p:attrNameLst>
+                                          <p:attrName>style.visibility</p:attrName>
+                                        </p:attrNameLst>
+                                      </p:cBhvr>
+                                      <p:to>
+                                        <p:strVal val="visible"/>
+                                      </p:to>
+                                    </p:set>
+                                  </p:childTnLst>
+                                </p:cTn>
+                              </p:par>
+                              <p:par>
+                                <p:cTn id="105" presetID="1" presetClass="entr" presetSubtype="0" fill="hold" grpId="0" nodeType="withEffect">
+                                  <p:stCondLst>
+                                    <p:cond delay="0"/>
+                                  </p:stCondLst>
+                                  <p:childTnLst>
+                                    <p:set>
+                                      <p:cBhvr>
+                                        <p:cTn id="106" dur="1" fill="hold">
+                                          <p:stCondLst>
+                                            <p:cond delay="0"/>
+                                          </p:stCondLst>
+                                        </p:cTn>
+                                        <p:tgtEl>
+                                          <p:spTgt spid="105"/>
+                                        </p:tgtEl>
+                                        <p:attrNameLst>
+                                          <p:attrName>style.visibility</p:attrName>
+                                        </p:attrNameLst>
+                                      </p:cBhvr>
+                                      <p:to>
+                                        <p:strVal val="visible"/>
+                                      </p:to>
+                                    </p:set>
+                                  </p:childTnLst>
+                                </p:cTn>
+                              </p:par>
+                              <p:par>
+                                <p:cTn id="107" presetID="1" presetClass="entr" presetSubtype="0" fill="hold" nodeType="withEffect">
+                                  <p:stCondLst>
+                                    <p:cond delay="0"/>
+                                  </p:stCondLst>
+                                  <p:childTnLst>
+                                    <p:set>
+                                      <p:cBhvr>
+                                        <p:cTn id="108" dur="1" fill="hold">
+                                          <p:stCondLst>
+                                            <p:cond delay="0"/>
+                                          </p:stCondLst>
+                                        </p:cTn>
+                                        <p:tgtEl>
+                                          <p:spTgt spid="96"/>
+                                        </p:tgtEl>
+                                        <p:attrNameLst>
+                                          <p:attrName>style.visibility</p:attrName>
+                                        </p:attrNameLst>
+                                      </p:cBhvr>
+                                      <p:to>
+                                        <p:strVal val="visible"/>
+                                      </p:to>
+                                    </p:set>
+                                  </p:childTnLst>
+                                </p:cTn>
+                              </p:par>
+                              <p:par>
+                                <p:cTn id="109" presetID="1" presetClass="entr" presetSubtype="0" fill="hold" nodeType="withEffect">
+                                  <p:stCondLst>
+                                    <p:cond delay="0"/>
+                                  </p:stCondLst>
+                                  <p:childTnLst>
+                                    <p:set>
+                                      <p:cBhvr>
+                                        <p:cTn id="110" dur="1" fill="hold">
+                                          <p:stCondLst>
+                                            <p:cond delay="0"/>
+                                          </p:stCondLst>
+                                        </p:cTn>
+                                        <p:tgtEl>
+                                          <p:spTgt spid="108"/>
+                                        </p:tgtEl>
+                                        <p:attrNameLst>
+                                          <p:attrName>style.visibility</p:attrName>
+                                        </p:attrNameLst>
+                                      </p:cBhvr>
+                                      <p:to>
+                                        <p:strVal val="visible"/>
+                                      </p:to>
+                                    </p:set>
+                                  </p:childTnLst>
+                                </p:cTn>
+                              </p:par>
+                              <p:par>
+                                <p:cTn id="111" presetID="1" presetClass="entr" presetSubtype="0" fill="hold" nodeType="withEffect">
+                                  <p:stCondLst>
+                                    <p:cond delay="0"/>
+                                  </p:stCondLst>
+                                  <p:childTnLst>
+                                    <p:set>
+                                      <p:cBhvr>
+                                        <p:cTn id="112" dur="1" fill="hold">
+                                          <p:stCondLst>
+                                            <p:cond delay="0"/>
+                                          </p:stCondLst>
+                                        </p:cTn>
+                                        <p:tgtEl>
+                                          <p:spTgt spid="109"/>
+                                        </p:tgtEl>
+                                        <p:attrNameLst>
+                                          <p:attrName>style.visibility</p:attrName>
+                                        </p:attrNameLst>
+                                      </p:cBhvr>
+                                      <p:to>
+                                        <p:strVal val="visible"/>
+                                      </p:to>
+                                    </p:set>
+                                  </p:childTnLst>
+                                </p:cTn>
+                              </p:par>
+                            </p:childTnLst>
+                          </p:cTn>
+                        </p:par>
+                      </p:childTnLst>
+                    </p:cTn>
+                  </p:par>
+                  <p:par>
+                    <p:cTn id="113" fill="hold">
+                      <p:stCondLst>
+                        <p:cond delay="indefinite"/>
+                      </p:stCondLst>
+                      <p:childTnLst>
+                        <p:par>
+                          <p:cTn id="114" fill="hold">
+                            <p:stCondLst>
+                              <p:cond delay="0"/>
+                            </p:stCondLst>
+                            <p:childTnLst>
+                              <p:par>
+                                <p:cTn id="115" presetID="1" presetClass="entr" presetSubtype="0" fill="hold" grpId="0" nodeType="clickEffect">
+                                  <p:stCondLst>
+                                    <p:cond delay="0"/>
+                                  </p:stCondLst>
+                                  <p:childTnLst>
+                                    <p:set>
+                                      <p:cBhvr>
+                                        <p:cTn id="116" dur="1" fill="hold">
+                                          <p:stCondLst>
+                                            <p:cond delay="0"/>
+                                          </p:stCondLst>
+                                        </p:cTn>
+                                        <p:tgtEl>
+                                          <p:spTgt spid="21"/>
+                                        </p:tgtEl>
+                                        <p:attrNameLst>
+                                          <p:attrName>style.visibility</p:attrName>
+                                        </p:attrNameLst>
+                                      </p:cBhvr>
+                                      <p:to>
+                                        <p:strVal val="visible"/>
+                                      </p:to>
+                                    </p:set>
+                                  </p:childTnLst>
+                                </p:cTn>
+                              </p:par>
+                              <p:par>
+                                <p:cTn id="117" presetID="1" presetClass="entr" presetSubtype="0" fill="hold" grpId="0" nodeType="withEffect">
+                                  <p:stCondLst>
+                                    <p:cond delay="0"/>
+                                  </p:stCondLst>
+                                  <p:childTnLst>
+                                    <p:set>
+                                      <p:cBhvr>
+                                        <p:cTn id="118" dur="1" fill="hold">
+                                          <p:stCondLst>
+                                            <p:cond delay="0"/>
+                                          </p:stCondLst>
+                                        </p:cTn>
+                                        <p:tgtEl>
+                                          <p:spTgt spid="122"/>
+                                        </p:tgtEl>
+                                        <p:attrNameLst>
+                                          <p:attrName>style.visibility</p:attrName>
+                                        </p:attrNameLst>
+                                      </p:cBhvr>
+                                      <p:to>
+                                        <p:strVal val="visible"/>
+                                      </p:to>
+                                    </p:set>
+                                  </p:childTnLst>
+                                </p:cTn>
+                              </p:par>
+                              <p:par>
+                                <p:cTn id="119" presetID="1" presetClass="entr" presetSubtype="0" fill="hold" nodeType="withEffect">
+                                  <p:stCondLst>
+                                    <p:cond delay="0"/>
+                                  </p:stCondLst>
+                                  <p:childTnLst>
+                                    <p:set>
+                                      <p:cBhvr>
+                                        <p:cTn id="120" dur="1" fill="hold">
+                                          <p:stCondLst>
+                                            <p:cond delay="0"/>
+                                          </p:stCondLst>
+                                        </p:cTn>
+                                        <p:tgtEl>
+                                          <p:spTgt spid="123"/>
+                                        </p:tgtEl>
+                                        <p:attrNameLst>
+                                          <p:attrName>style.visibility</p:attrName>
+                                        </p:attrNameLst>
+                                      </p:cBhvr>
+                                      <p:to>
+                                        <p:strVal val="visible"/>
+                                      </p:to>
+                                    </p:set>
+                                  </p:childTnLst>
+                                </p:cTn>
+                              </p:par>
+                              <p:par>
+                                <p:cTn id="121" presetID="1" presetClass="entr" presetSubtype="0" fill="hold" grpId="0" nodeType="withEffect">
+                                  <p:stCondLst>
+                                    <p:cond delay="0"/>
+                                  </p:stCondLst>
+                                  <p:childTnLst>
+                                    <p:set>
+                                      <p:cBhvr>
+                                        <p:cTn id="122" dur="1" fill="hold">
+                                          <p:stCondLst>
+                                            <p:cond delay="0"/>
+                                          </p:stCondLst>
+                                        </p:cTn>
+                                        <p:tgtEl>
+                                          <p:spTgt spid="130"/>
+                                        </p:tgtEl>
+                                        <p:attrNameLst>
+                                          <p:attrName>style.visibility</p:attrName>
+                                        </p:attrNameLst>
+                                      </p:cBhvr>
+                                      <p:to>
+                                        <p:strVal val="visible"/>
+                                      </p:to>
+                                    </p:set>
+                                  </p:childTnLst>
+                                </p:cTn>
+                              </p:par>
+                              <p:par>
+                                <p:cTn id="123" presetID="1" presetClass="entr" presetSubtype="0" fill="hold" nodeType="withEffect">
+                                  <p:stCondLst>
+                                    <p:cond delay="0"/>
+                                  </p:stCondLst>
+                                  <p:childTnLst>
+                                    <p:set>
+                                      <p:cBhvr>
+                                        <p:cTn id="124" dur="1" fill="hold">
+                                          <p:stCondLst>
+                                            <p:cond delay="0"/>
+                                          </p:stCondLst>
+                                        </p:cTn>
+                                        <p:tgtEl>
+                                          <p:spTgt spid="131"/>
+                                        </p:tgtEl>
+                                        <p:attrNameLst>
+                                          <p:attrName>style.visibility</p:attrName>
+                                        </p:attrNameLst>
+                                      </p:cBhvr>
+                                      <p:to>
+                                        <p:strVal val="visible"/>
+                                      </p:to>
+                                    </p:set>
+                                  </p:childTnLst>
+                                </p:cTn>
+                              </p:par>
+                              <p:par>
+                                <p:cTn id="125" presetID="1" presetClass="entr" presetSubtype="0" fill="hold" grpId="0" nodeType="withEffect">
+                                  <p:stCondLst>
+                                    <p:cond delay="0"/>
+                                  </p:stCondLst>
+                                  <p:childTnLst>
+                                    <p:set>
+                                      <p:cBhvr>
+                                        <p:cTn id="126" dur="1" fill="hold">
+                                          <p:stCondLst>
+                                            <p:cond delay="0"/>
+                                          </p:stCondLst>
+                                        </p:cTn>
+                                        <p:tgtEl>
+                                          <p:spTgt spid="152"/>
+                                        </p:tgtEl>
+                                        <p:attrNameLst>
+                                          <p:attrName>style.visibility</p:attrName>
+                                        </p:attrNameLst>
+                                      </p:cBhvr>
+                                      <p:to>
+                                        <p:strVal val="visible"/>
+                                      </p:to>
+                                    </p:set>
+                                  </p:childTnLst>
+                                </p:cTn>
+                              </p:par>
+                              <p:par>
+                                <p:cTn id="127" presetID="1" presetClass="entr" presetSubtype="0" fill="hold" nodeType="withEffect">
+                                  <p:stCondLst>
+                                    <p:cond delay="0"/>
+                                  </p:stCondLst>
+                                  <p:childTnLst>
+                                    <p:set>
+                                      <p:cBhvr>
+                                        <p:cTn id="128" dur="1" fill="hold">
+                                          <p:stCondLst>
+                                            <p:cond delay="0"/>
+                                          </p:stCondLst>
+                                        </p:cTn>
+                                        <p:tgtEl>
+                                          <p:spTgt spid="153"/>
+                                        </p:tgtEl>
+                                        <p:attrNameLst>
+                                          <p:attrName>style.visibility</p:attrName>
+                                        </p:attrNameLst>
+                                      </p:cBhvr>
+                                      <p:to>
+                                        <p:strVal val="visible"/>
+                                      </p:to>
+                                    </p:set>
+                                  </p:childTnLst>
+                                </p:cTn>
+                              </p:par>
+                              <p:par>
+                                <p:cTn id="129" presetID="1" presetClass="entr" presetSubtype="0" fill="hold" nodeType="withEffect">
+                                  <p:stCondLst>
+                                    <p:cond delay="0"/>
+                                  </p:stCondLst>
+                                  <p:childTnLst>
+                                    <p:set>
+                                      <p:cBhvr>
+                                        <p:cTn id="130" dur="1" fill="hold">
+                                          <p:stCondLst>
+                                            <p:cond delay="0"/>
+                                          </p:stCondLst>
+                                        </p:cTn>
+                                        <p:tgtEl>
+                                          <p:spTgt spid="22"/>
+                                        </p:tgtEl>
+                                        <p:attrNameLst>
+                                          <p:attrName>style.visibility</p:attrName>
+                                        </p:attrNameLst>
+                                      </p:cBhvr>
+                                      <p:to>
+                                        <p:strVal val="visible"/>
+                                      </p:to>
+                                    </p:set>
+                                  </p:childTnLst>
+                                </p:cTn>
+                              </p:par>
+                              <p:par>
+                                <p:cTn id="131" presetID="1" presetClass="entr" presetSubtype="0" fill="hold" nodeType="withEffect">
+                                  <p:stCondLst>
+                                    <p:cond delay="0"/>
+                                  </p:stCondLst>
+                                  <p:childTnLst>
+                                    <p:set>
+                                      <p:cBhvr>
+                                        <p:cTn id="132" dur="1" fill="hold">
+                                          <p:stCondLst>
+                                            <p:cond delay="0"/>
+                                          </p:stCondLst>
+                                        </p:cTn>
+                                        <p:tgtEl>
+                                          <p:spTgt spid="77"/>
+                                        </p:tgtEl>
+                                        <p:attrNameLst>
+                                          <p:attrName>style.visibility</p:attrName>
+                                        </p:attrNameLst>
+                                      </p:cBhvr>
+                                      <p:to>
+                                        <p:strVal val="visible"/>
+                                      </p:to>
+                                    </p:set>
+                                  </p:childTnLst>
+                                </p:cTn>
+                              </p:par>
+                            </p:childTnLst>
+                          </p:cTn>
+                        </p:par>
+                      </p:childTnLst>
+                    </p:cTn>
+                  </p:par>
+                  <p:par>
+                    <p:cTn id="133" fill="hold">
+                      <p:stCondLst>
+                        <p:cond delay="indefinite"/>
+                      </p:stCondLst>
+                      <p:childTnLst>
+                        <p:par>
+                          <p:cTn id="134" fill="hold">
+                            <p:stCondLst>
+                              <p:cond delay="0"/>
+                            </p:stCondLst>
+                            <p:childTnLst>
+                              <p:par>
+                                <p:cTn id="135" presetID="1" presetClass="entr" presetSubtype="0" fill="hold" grpId="0" nodeType="clickEffect">
+                                  <p:stCondLst>
+                                    <p:cond delay="0"/>
+                                  </p:stCondLst>
+                                  <p:childTnLst>
+                                    <p:set>
+                                      <p:cBhvr>
+                                        <p:cTn id="136" dur="1" fill="hold">
+                                          <p:stCondLst>
+                                            <p:cond delay="0"/>
+                                          </p:stCondLst>
+                                        </p:cTn>
+                                        <p:tgtEl>
+                                          <p:spTgt spid="29"/>
+                                        </p:tgtEl>
+                                        <p:attrNameLst>
+                                          <p:attrName>style.visibility</p:attrName>
+                                        </p:attrNameLst>
+                                      </p:cBhvr>
+                                      <p:to>
+                                        <p:strVal val="visible"/>
+                                      </p:to>
+                                    </p:set>
+                                  </p:childTnLst>
+                                </p:cTn>
+                              </p:par>
+                              <p:par>
+                                <p:cTn id="137" presetID="1" presetClass="entr" presetSubtype="0" fill="hold" grpId="0" nodeType="withEffect">
+                                  <p:stCondLst>
+                                    <p:cond delay="0"/>
+                                  </p:stCondLst>
+                                  <p:childTnLst>
+                                    <p:set>
+                                      <p:cBhvr>
+                                        <p:cTn id="138" dur="1" fill="hold">
+                                          <p:stCondLst>
+                                            <p:cond delay="0"/>
+                                          </p:stCondLst>
+                                        </p:cTn>
+                                        <p:tgtEl>
+                                          <p:spTgt spid="140"/>
+                                        </p:tgtEl>
+                                        <p:attrNameLst>
+                                          <p:attrName>style.visibility</p:attrName>
+                                        </p:attrNameLst>
+                                      </p:cBhvr>
+                                      <p:to>
+                                        <p:strVal val="visible"/>
+                                      </p:to>
+                                    </p:set>
+                                  </p:childTnLst>
+                                </p:cTn>
+                              </p:par>
+                              <p:par>
+                                <p:cTn id="139" presetID="1" presetClass="entr" presetSubtype="0" fill="hold" nodeType="withEffect">
+                                  <p:stCondLst>
+                                    <p:cond delay="0"/>
+                                  </p:stCondLst>
+                                  <p:childTnLst>
+                                    <p:set>
+                                      <p:cBhvr>
+                                        <p:cTn id="140" dur="1" fill="hold">
+                                          <p:stCondLst>
+                                            <p:cond delay="0"/>
+                                          </p:stCondLst>
+                                        </p:cTn>
+                                        <p:tgtEl>
+                                          <p:spTgt spid="141"/>
+                                        </p:tgtEl>
+                                        <p:attrNameLst>
+                                          <p:attrName>style.visibility</p:attrName>
+                                        </p:attrNameLst>
+                                      </p:cBhvr>
+                                      <p:to>
+                                        <p:strVal val="visible"/>
+                                      </p:to>
+                                    </p:set>
+                                  </p:childTnLst>
+                                </p:cTn>
+                              </p:par>
+                              <p:par>
+                                <p:cTn id="141" presetID="1" presetClass="entr" presetSubtype="0" fill="hold" grpId="0" nodeType="withEffect">
+                                  <p:stCondLst>
+                                    <p:cond delay="0"/>
+                                  </p:stCondLst>
+                                  <p:childTnLst>
+                                    <p:set>
+                                      <p:cBhvr>
+                                        <p:cTn id="142" dur="1" fill="hold">
+                                          <p:stCondLst>
+                                            <p:cond delay="0"/>
+                                          </p:stCondLst>
+                                        </p:cTn>
+                                        <p:tgtEl>
+                                          <p:spTgt spid="143"/>
+                                        </p:tgtEl>
+                                        <p:attrNameLst>
+                                          <p:attrName>style.visibility</p:attrName>
+                                        </p:attrNameLst>
+                                      </p:cBhvr>
+                                      <p:to>
+                                        <p:strVal val="visible"/>
+                                      </p:to>
+                                    </p:set>
+                                  </p:childTnLst>
+                                </p:cTn>
+                              </p:par>
+                              <p:par>
+                                <p:cTn id="143" presetID="1" presetClass="entr" presetSubtype="0" fill="hold" nodeType="withEffect">
+                                  <p:stCondLst>
+                                    <p:cond delay="0"/>
+                                  </p:stCondLst>
+                                  <p:childTnLst>
+                                    <p:set>
+                                      <p:cBhvr>
+                                        <p:cTn id="144" dur="1" fill="hold">
+                                          <p:stCondLst>
+                                            <p:cond delay="0"/>
+                                          </p:stCondLst>
+                                        </p:cTn>
+                                        <p:tgtEl>
+                                          <p:spTgt spid="144"/>
+                                        </p:tgtEl>
+                                        <p:attrNameLst>
+                                          <p:attrName>style.visibility</p:attrName>
+                                        </p:attrNameLst>
+                                      </p:cBhvr>
+                                      <p:to>
+                                        <p:strVal val="visible"/>
+                                      </p:to>
+                                    </p:set>
+                                  </p:childTnLst>
+                                </p:cTn>
+                              </p:par>
+                            </p:childTnLst>
+                          </p:cTn>
+                        </p:par>
+                      </p:childTnLst>
+                    </p:cTn>
+                  </p:par>
+                </p:childTnLst>
+              </p:cTn>
+              <p:prevCondLst>
+                <p:cond evt="onPrev" delay="0">
+                  <p:tgtEl>
+                    <p:sldTgt/>
+                  </p:tgtEl>
+                </p:cond>
+              </p:prevCondLst>
+              <p:nextCondLst>
+                <p:cond evt="onNext" delay="0">
+                  <p:tgtEl>
+                    <p:sldTgt/>
+                  </p:tgtEl>
+                </p:cond>
+              </p:nextCondLst>
+            </p:seq>
+          </p:childTnLst>
+        </p:cTn>
+      </p:par>
+    </p:tnLst>
+    <p:bldLst>
+      <p:bldP spid="4" grpId="0" animBg="1"/>
+      <p:bldP spid="7" grpId="0" animBg="1"/>
+      <p:bldP spid="21" grpId="0" animBg="1"/>
+      <p:bldP spid="34" grpId="0" animBg="1"/>
+      <p:bldP spid="46" grpId="0"/>
+      <p:bldP spid="146" grpId="0" animBg="1"/>
+      <p:bldP spid="152" grpId="0" animBg="1"/>
+      <p:bldP spid="9" grpId="0" animBg="1"/>
+      <p:bldP spid="51" grpId="0" animBg="1"/>
+      <p:bldP spid="52" grpId="0" animBg="1"/>
+      <p:bldP spid="59" grpId="0" animBg="1"/>
+      <p:bldP spid="28" grpId="0"/>
+      <p:bldP spid="29" grpId="0" animBg="1"/>
+      <p:bldP spid="73" grpId="0" animBg="1"/>
+      <p:bldP spid="82" grpId="0" animBg="1"/>
+      <p:bldP spid="93" grpId="0"/>
+      <p:bldP spid="49" grpId="0" animBg="1"/>
+      <p:bldP spid="114" grpId="0" animBg="1"/>
+      <p:bldP spid="129" grpId="0" animBg="1"/>
+      <p:bldP spid="133" grpId="0"/>
+      <p:bldP spid="134" grpId="0"/>
+      <p:bldP spid="12" grpId="0" animBg="1"/>
+      <p:bldP spid="99" grpId="0" animBg="1"/>
+      <p:bldP spid="104" grpId="0" animBg="1"/>
+      <p:bldP spid="105" grpId="0" animBg="1"/>
+      <p:bldP spid="106" grpId="0" animBg="1"/>
+      <p:bldP spid="122" grpId="0" animBg="1"/>
+      <p:bldP spid="130" grpId="0" animBg="1"/>
+      <p:bldP spid="140" grpId="0" animBg="1"/>
+      <p:bldP spid="143" grpId="0" animBg="1"/>
+      <p:bldP spid="163" grpId="0"/>
+    </p:bldLst>
+  </p:timing>
 </p:sld>
 </file>
 
